--- a/Pres.pptx
+++ b/Pres.pptx
@@ -9,14 +9,16 @@
     <p:sldId id="257" r:id="rId3"/>
     <p:sldId id="258" r:id="rId4"/>
     <p:sldId id="259" r:id="rId5"/>
-    <p:sldId id="260" r:id="rId6"/>
-    <p:sldId id="261" r:id="rId7"/>
-    <p:sldId id="262" r:id="rId8"/>
-    <p:sldId id="263" r:id="rId9"/>
-    <p:sldId id="264" r:id="rId10"/>
-    <p:sldId id="265" r:id="rId11"/>
-    <p:sldId id="266" r:id="rId12"/>
-    <p:sldId id="267" r:id="rId13"/>
+    <p:sldId id="268" r:id="rId6"/>
+    <p:sldId id="260" r:id="rId7"/>
+    <p:sldId id="261" r:id="rId8"/>
+    <p:sldId id="262" r:id="rId9"/>
+    <p:sldId id="263" r:id="rId10"/>
+    <p:sldId id="264" r:id="rId11"/>
+    <p:sldId id="265" r:id="rId12"/>
+    <p:sldId id="266" r:id="rId13"/>
+    <p:sldId id="267" r:id="rId14"/>
+    <p:sldId id="269" r:id="rId15"/>
   </p:sldIdLst>
   <p:sldSz cx="12192000" cy="6858000"/>
   <p:notesSz cx="6858000" cy="9144000"/>
@@ -115,6 +117,11 @@
       </a:defRPr>
     </a:lvl9pPr>
   </p:defaultTextStyle>
+  <p:extLst>
+    <p:ext uri="{EFAFB233-063F-42B5-8137-9DF3F51BA10A}">
+      <p15:sldGuideLst xmlns:p15="http://schemas.microsoft.com/office/powerpoint/2012/main"/>
+    </p:ext>
+  </p:extLst>
 </p:presentation>
 </file>
 
@@ -131,7 +138,7 @@
   <pc:docChgLst>
     <pc:chgData name="petar syleimezqn" userId="602721d0eca70e1c" providerId="LiveId" clId="{BA413C4D-B52A-4E88-B2A0-849124435C84}"/>
     <pc:docChg chg="undo custSel addSld modSld">
-      <pc:chgData name="petar syleimezqn" userId="602721d0eca70e1c" providerId="LiveId" clId="{BA413C4D-B52A-4E88-B2A0-849124435C84}" dt="2022-04-17T06:53:08.602" v="419" actId="26606"/>
+      <pc:chgData name="petar syleimezqn" userId="602721d0eca70e1c" providerId="LiveId" clId="{BA413C4D-B52A-4E88-B2A0-849124435C84}" dt="2022-04-17T10:57:32.684" v="435" actId="5793"/>
       <pc:docMkLst>
         <pc:docMk/>
       </pc:docMkLst>
@@ -1127,6 +1134,132 @@
           <ac:spMkLst>
             <pc:docMk/>
             <pc:sldMk cId="2738564866" sldId="267"/>
+            <ac:spMk id="16" creationId="{1F23E73A-FDC8-462C-83C1-3AA8961449CF}"/>
+          </ac:spMkLst>
+        </pc:spChg>
+      </pc:sldChg>
+      <pc:sldChg chg="addSp modSp new mod setBg">
+        <pc:chgData name="petar syleimezqn" userId="602721d0eca70e1c" providerId="LiveId" clId="{BA413C4D-B52A-4E88-B2A0-849124435C84}" dt="2022-04-17T10:55:15.130" v="426" actId="26606"/>
+        <pc:sldMkLst>
+          <pc:docMk/>
+          <pc:sldMk cId="2997750330" sldId="268"/>
+        </pc:sldMkLst>
+        <pc:spChg chg="mod">
+          <ac:chgData name="petar syleimezqn" userId="602721d0eca70e1c" providerId="LiveId" clId="{BA413C4D-B52A-4E88-B2A0-849124435C84}" dt="2022-04-17T10:55:15.130" v="426" actId="26606"/>
+          <ac:spMkLst>
+            <pc:docMk/>
+            <pc:sldMk cId="2997750330" sldId="268"/>
+            <ac:spMk id="2" creationId="{A1025ADB-9A00-4193-9186-FB07BDF8B1BE}"/>
+          </ac:spMkLst>
+        </pc:spChg>
+        <pc:spChg chg="mod">
+          <ac:chgData name="petar syleimezqn" userId="602721d0eca70e1c" providerId="LiveId" clId="{BA413C4D-B52A-4E88-B2A0-849124435C84}" dt="2022-04-17T10:55:15.130" v="426" actId="26606"/>
+          <ac:spMkLst>
+            <pc:docMk/>
+            <pc:sldMk cId="2997750330" sldId="268"/>
+            <ac:spMk id="3" creationId="{FA926B6A-6860-4257-B652-2F5EEE73662F}"/>
+          </ac:spMkLst>
+        </pc:spChg>
+        <pc:spChg chg="add">
+          <ac:chgData name="petar syleimezqn" userId="602721d0eca70e1c" providerId="LiveId" clId="{BA413C4D-B52A-4E88-B2A0-849124435C84}" dt="2022-04-17T10:55:15.130" v="426" actId="26606"/>
+          <ac:spMkLst>
+            <pc:docMk/>
+            <pc:sldMk cId="2997750330" sldId="268"/>
+            <ac:spMk id="8" creationId="{324E43EB-867C-4B35-9A5C-E435157C7297}"/>
+          </ac:spMkLst>
+        </pc:spChg>
+        <pc:spChg chg="add">
+          <ac:chgData name="petar syleimezqn" userId="602721d0eca70e1c" providerId="LiveId" clId="{BA413C4D-B52A-4E88-B2A0-849124435C84}" dt="2022-04-17T10:55:15.130" v="426" actId="26606"/>
+          <ac:spMkLst>
+            <pc:docMk/>
+            <pc:sldMk cId="2997750330" sldId="268"/>
+            <ac:spMk id="10" creationId="{A7C0F5DA-B59F-4F13-8BB8-FFD8F2C572BC}"/>
+          </ac:spMkLst>
+        </pc:spChg>
+        <pc:spChg chg="add">
+          <ac:chgData name="petar syleimezqn" userId="602721d0eca70e1c" providerId="LiveId" clId="{BA413C4D-B52A-4E88-B2A0-849124435C84}" dt="2022-04-17T10:55:15.130" v="426" actId="26606"/>
+          <ac:spMkLst>
+            <pc:docMk/>
+            <pc:sldMk cId="2997750330" sldId="268"/>
+            <ac:spMk id="12" creationId="{9CEA1DEC-CC9E-4776-9E08-048A15BFA6CA}"/>
+          </ac:spMkLst>
+        </pc:spChg>
+        <pc:spChg chg="add">
+          <ac:chgData name="petar syleimezqn" userId="602721d0eca70e1c" providerId="LiveId" clId="{BA413C4D-B52A-4E88-B2A0-849124435C84}" dt="2022-04-17T10:55:15.130" v="426" actId="26606"/>
+          <ac:spMkLst>
+            <pc:docMk/>
+            <pc:sldMk cId="2997750330" sldId="268"/>
+            <ac:spMk id="14" creationId="{9CE399CF-F4B8-4832-A8CB-B93F6B1EF44B}"/>
+          </ac:spMkLst>
+        </pc:spChg>
+        <pc:spChg chg="add">
+          <ac:chgData name="petar syleimezqn" userId="602721d0eca70e1c" providerId="LiveId" clId="{BA413C4D-B52A-4E88-B2A0-849124435C84}" dt="2022-04-17T10:55:15.130" v="426" actId="26606"/>
+          <ac:spMkLst>
+            <pc:docMk/>
+            <pc:sldMk cId="2997750330" sldId="268"/>
+            <ac:spMk id="16" creationId="{1F23E73A-FDC8-462C-83C1-3AA8961449CF}"/>
+          </ac:spMkLst>
+        </pc:spChg>
+      </pc:sldChg>
+      <pc:sldChg chg="addSp modSp new mod setBg">
+        <pc:chgData name="petar syleimezqn" userId="602721d0eca70e1c" providerId="LiveId" clId="{BA413C4D-B52A-4E88-B2A0-849124435C84}" dt="2022-04-17T10:57:32.684" v="435" actId="5793"/>
+        <pc:sldMkLst>
+          <pc:docMk/>
+          <pc:sldMk cId="2213284424" sldId="269"/>
+        </pc:sldMkLst>
+        <pc:spChg chg="mod">
+          <ac:chgData name="petar syleimezqn" userId="602721d0eca70e1c" providerId="LiveId" clId="{BA413C4D-B52A-4E88-B2A0-849124435C84}" dt="2022-04-17T10:57:15.548" v="433" actId="26606"/>
+          <ac:spMkLst>
+            <pc:docMk/>
+            <pc:sldMk cId="2213284424" sldId="269"/>
+            <ac:spMk id="2" creationId="{EB87DCEE-79B6-4802-8799-30C9942E5EA8}"/>
+          </ac:spMkLst>
+        </pc:spChg>
+        <pc:spChg chg="mod">
+          <ac:chgData name="petar syleimezqn" userId="602721d0eca70e1c" providerId="LiveId" clId="{BA413C4D-B52A-4E88-B2A0-849124435C84}" dt="2022-04-17T10:57:32.684" v="435" actId="5793"/>
+          <ac:spMkLst>
+            <pc:docMk/>
+            <pc:sldMk cId="2213284424" sldId="269"/>
+            <ac:spMk id="3" creationId="{63006A7D-BE2B-457A-9955-FA16A3D1BD38}"/>
+          </ac:spMkLst>
+        </pc:spChg>
+        <pc:spChg chg="add">
+          <ac:chgData name="petar syleimezqn" userId="602721d0eca70e1c" providerId="LiveId" clId="{BA413C4D-B52A-4E88-B2A0-849124435C84}" dt="2022-04-17T10:57:15.548" v="433" actId="26606"/>
+          <ac:spMkLst>
+            <pc:docMk/>
+            <pc:sldMk cId="2213284424" sldId="269"/>
+            <ac:spMk id="8" creationId="{324E43EB-867C-4B35-9A5C-E435157C7297}"/>
+          </ac:spMkLst>
+        </pc:spChg>
+        <pc:spChg chg="add">
+          <ac:chgData name="petar syleimezqn" userId="602721d0eca70e1c" providerId="LiveId" clId="{BA413C4D-B52A-4E88-B2A0-849124435C84}" dt="2022-04-17T10:57:15.548" v="433" actId="26606"/>
+          <ac:spMkLst>
+            <pc:docMk/>
+            <pc:sldMk cId="2213284424" sldId="269"/>
+            <ac:spMk id="10" creationId="{A7C0F5DA-B59F-4F13-8BB8-FFD8F2C572BC}"/>
+          </ac:spMkLst>
+        </pc:spChg>
+        <pc:spChg chg="add">
+          <ac:chgData name="petar syleimezqn" userId="602721d0eca70e1c" providerId="LiveId" clId="{BA413C4D-B52A-4E88-B2A0-849124435C84}" dt="2022-04-17T10:57:15.548" v="433" actId="26606"/>
+          <ac:spMkLst>
+            <pc:docMk/>
+            <pc:sldMk cId="2213284424" sldId="269"/>
+            <ac:spMk id="12" creationId="{9CEA1DEC-CC9E-4776-9E08-048A15BFA6CA}"/>
+          </ac:spMkLst>
+        </pc:spChg>
+        <pc:spChg chg="add">
+          <ac:chgData name="petar syleimezqn" userId="602721d0eca70e1c" providerId="LiveId" clId="{BA413C4D-B52A-4E88-B2A0-849124435C84}" dt="2022-04-17T10:57:15.548" v="433" actId="26606"/>
+          <ac:spMkLst>
+            <pc:docMk/>
+            <pc:sldMk cId="2213284424" sldId="269"/>
+            <ac:spMk id="14" creationId="{9CE399CF-F4B8-4832-A8CB-B93F6B1EF44B}"/>
+          </ac:spMkLst>
+        </pc:spChg>
+        <pc:spChg chg="add">
+          <ac:chgData name="petar syleimezqn" userId="602721d0eca70e1c" providerId="LiveId" clId="{BA413C4D-B52A-4E88-B2A0-849124435C84}" dt="2022-04-17T10:57:15.548" v="433" actId="26606"/>
+          <ac:spMkLst>
+            <pc:docMk/>
+            <pc:sldMk cId="2213284424" sldId="269"/>
             <ac:spMk id="16" creationId="{1F23E73A-FDC8-462C-83C1-3AA8961449CF}"/>
           </ac:spMkLst>
         </pc:spChg>
@@ -18412,17 +18545,19 @@
       </p:sp>
       <p:pic>
         <p:nvPicPr>
-          <p:cNvPr id="4" name="Picture 3" descr="Text&#10;&#10;Description automatically generated">
+          <p:cNvPr id="4" name="Content Placeholder 3" descr="Text&#10;&#10;Description automatically generated">
             <a:extLst>
               <a:ext uri="{FF2B5EF4-FFF2-40B4-BE49-F238E27FC236}">
-                <a16:creationId xmlns:a16="http://schemas.microsoft.com/office/drawing/2014/main" id="{B5E96F61-BEE6-4CEF-B713-6BA55C3626BE}"/>
+                <a16:creationId xmlns:a16="http://schemas.microsoft.com/office/drawing/2014/main" id="{0B0B6AC4-48E4-4B87-A7F2-08E77FA07762}"/>
               </a:ext>
             </a:extLst>
           </p:cNvPr>
           <p:cNvPicPr>
-            <a:picLocks noChangeAspect="1"/>
+            <a:picLocks noGrp="1" noChangeAspect="1"/>
           </p:cNvPicPr>
-          <p:nvPr/>
+          <p:nvPr>
+            <p:ph idx="1"/>
+          </p:nvPr>
         </p:nvPicPr>
         <p:blipFill>
           <a:blip r:embed="rId2"/>
@@ -18432,8 +18567,8 @@
         </p:blipFill>
         <p:spPr>
           <a:xfrm>
-            <a:off x="5147877" y="384424"/>
-            <a:ext cx="3558355" cy="6100782"/>
+            <a:off x="5391346" y="643466"/>
+            <a:ext cx="3774599" cy="5571067"/>
           </a:xfrm>
           <a:prstGeom prst="rect">
             <a:avLst/>
@@ -18443,7 +18578,7 @@
     </p:spTree>
     <p:extLst>
       <p:ext uri="{BB962C8B-B14F-4D97-AF65-F5344CB8AC3E}">
-        <p14:creationId xmlns:p14="http://schemas.microsoft.com/office/powerpoint/2010/main" val="3828792251"/>
+        <p14:creationId xmlns:p14="http://schemas.microsoft.com/office/powerpoint/2010/main" val="965916871"/>
       </p:ext>
     </p:extLst>
   </p:cSld>
@@ -19562,6 +19697,1156 @@
       </p:sp>
       <p:pic>
         <p:nvPicPr>
+          <p:cNvPr id="4" name="Picture 3" descr="Text&#10;&#10;Description automatically generated">
+            <a:extLst>
+              <a:ext uri="{FF2B5EF4-FFF2-40B4-BE49-F238E27FC236}">
+                <a16:creationId xmlns:a16="http://schemas.microsoft.com/office/drawing/2014/main" id="{B5E96F61-BEE6-4CEF-B713-6BA55C3626BE}"/>
+              </a:ext>
+            </a:extLst>
+          </p:cNvPr>
+          <p:cNvPicPr>
+            <a:picLocks noChangeAspect="1"/>
+          </p:cNvPicPr>
+          <p:nvPr/>
+        </p:nvPicPr>
+        <p:blipFill>
+          <a:blip r:embed="rId2"/>
+          <a:stretch>
+            <a:fillRect/>
+          </a:stretch>
+        </p:blipFill>
+        <p:spPr>
+          <a:xfrm>
+            <a:off x="5147877" y="384424"/>
+            <a:ext cx="3558355" cy="6100782"/>
+          </a:xfrm>
+          <a:prstGeom prst="rect">
+            <a:avLst/>
+          </a:prstGeom>
+        </p:spPr>
+      </p:pic>
+    </p:spTree>
+    <p:extLst>
+      <p:ext uri="{BB962C8B-B14F-4D97-AF65-F5344CB8AC3E}">
+        <p14:creationId xmlns:p14="http://schemas.microsoft.com/office/powerpoint/2010/main" val="3828792251"/>
+      </p:ext>
+    </p:extLst>
+  </p:cSld>
+  <p:clrMapOvr>
+    <a:masterClrMapping/>
+  </p:clrMapOvr>
+</p:sld>
+</file>
+
+<file path=ppt/slides/slide12.xml><?xml version="1.0" encoding="utf-8"?>
+<p:sld xmlns:a="http://schemas.openxmlformats.org/drawingml/2006/main" xmlns:r="http://schemas.openxmlformats.org/officeDocument/2006/relationships" xmlns:p="http://schemas.openxmlformats.org/presentationml/2006/main">
+  <p:cSld>
+    <p:bg>
+      <p:bgPr>
+        <a:solidFill>
+          <a:schemeClr val="bg1"/>
+        </a:solidFill>
+        <a:effectLst/>
+      </p:bgPr>
+    </p:bg>
+    <p:spTree>
+      <p:nvGrpSpPr>
+        <p:cNvPr id="1" name=""/>
+        <p:cNvGrpSpPr/>
+        <p:nvPr/>
+      </p:nvGrpSpPr>
+      <p:grpSpPr>
+        <a:xfrm>
+          <a:off x="0" y="0"/>
+          <a:ext cx="0" cy="0"/>
+          <a:chOff x="0" y="0"/>
+          <a:chExt cx="0" cy="0"/>
+        </a:xfrm>
+      </p:grpSpPr>
+      <p:sp>
+        <p:nvSpPr>
+          <p:cNvPr id="9" name="Rectangle 8">
+            <a:extLst>
+              <a:ext uri="{FF2B5EF4-FFF2-40B4-BE49-F238E27FC236}">
+                <a16:creationId xmlns:a16="http://schemas.microsoft.com/office/drawing/2014/main" id="{388DD50E-1D2D-48C6-A470-79FB7F337F8A}"/>
+              </a:ext>
+              <a:ext uri="{C183D7F6-B498-43B3-948B-1728B52AA6E4}">
+                <adec:decorative xmlns:adec="http://schemas.microsoft.com/office/drawing/2017/decorative" val="1"/>
+              </a:ext>
+            </a:extLst>
+          </p:cNvPr>
+          <p:cNvSpPr>
+            <a:spLocks noGrp="1" noRot="1" noChangeAspect="1" noMove="1" noResize="1" noEditPoints="1" noAdjustHandles="1" noChangeArrowheads="1" noChangeShapeType="1" noTextEdit="1"/>
+          </p:cNvSpPr>
+          <p:nvPr>
+            <p:extLst>
+              <p:ext uri="{386F3935-93C4-4BCD-93E2-E3B085C9AB24}">
+                <p16:designElem xmlns:p16="http://schemas.microsoft.com/office/powerpoint/2015/main" val="1"/>
+              </p:ext>
+            </p:extLst>
+          </p:nvPr>
+        </p:nvSpPr>
+        <p:spPr>
+          <a:xfrm>
+            <a:off x="10437812" y="0"/>
+            <a:ext cx="685800" cy="1143000"/>
+          </a:xfrm>
+          <a:prstGeom prst="rect">
+            <a:avLst/>
+          </a:prstGeom>
+          <a:solidFill>
+            <a:schemeClr val="accent1"/>
+          </a:solidFill>
+          <a:ln>
+            <a:noFill/>
+          </a:ln>
+        </p:spPr>
+        <p:style>
+          <a:lnRef idx="1">
+            <a:schemeClr val="accent1"/>
+          </a:lnRef>
+          <a:fillRef idx="3">
+            <a:schemeClr val="accent1"/>
+          </a:fillRef>
+          <a:effectRef idx="2">
+            <a:schemeClr val="accent1"/>
+          </a:effectRef>
+          <a:fontRef idx="minor">
+            <a:schemeClr val="lt1"/>
+          </a:fontRef>
+        </p:style>
+      </p:sp>
+      <p:sp useBgFill="1">
+        <p:nvSpPr>
+          <p:cNvPr id="11" name="Rectangle 10">
+            <a:extLst>
+              <a:ext uri="{FF2B5EF4-FFF2-40B4-BE49-F238E27FC236}">
+                <a16:creationId xmlns:a16="http://schemas.microsoft.com/office/drawing/2014/main" id="{85F279D6-ED25-4D3F-9479-8ABB21867D9B}"/>
+              </a:ext>
+              <a:ext uri="{C183D7F6-B498-43B3-948B-1728B52AA6E4}">
+                <adec:decorative xmlns:adec="http://schemas.microsoft.com/office/drawing/2017/decorative" val="1"/>
+              </a:ext>
+            </a:extLst>
+          </p:cNvPr>
+          <p:cNvSpPr>
+            <a:spLocks noGrp="1" noRot="1" noChangeAspect="1" noMove="1" noResize="1" noEditPoints="1" noAdjustHandles="1" noChangeArrowheads="1" noChangeShapeType="1" noTextEdit="1"/>
+          </p:cNvSpPr>
+          <p:nvPr>
+            <p:extLst>
+              <p:ext uri="{386F3935-93C4-4BCD-93E2-E3B085C9AB24}">
+                <p16:designElem xmlns:p16="http://schemas.microsoft.com/office/powerpoint/2015/main" val="1"/>
+              </p:ext>
+            </p:extLst>
+          </p:nvPr>
+        </p:nvSpPr>
+        <p:spPr>
+          <a:xfrm>
+            <a:off x="0" y="0"/>
+            <a:ext cx="12192000" cy="6858000"/>
+          </a:xfrm>
+          <a:prstGeom prst="rect">
+            <a:avLst/>
+          </a:prstGeom>
+          <a:ln>
+            <a:noFill/>
+          </a:ln>
+        </p:spPr>
+        <p:style>
+          <a:lnRef idx="2">
+            <a:schemeClr val="accent1">
+              <a:shade val="50000"/>
+            </a:schemeClr>
+          </a:lnRef>
+          <a:fillRef idx="1">
+            <a:schemeClr val="accent1"/>
+          </a:fillRef>
+          <a:effectRef idx="0">
+            <a:schemeClr val="accent1"/>
+          </a:effectRef>
+          <a:fontRef idx="minor">
+            <a:schemeClr val="lt1"/>
+          </a:fontRef>
+        </p:style>
+        <p:txBody>
+          <a:bodyPr rtlCol="0" anchor="ctr"/>
+          <a:lstStyle/>
+          <a:p>
+            <a:pPr algn="ctr"/>
+            <a:endParaRPr lang="en-US"/>
+          </a:p>
+        </p:txBody>
+      </p:sp>
+      <p:sp>
+        <p:nvSpPr>
+          <p:cNvPr id="13" name="Freeform: Shape 12">
+            <a:extLst>
+              <a:ext uri="{FF2B5EF4-FFF2-40B4-BE49-F238E27FC236}">
+                <a16:creationId xmlns:a16="http://schemas.microsoft.com/office/drawing/2014/main" id="{38D0B1B4-C487-47EF-B7D0-421066454CB6}"/>
+              </a:ext>
+              <a:ext uri="{C183D7F6-B498-43B3-948B-1728B52AA6E4}">
+                <adec:decorative xmlns:adec="http://schemas.microsoft.com/office/drawing/2017/decorative" val="1"/>
+              </a:ext>
+            </a:extLst>
+          </p:cNvPr>
+          <p:cNvSpPr>
+            <a:spLocks noGrp="1" noRot="1" noChangeAspect="1" noMove="1" noResize="1" noEditPoints="1" noAdjustHandles="1" noChangeArrowheads="1" noChangeShapeType="1" noTextEdit="1"/>
+          </p:cNvSpPr>
+          <p:nvPr>
+            <p:extLst>
+              <p:ext uri="{386F3935-93C4-4BCD-93E2-E3B085C9AB24}">
+                <p16:designElem xmlns:p16="http://schemas.microsoft.com/office/powerpoint/2015/main" val="1"/>
+              </p:ext>
+            </p:extLst>
+          </p:nvPr>
+        </p:nvSpPr>
+        <p:spPr>
+          <a:xfrm>
+            <a:off x="641275" y="643466"/>
+            <a:ext cx="1970939" cy="5571067"/>
+          </a:xfrm>
+          <a:custGeom>
+            <a:avLst/>
+            <a:gdLst>
+              <a:gd name="connsiteX0" fmla="*/ 0 w 1970939"/>
+              <a:gd name="connsiteY0" fmla="*/ 0 h 5571067"/>
+              <a:gd name="connsiteX1" fmla="*/ 1774861 w 1970939"/>
+              <a:gd name="connsiteY1" fmla="*/ 0 h 5571067"/>
+              <a:gd name="connsiteX2" fmla="*/ 1780256 w 1970939"/>
+              <a:gd name="connsiteY2" fmla="*/ 32931 h 5571067"/>
+              <a:gd name="connsiteX3" fmla="*/ 1802197 w 1970939"/>
+              <a:gd name="connsiteY3" fmla="*/ 170349 h 5571067"/>
+              <a:gd name="connsiteX4" fmla="*/ 1820981 w 1970939"/>
+              <a:gd name="connsiteY4" fmla="*/ 308372 h 5571067"/>
+              <a:gd name="connsiteX5" fmla="*/ 1839923 w 1970939"/>
+              <a:gd name="connsiteY5" fmla="*/ 445791 h 5571067"/>
+              <a:gd name="connsiteX6" fmla="*/ 1857602 w 1970939"/>
+              <a:gd name="connsiteY6" fmla="*/ 583814 h 5571067"/>
+              <a:gd name="connsiteX7" fmla="*/ 1872756 w 1970939"/>
+              <a:gd name="connsiteY7" fmla="*/ 720022 h 5571067"/>
+              <a:gd name="connsiteX8" fmla="*/ 1887120 w 1970939"/>
+              <a:gd name="connsiteY8" fmla="*/ 858046 h 5571067"/>
+              <a:gd name="connsiteX9" fmla="*/ 1900223 w 1970939"/>
+              <a:gd name="connsiteY9" fmla="*/ 995464 h 5571067"/>
+              <a:gd name="connsiteX10" fmla="*/ 1911588 w 1970939"/>
+              <a:gd name="connsiteY10" fmla="*/ 1130461 h 5571067"/>
+              <a:gd name="connsiteX11" fmla="*/ 1922953 w 1970939"/>
+              <a:gd name="connsiteY11" fmla="*/ 1267274 h 5571067"/>
+              <a:gd name="connsiteX12" fmla="*/ 1932424 w 1970939"/>
+              <a:gd name="connsiteY12" fmla="*/ 1402271 h 5571067"/>
+              <a:gd name="connsiteX13" fmla="*/ 1939842 w 1970939"/>
+              <a:gd name="connsiteY13" fmla="*/ 1537267 h 5571067"/>
+              <a:gd name="connsiteX14" fmla="*/ 1947577 w 1970939"/>
+              <a:gd name="connsiteY14" fmla="*/ 1671659 h 5571067"/>
+              <a:gd name="connsiteX15" fmla="*/ 1954049 w 1970939"/>
+              <a:gd name="connsiteY15" fmla="*/ 1804840 h 5571067"/>
+              <a:gd name="connsiteX16" fmla="*/ 1958627 w 1970939"/>
+              <a:gd name="connsiteY16" fmla="*/ 1936810 h 5571067"/>
+              <a:gd name="connsiteX17" fmla="*/ 1962573 w 1970939"/>
+              <a:gd name="connsiteY17" fmla="*/ 2068780 h 5571067"/>
+              <a:gd name="connsiteX18" fmla="*/ 1966361 w 1970939"/>
+              <a:gd name="connsiteY18" fmla="*/ 2199539 h 5571067"/>
+              <a:gd name="connsiteX19" fmla="*/ 1968098 w 1970939"/>
+              <a:gd name="connsiteY19" fmla="*/ 2328482 h 5571067"/>
+              <a:gd name="connsiteX20" fmla="*/ 1969992 w 1970939"/>
+              <a:gd name="connsiteY20" fmla="*/ 2457425 h 5571067"/>
+              <a:gd name="connsiteX21" fmla="*/ 1970939 w 1970939"/>
+              <a:gd name="connsiteY21" fmla="*/ 2584552 h 5571067"/>
+              <a:gd name="connsiteX22" fmla="*/ 1969992 w 1970939"/>
+              <a:gd name="connsiteY22" fmla="*/ 2710469 h 5571067"/>
+              <a:gd name="connsiteX23" fmla="*/ 1969992 w 1970939"/>
+              <a:gd name="connsiteY23" fmla="*/ 2835174 h 5571067"/>
+              <a:gd name="connsiteX24" fmla="*/ 1968098 w 1970939"/>
+              <a:gd name="connsiteY24" fmla="*/ 2958669 h 5571067"/>
+              <a:gd name="connsiteX25" fmla="*/ 1965256 w 1970939"/>
+              <a:gd name="connsiteY25" fmla="*/ 3079742 h 5571067"/>
+              <a:gd name="connsiteX26" fmla="*/ 1962573 w 1970939"/>
+              <a:gd name="connsiteY26" fmla="*/ 3199605 h 5571067"/>
+              <a:gd name="connsiteX27" fmla="*/ 1959574 w 1970939"/>
+              <a:gd name="connsiteY27" fmla="*/ 3317046 h 5571067"/>
+              <a:gd name="connsiteX28" fmla="*/ 1954996 w 1970939"/>
+              <a:gd name="connsiteY28" fmla="*/ 3433882 h 5571067"/>
+              <a:gd name="connsiteX29" fmla="*/ 1950103 w 1970939"/>
+              <a:gd name="connsiteY29" fmla="*/ 3548902 h 5571067"/>
+              <a:gd name="connsiteX30" fmla="*/ 1945683 w 1970939"/>
+              <a:gd name="connsiteY30" fmla="*/ 3661500 h 5571067"/>
+              <a:gd name="connsiteX31" fmla="*/ 1933213 w 1970939"/>
+              <a:gd name="connsiteY31" fmla="*/ 3881248 h 5571067"/>
+              <a:gd name="connsiteX32" fmla="*/ 1919953 w 1970939"/>
+              <a:gd name="connsiteY32" fmla="*/ 4091916 h 5571067"/>
+              <a:gd name="connsiteX33" fmla="*/ 1906063 w 1970939"/>
+              <a:gd name="connsiteY33" fmla="*/ 4294109 h 5571067"/>
+              <a:gd name="connsiteX34" fmla="*/ 1890751 w 1970939"/>
+              <a:gd name="connsiteY34" fmla="*/ 4485405 h 5571067"/>
+              <a:gd name="connsiteX35" fmla="*/ 1874809 w 1970939"/>
+              <a:gd name="connsiteY35" fmla="*/ 4668226 h 5571067"/>
+              <a:gd name="connsiteX36" fmla="*/ 1857602 w 1970939"/>
+              <a:gd name="connsiteY36" fmla="*/ 4837728 h 5571067"/>
+              <a:gd name="connsiteX37" fmla="*/ 1840713 w 1970939"/>
+              <a:gd name="connsiteY37" fmla="*/ 4996940 h 5571067"/>
+              <a:gd name="connsiteX38" fmla="*/ 1823823 w 1970939"/>
+              <a:gd name="connsiteY38" fmla="*/ 5143439 h 5571067"/>
+              <a:gd name="connsiteX39" fmla="*/ 1807880 w 1970939"/>
+              <a:gd name="connsiteY39" fmla="*/ 5277830 h 5571067"/>
+              <a:gd name="connsiteX40" fmla="*/ 1792726 w 1970939"/>
+              <a:gd name="connsiteY40" fmla="*/ 5397087 h 5571067"/>
+              <a:gd name="connsiteX41" fmla="*/ 1778362 w 1970939"/>
+              <a:gd name="connsiteY41" fmla="*/ 5504843 h 5571067"/>
+              <a:gd name="connsiteX42" fmla="*/ 1769613 w 1970939"/>
+              <a:gd name="connsiteY42" fmla="*/ 5571067 h 5571067"/>
+              <a:gd name="connsiteX43" fmla="*/ 0 w 1970939"/>
+              <a:gd name="connsiteY43" fmla="*/ 5571067 h 5571067"/>
+            </a:gdLst>
+            <a:ahLst/>
+            <a:cxnLst>
+              <a:cxn ang="0">
+                <a:pos x="connsiteX0" y="connsiteY0"/>
+              </a:cxn>
+              <a:cxn ang="0">
+                <a:pos x="connsiteX1" y="connsiteY1"/>
+              </a:cxn>
+              <a:cxn ang="0">
+                <a:pos x="connsiteX2" y="connsiteY2"/>
+              </a:cxn>
+              <a:cxn ang="0">
+                <a:pos x="connsiteX3" y="connsiteY3"/>
+              </a:cxn>
+              <a:cxn ang="0">
+                <a:pos x="connsiteX4" y="connsiteY4"/>
+              </a:cxn>
+              <a:cxn ang="0">
+                <a:pos x="connsiteX5" y="connsiteY5"/>
+              </a:cxn>
+              <a:cxn ang="0">
+                <a:pos x="connsiteX6" y="connsiteY6"/>
+              </a:cxn>
+              <a:cxn ang="0">
+                <a:pos x="connsiteX7" y="connsiteY7"/>
+              </a:cxn>
+              <a:cxn ang="0">
+                <a:pos x="connsiteX8" y="connsiteY8"/>
+              </a:cxn>
+              <a:cxn ang="0">
+                <a:pos x="connsiteX9" y="connsiteY9"/>
+              </a:cxn>
+              <a:cxn ang="0">
+                <a:pos x="connsiteX10" y="connsiteY10"/>
+              </a:cxn>
+              <a:cxn ang="0">
+                <a:pos x="connsiteX11" y="connsiteY11"/>
+              </a:cxn>
+              <a:cxn ang="0">
+                <a:pos x="connsiteX12" y="connsiteY12"/>
+              </a:cxn>
+              <a:cxn ang="0">
+                <a:pos x="connsiteX13" y="connsiteY13"/>
+              </a:cxn>
+              <a:cxn ang="0">
+                <a:pos x="connsiteX14" y="connsiteY14"/>
+              </a:cxn>
+              <a:cxn ang="0">
+                <a:pos x="connsiteX15" y="connsiteY15"/>
+              </a:cxn>
+              <a:cxn ang="0">
+                <a:pos x="connsiteX16" y="connsiteY16"/>
+              </a:cxn>
+              <a:cxn ang="0">
+                <a:pos x="connsiteX17" y="connsiteY17"/>
+              </a:cxn>
+              <a:cxn ang="0">
+                <a:pos x="connsiteX18" y="connsiteY18"/>
+              </a:cxn>
+              <a:cxn ang="0">
+                <a:pos x="connsiteX19" y="connsiteY19"/>
+              </a:cxn>
+              <a:cxn ang="0">
+                <a:pos x="connsiteX20" y="connsiteY20"/>
+              </a:cxn>
+              <a:cxn ang="0">
+                <a:pos x="connsiteX21" y="connsiteY21"/>
+              </a:cxn>
+              <a:cxn ang="0">
+                <a:pos x="connsiteX22" y="connsiteY22"/>
+              </a:cxn>
+              <a:cxn ang="0">
+                <a:pos x="connsiteX23" y="connsiteY23"/>
+              </a:cxn>
+              <a:cxn ang="0">
+                <a:pos x="connsiteX24" y="connsiteY24"/>
+              </a:cxn>
+              <a:cxn ang="0">
+                <a:pos x="connsiteX25" y="connsiteY25"/>
+              </a:cxn>
+              <a:cxn ang="0">
+                <a:pos x="connsiteX26" y="connsiteY26"/>
+              </a:cxn>
+              <a:cxn ang="0">
+                <a:pos x="connsiteX27" y="connsiteY27"/>
+              </a:cxn>
+              <a:cxn ang="0">
+                <a:pos x="connsiteX28" y="connsiteY28"/>
+              </a:cxn>
+              <a:cxn ang="0">
+                <a:pos x="connsiteX29" y="connsiteY29"/>
+              </a:cxn>
+              <a:cxn ang="0">
+                <a:pos x="connsiteX30" y="connsiteY30"/>
+              </a:cxn>
+              <a:cxn ang="0">
+                <a:pos x="connsiteX31" y="connsiteY31"/>
+              </a:cxn>
+              <a:cxn ang="0">
+                <a:pos x="connsiteX32" y="connsiteY32"/>
+              </a:cxn>
+              <a:cxn ang="0">
+                <a:pos x="connsiteX33" y="connsiteY33"/>
+              </a:cxn>
+              <a:cxn ang="0">
+                <a:pos x="connsiteX34" y="connsiteY34"/>
+              </a:cxn>
+              <a:cxn ang="0">
+                <a:pos x="connsiteX35" y="connsiteY35"/>
+              </a:cxn>
+              <a:cxn ang="0">
+                <a:pos x="connsiteX36" y="connsiteY36"/>
+              </a:cxn>
+              <a:cxn ang="0">
+                <a:pos x="connsiteX37" y="connsiteY37"/>
+              </a:cxn>
+              <a:cxn ang="0">
+                <a:pos x="connsiteX38" y="connsiteY38"/>
+              </a:cxn>
+              <a:cxn ang="0">
+                <a:pos x="connsiteX39" y="connsiteY39"/>
+              </a:cxn>
+              <a:cxn ang="0">
+                <a:pos x="connsiteX40" y="connsiteY40"/>
+              </a:cxn>
+              <a:cxn ang="0">
+                <a:pos x="connsiteX41" y="connsiteY41"/>
+              </a:cxn>
+              <a:cxn ang="0">
+                <a:pos x="connsiteX42" y="connsiteY42"/>
+              </a:cxn>
+              <a:cxn ang="0">
+                <a:pos x="connsiteX43" y="connsiteY43"/>
+              </a:cxn>
+            </a:cxnLst>
+            <a:rect l="l" t="t" r="r" b="b"/>
+            <a:pathLst>
+              <a:path w="1970939" h="5571067">
+                <a:moveTo>
+                  <a:pt x="0" y="0"/>
+                </a:moveTo>
+                <a:lnTo>
+                  <a:pt x="1774861" y="0"/>
+                </a:lnTo>
+                <a:lnTo>
+                  <a:pt x="1780256" y="32931"/>
+                </a:lnTo>
+                <a:lnTo>
+                  <a:pt x="1802197" y="170349"/>
+                </a:lnTo>
+                <a:lnTo>
+                  <a:pt x="1820981" y="308372"/>
+                </a:lnTo>
+                <a:lnTo>
+                  <a:pt x="1839923" y="445791"/>
+                </a:lnTo>
+                <a:lnTo>
+                  <a:pt x="1857602" y="583814"/>
+                </a:lnTo>
+                <a:lnTo>
+                  <a:pt x="1872756" y="720022"/>
+                </a:lnTo>
+                <a:lnTo>
+                  <a:pt x="1887120" y="858046"/>
+                </a:lnTo>
+                <a:lnTo>
+                  <a:pt x="1900223" y="995464"/>
+                </a:lnTo>
+                <a:lnTo>
+                  <a:pt x="1911588" y="1130461"/>
+                </a:lnTo>
+                <a:lnTo>
+                  <a:pt x="1922953" y="1267274"/>
+                </a:lnTo>
+                <a:lnTo>
+                  <a:pt x="1932424" y="1402271"/>
+                </a:lnTo>
+                <a:lnTo>
+                  <a:pt x="1939842" y="1537267"/>
+                </a:lnTo>
+                <a:lnTo>
+                  <a:pt x="1947577" y="1671659"/>
+                </a:lnTo>
+                <a:lnTo>
+                  <a:pt x="1954049" y="1804840"/>
+                </a:lnTo>
+                <a:lnTo>
+                  <a:pt x="1958627" y="1936810"/>
+                </a:lnTo>
+                <a:lnTo>
+                  <a:pt x="1962573" y="2068780"/>
+                </a:lnTo>
+                <a:lnTo>
+                  <a:pt x="1966361" y="2199539"/>
+                </a:lnTo>
+                <a:lnTo>
+                  <a:pt x="1968098" y="2328482"/>
+                </a:lnTo>
+                <a:lnTo>
+                  <a:pt x="1969992" y="2457425"/>
+                </a:lnTo>
+                <a:lnTo>
+                  <a:pt x="1970939" y="2584552"/>
+                </a:lnTo>
+                <a:lnTo>
+                  <a:pt x="1969992" y="2710469"/>
+                </a:lnTo>
+                <a:lnTo>
+                  <a:pt x="1969992" y="2835174"/>
+                </a:lnTo>
+                <a:lnTo>
+                  <a:pt x="1968098" y="2958669"/>
+                </a:lnTo>
+                <a:lnTo>
+                  <a:pt x="1965256" y="3079742"/>
+                </a:lnTo>
+                <a:lnTo>
+                  <a:pt x="1962573" y="3199605"/>
+                </a:lnTo>
+                <a:lnTo>
+                  <a:pt x="1959574" y="3317046"/>
+                </a:lnTo>
+                <a:lnTo>
+                  <a:pt x="1954996" y="3433882"/>
+                </a:lnTo>
+                <a:lnTo>
+                  <a:pt x="1950103" y="3548902"/>
+                </a:lnTo>
+                <a:lnTo>
+                  <a:pt x="1945683" y="3661500"/>
+                </a:lnTo>
+                <a:lnTo>
+                  <a:pt x="1933213" y="3881248"/>
+                </a:lnTo>
+                <a:lnTo>
+                  <a:pt x="1919953" y="4091916"/>
+                </a:lnTo>
+                <a:lnTo>
+                  <a:pt x="1906063" y="4294109"/>
+                </a:lnTo>
+                <a:lnTo>
+                  <a:pt x="1890751" y="4485405"/>
+                </a:lnTo>
+                <a:lnTo>
+                  <a:pt x="1874809" y="4668226"/>
+                </a:lnTo>
+                <a:lnTo>
+                  <a:pt x="1857602" y="4837728"/>
+                </a:lnTo>
+                <a:lnTo>
+                  <a:pt x="1840713" y="4996940"/>
+                </a:lnTo>
+                <a:lnTo>
+                  <a:pt x="1823823" y="5143439"/>
+                </a:lnTo>
+                <a:lnTo>
+                  <a:pt x="1807880" y="5277830"/>
+                </a:lnTo>
+                <a:lnTo>
+                  <a:pt x="1792726" y="5397087"/>
+                </a:lnTo>
+                <a:lnTo>
+                  <a:pt x="1778362" y="5504843"/>
+                </a:lnTo>
+                <a:lnTo>
+                  <a:pt x="1769613" y="5571067"/>
+                </a:lnTo>
+                <a:lnTo>
+                  <a:pt x="0" y="5571067"/>
+                </a:lnTo>
+                <a:close/>
+              </a:path>
+            </a:pathLst>
+          </a:custGeom>
+          <a:ln>
+            <a:noFill/>
+          </a:ln>
+        </p:spPr>
+        <p:style>
+          <a:lnRef idx="2">
+            <a:schemeClr val="accent1">
+              <a:shade val="50000"/>
+            </a:schemeClr>
+          </a:lnRef>
+          <a:fillRef idx="1002">
+            <a:schemeClr val="dk2"/>
+          </a:fillRef>
+          <a:effectRef idx="0">
+            <a:schemeClr val="accent1"/>
+          </a:effectRef>
+          <a:fontRef idx="minor">
+            <a:schemeClr val="lt1"/>
+          </a:fontRef>
+        </p:style>
+        <p:txBody>
+          <a:bodyPr wrap="square">
+            <a:noAutofit/>
+          </a:bodyPr>
+          <a:lstStyle/>
+          <a:p>
+            <a:endParaRPr lang="en-US" dirty="0"/>
+          </a:p>
+        </p:txBody>
+      </p:sp>
+      <p:sp>
+        <p:nvSpPr>
+          <p:cNvPr id="15" name="Freeform: Shape 14">
+            <a:extLst>
+              <a:ext uri="{FF2B5EF4-FFF2-40B4-BE49-F238E27FC236}">
+                <a16:creationId xmlns:a16="http://schemas.microsoft.com/office/drawing/2014/main" id="{0214736A-03B2-4B91-B0AF-B21213F3B9DF}"/>
+              </a:ext>
+              <a:ext uri="{C183D7F6-B498-43B3-948B-1728B52AA6E4}">
+                <adec:decorative xmlns:adec="http://schemas.microsoft.com/office/drawing/2017/decorative" val="1"/>
+              </a:ext>
+            </a:extLst>
+          </p:cNvPr>
+          <p:cNvSpPr>
+            <a:spLocks noGrp="1" noRot="1" noChangeAspect="1" noMove="1" noResize="1" noEditPoints="1" noAdjustHandles="1" noChangeArrowheads="1" noChangeShapeType="1" noTextEdit="1"/>
+          </p:cNvSpPr>
+          <p:nvPr>
+            <p:extLst>
+              <p:ext uri="{386F3935-93C4-4BCD-93E2-E3B085C9AB24}">
+                <p16:designElem xmlns:p16="http://schemas.microsoft.com/office/powerpoint/2015/main" val="1"/>
+              </p:ext>
+            </p:extLst>
+          </p:nvPr>
+        </p:nvSpPr>
+        <p:spPr bwMode="gray">
+          <a:xfrm rot="15922489">
+            <a:off x="969335" y="1702087"/>
+            <a:ext cx="3209207" cy="612850"/>
+          </a:xfrm>
+          <a:custGeom>
+            <a:avLst/>
+            <a:gdLst>
+              <a:gd name="connsiteX0" fmla="*/ 3195151 w 3209207"/>
+              <a:gd name="connsiteY0" fmla="*/ 612847 h 612850"/>
+              <a:gd name="connsiteX1" fmla="*/ 3029871 w 3209207"/>
+              <a:gd name="connsiteY1" fmla="*/ 611146 h 612850"/>
+              <a:gd name="connsiteX2" fmla="*/ 2949639 w 3209207"/>
+              <a:gd name="connsiteY2" fmla="*/ 608906 h 612850"/>
+              <a:gd name="connsiteX3" fmla="*/ 2978018 w 3209207"/>
+              <a:gd name="connsiteY3" fmla="*/ 258115 h 612850"/>
+              <a:gd name="connsiteX4" fmla="*/ 2944764 w 3209207"/>
+              <a:gd name="connsiteY4" fmla="*/ 260801 h 612850"/>
+              <a:gd name="connsiteX5" fmla="*/ 2806036 w 3209207"/>
+              <a:gd name="connsiteY5" fmla="*/ 271446 h 612850"/>
+              <a:gd name="connsiteX6" fmla="*/ 2666958 w 3209207"/>
+              <a:gd name="connsiteY6" fmla="*/ 278917 h 612850"/>
+              <a:gd name="connsiteX7" fmla="*/ 2528469 w 3209207"/>
+              <a:gd name="connsiteY7" fmla="*/ 286593 h 612850"/>
+              <a:gd name="connsiteX8" fmla="*/ 2389479 w 3209207"/>
+              <a:gd name="connsiteY8" fmla="*/ 292970 h 612850"/>
+              <a:gd name="connsiteX9" fmla="*/ 2252501 w 3209207"/>
+              <a:gd name="connsiteY9" fmla="*/ 296993 h 612850"/>
+              <a:gd name="connsiteX10" fmla="*/ 2113775 w 3209207"/>
+              <a:gd name="connsiteY10" fmla="*/ 300086 h 612850"/>
+              <a:gd name="connsiteX11" fmla="*/ 1975755 w 3209207"/>
+              <a:gd name="connsiteY11" fmla="*/ 301980 h 612850"/>
+              <a:gd name="connsiteX12" fmla="*/ 1840287 w 3209207"/>
+              <a:gd name="connsiteY12" fmla="*/ 302348 h 612850"/>
+              <a:gd name="connsiteX13" fmla="*/ 1703009 w 3209207"/>
+              <a:gd name="connsiteY13" fmla="*/ 302570 h 612850"/>
+              <a:gd name="connsiteX14" fmla="*/ 1567693 w 3209207"/>
+              <a:gd name="connsiteY14" fmla="*/ 301063 h 612850"/>
+              <a:gd name="connsiteX15" fmla="*/ 1432543 w 3209207"/>
+              <a:gd name="connsiteY15" fmla="*/ 297523 h 612850"/>
+              <a:gd name="connsiteX16" fmla="*/ 1297969 w 3209207"/>
+              <a:gd name="connsiteY16" fmla="*/ 294345 h 612850"/>
+              <a:gd name="connsiteX17" fmla="*/ 1164703 w 3209207"/>
+              <a:gd name="connsiteY17" fmla="*/ 290015 h 612850"/>
+              <a:gd name="connsiteX18" fmla="*/ 1032796 w 3209207"/>
+              <a:gd name="connsiteY18" fmla="*/ 283907 h 612850"/>
+              <a:gd name="connsiteX19" fmla="*/ 900940 w 3209207"/>
+              <a:gd name="connsiteY19" fmla="*/ 277172 h 612850"/>
+              <a:gd name="connsiteX20" fmla="*/ 770303 w 3209207"/>
+              <a:gd name="connsiteY20" fmla="*/ 270380 h 612850"/>
+              <a:gd name="connsiteX21" fmla="*/ 641641 w 3209207"/>
+              <a:gd name="connsiteY21" fmla="*/ 261702 h 612850"/>
+              <a:gd name="connsiteX22" fmla="*/ 512966 w 3209207"/>
+              <a:gd name="connsiteY22" fmla="*/ 253180 h 612850"/>
+              <a:gd name="connsiteX23" fmla="*/ 386177 w 3209207"/>
+              <a:gd name="connsiteY23" fmla="*/ 243867 h 612850"/>
+              <a:gd name="connsiteX24" fmla="*/ 260746 w 3209207"/>
+              <a:gd name="connsiteY24" fmla="*/ 232775 h 612850"/>
+              <a:gd name="connsiteX25" fmla="*/ 136447 w 3209207"/>
+              <a:gd name="connsiteY25" fmla="*/ 222719 h 612850"/>
+              <a:gd name="connsiteX26" fmla="*/ 13506 w 3209207"/>
+              <a:gd name="connsiteY26" fmla="*/ 210885 h 612850"/>
+              <a:gd name="connsiteX27" fmla="*/ 0 w 3209207"/>
+              <a:gd name="connsiteY27" fmla="*/ 209475 h 612850"/>
+              <a:gd name="connsiteX28" fmla="*/ 40844 w 3209207"/>
+              <a:gd name="connsiteY28" fmla="*/ 212313 h 612850"/>
+              <a:gd name="connsiteX29" fmla="*/ 132211 w 3209207"/>
+              <a:gd name="connsiteY29" fmla="*/ 216946 h 612850"/>
+              <a:gd name="connsiteX30" fmla="*/ 225585 w 3209207"/>
+              <a:gd name="connsiteY30" fmla="*/ 221811 h 612850"/>
+              <a:gd name="connsiteX31" fmla="*/ 320298 w 3209207"/>
+              <a:gd name="connsiteY31" fmla="*/ 226444 h 612850"/>
+              <a:gd name="connsiteX32" fmla="*/ 415680 w 3209207"/>
+              <a:gd name="connsiteY32" fmla="*/ 229340 h 612850"/>
+              <a:gd name="connsiteX33" fmla="*/ 512735 w 3209207"/>
+              <a:gd name="connsiteY33" fmla="*/ 232120 h 612850"/>
+              <a:gd name="connsiteX34" fmla="*/ 611464 w 3209207"/>
+              <a:gd name="connsiteY34" fmla="*/ 235015 h 612850"/>
+              <a:gd name="connsiteX35" fmla="*/ 711532 w 3209207"/>
+              <a:gd name="connsiteY35" fmla="*/ 236985 h 612850"/>
+              <a:gd name="connsiteX36" fmla="*/ 812604 w 3209207"/>
+              <a:gd name="connsiteY36" fmla="*/ 236985 h 612850"/>
+              <a:gd name="connsiteX37" fmla="*/ 915014 w 3209207"/>
+              <a:gd name="connsiteY37" fmla="*/ 237795 h 612850"/>
+              <a:gd name="connsiteX38" fmla="*/ 1018428 w 3209207"/>
+              <a:gd name="connsiteY38" fmla="*/ 236985 h 612850"/>
+              <a:gd name="connsiteX39" fmla="*/ 1122847 w 3209207"/>
+              <a:gd name="connsiteY39" fmla="*/ 235015 h 612850"/>
+              <a:gd name="connsiteX40" fmla="*/ 1227600 w 3209207"/>
+              <a:gd name="connsiteY40" fmla="*/ 233162 h 612850"/>
+              <a:gd name="connsiteX41" fmla="*/ 1333692 w 3209207"/>
+              <a:gd name="connsiteY41" fmla="*/ 229340 h 612850"/>
+              <a:gd name="connsiteX42" fmla="*/ 1441122 w 3209207"/>
+              <a:gd name="connsiteY42" fmla="*/ 225634 h 612850"/>
+              <a:gd name="connsiteX43" fmla="*/ 1547883 w 3209207"/>
+              <a:gd name="connsiteY43" fmla="*/ 220769 h 612850"/>
+              <a:gd name="connsiteX44" fmla="*/ 1655983 w 3209207"/>
+              <a:gd name="connsiteY44" fmla="*/ 214282 h 612850"/>
+              <a:gd name="connsiteX45" fmla="*/ 1765421 w 3209207"/>
+              <a:gd name="connsiteY45" fmla="*/ 206638 h 612850"/>
+              <a:gd name="connsiteX46" fmla="*/ 1874860 w 3209207"/>
+              <a:gd name="connsiteY46" fmla="*/ 199108 h 612850"/>
+              <a:gd name="connsiteX47" fmla="*/ 1984299 w 3209207"/>
+              <a:gd name="connsiteY47" fmla="*/ 189495 h 612850"/>
+              <a:gd name="connsiteX48" fmla="*/ 2095745 w 3209207"/>
+              <a:gd name="connsiteY48" fmla="*/ 178144 h 612850"/>
+              <a:gd name="connsiteX49" fmla="*/ 2205184 w 3209207"/>
+              <a:gd name="connsiteY49" fmla="*/ 166793 h 612850"/>
+              <a:gd name="connsiteX50" fmla="*/ 2316631 w 3209207"/>
+              <a:gd name="connsiteY50" fmla="*/ 153472 h 612850"/>
+              <a:gd name="connsiteX51" fmla="*/ 2429081 w 3209207"/>
+              <a:gd name="connsiteY51" fmla="*/ 139226 h 612850"/>
+              <a:gd name="connsiteX52" fmla="*/ 2539523 w 3209207"/>
+              <a:gd name="connsiteY52" fmla="*/ 124052 h 612850"/>
+              <a:gd name="connsiteX53" fmla="*/ 2651305 w 3209207"/>
+              <a:gd name="connsiteY53" fmla="*/ 106215 h 612850"/>
+              <a:gd name="connsiteX54" fmla="*/ 2763086 w 3209207"/>
+              <a:gd name="connsiteY54" fmla="*/ 87219 h 612850"/>
+              <a:gd name="connsiteX55" fmla="*/ 2874867 w 3209207"/>
+              <a:gd name="connsiteY55" fmla="*/ 68339 h 612850"/>
+              <a:gd name="connsiteX56" fmla="*/ 2986314 w 3209207"/>
+              <a:gd name="connsiteY56" fmla="*/ 46331 h 612850"/>
+              <a:gd name="connsiteX57" fmla="*/ 3097760 w 3209207"/>
+              <a:gd name="connsiteY57" fmla="*/ 23629 h 612850"/>
+              <a:gd name="connsiteX58" fmla="*/ 3209207 w 3209207"/>
+              <a:gd name="connsiteY58" fmla="*/ 0 h 612850"/>
+              <a:gd name="connsiteX59" fmla="*/ 3195151 w 3209207"/>
+              <a:gd name="connsiteY59" fmla="*/ 612847 h 612850"/>
+            </a:gdLst>
+            <a:ahLst/>
+            <a:cxnLst>
+              <a:cxn ang="0">
+                <a:pos x="connsiteX0" y="connsiteY0"/>
+              </a:cxn>
+              <a:cxn ang="0">
+                <a:pos x="connsiteX1" y="connsiteY1"/>
+              </a:cxn>
+              <a:cxn ang="0">
+                <a:pos x="connsiteX2" y="connsiteY2"/>
+              </a:cxn>
+              <a:cxn ang="0">
+                <a:pos x="connsiteX3" y="connsiteY3"/>
+              </a:cxn>
+              <a:cxn ang="0">
+                <a:pos x="connsiteX4" y="connsiteY4"/>
+              </a:cxn>
+              <a:cxn ang="0">
+                <a:pos x="connsiteX5" y="connsiteY5"/>
+              </a:cxn>
+              <a:cxn ang="0">
+                <a:pos x="connsiteX6" y="connsiteY6"/>
+              </a:cxn>
+              <a:cxn ang="0">
+                <a:pos x="connsiteX7" y="connsiteY7"/>
+              </a:cxn>
+              <a:cxn ang="0">
+                <a:pos x="connsiteX8" y="connsiteY8"/>
+              </a:cxn>
+              <a:cxn ang="0">
+                <a:pos x="connsiteX9" y="connsiteY9"/>
+              </a:cxn>
+              <a:cxn ang="0">
+                <a:pos x="connsiteX10" y="connsiteY10"/>
+              </a:cxn>
+              <a:cxn ang="0">
+                <a:pos x="connsiteX11" y="connsiteY11"/>
+              </a:cxn>
+              <a:cxn ang="0">
+                <a:pos x="connsiteX12" y="connsiteY12"/>
+              </a:cxn>
+              <a:cxn ang="0">
+                <a:pos x="connsiteX13" y="connsiteY13"/>
+              </a:cxn>
+              <a:cxn ang="0">
+                <a:pos x="connsiteX14" y="connsiteY14"/>
+              </a:cxn>
+              <a:cxn ang="0">
+                <a:pos x="connsiteX15" y="connsiteY15"/>
+              </a:cxn>
+              <a:cxn ang="0">
+                <a:pos x="connsiteX16" y="connsiteY16"/>
+              </a:cxn>
+              <a:cxn ang="0">
+                <a:pos x="connsiteX17" y="connsiteY17"/>
+              </a:cxn>
+              <a:cxn ang="0">
+                <a:pos x="connsiteX18" y="connsiteY18"/>
+              </a:cxn>
+              <a:cxn ang="0">
+                <a:pos x="connsiteX19" y="connsiteY19"/>
+              </a:cxn>
+              <a:cxn ang="0">
+                <a:pos x="connsiteX20" y="connsiteY20"/>
+              </a:cxn>
+              <a:cxn ang="0">
+                <a:pos x="connsiteX21" y="connsiteY21"/>
+              </a:cxn>
+              <a:cxn ang="0">
+                <a:pos x="connsiteX22" y="connsiteY22"/>
+              </a:cxn>
+              <a:cxn ang="0">
+                <a:pos x="connsiteX23" y="connsiteY23"/>
+              </a:cxn>
+              <a:cxn ang="0">
+                <a:pos x="connsiteX24" y="connsiteY24"/>
+              </a:cxn>
+              <a:cxn ang="0">
+                <a:pos x="connsiteX25" y="connsiteY25"/>
+              </a:cxn>
+              <a:cxn ang="0">
+                <a:pos x="connsiteX26" y="connsiteY26"/>
+              </a:cxn>
+              <a:cxn ang="0">
+                <a:pos x="connsiteX27" y="connsiteY27"/>
+              </a:cxn>
+              <a:cxn ang="0">
+                <a:pos x="connsiteX28" y="connsiteY28"/>
+              </a:cxn>
+              <a:cxn ang="0">
+                <a:pos x="connsiteX29" y="connsiteY29"/>
+              </a:cxn>
+              <a:cxn ang="0">
+                <a:pos x="connsiteX30" y="connsiteY30"/>
+              </a:cxn>
+              <a:cxn ang="0">
+                <a:pos x="connsiteX31" y="connsiteY31"/>
+              </a:cxn>
+              <a:cxn ang="0">
+                <a:pos x="connsiteX32" y="connsiteY32"/>
+              </a:cxn>
+              <a:cxn ang="0">
+                <a:pos x="connsiteX33" y="connsiteY33"/>
+              </a:cxn>
+              <a:cxn ang="0">
+                <a:pos x="connsiteX34" y="connsiteY34"/>
+              </a:cxn>
+              <a:cxn ang="0">
+                <a:pos x="connsiteX35" y="connsiteY35"/>
+              </a:cxn>
+              <a:cxn ang="0">
+                <a:pos x="connsiteX36" y="connsiteY36"/>
+              </a:cxn>
+              <a:cxn ang="0">
+                <a:pos x="connsiteX37" y="connsiteY37"/>
+              </a:cxn>
+              <a:cxn ang="0">
+                <a:pos x="connsiteX38" y="connsiteY38"/>
+              </a:cxn>
+              <a:cxn ang="0">
+                <a:pos x="connsiteX39" y="connsiteY39"/>
+              </a:cxn>
+              <a:cxn ang="0">
+                <a:pos x="connsiteX40" y="connsiteY40"/>
+              </a:cxn>
+              <a:cxn ang="0">
+                <a:pos x="connsiteX41" y="connsiteY41"/>
+              </a:cxn>
+              <a:cxn ang="0">
+                <a:pos x="connsiteX42" y="connsiteY42"/>
+              </a:cxn>
+              <a:cxn ang="0">
+                <a:pos x="connsiteX43" y="connsiteY43"/>
+              </a:cxn>
+              <a:cxn ang="0">
+                <a:pos x="connsiteX44" y="connsiteY44"/>
+              </a:cxn>
+              <a:cxn ang="0">
+                <a:pos x="connsiteX45" y="connsiteY45"/>
+              </a:cxn>
+              <a:cxn ang="0">
+                <a:pos x="connsiteX46" y="connsiteY46"/>
+              </a:cxn>
+              <a:cxn ang="0">
+                <a:pos x="connsiteX47" y="connsiteY47"/>
+              </a:cxn>
+              <a:cxn ang="0">
+                <a:pos x="connsiteX48" y="connsiteY48"/>
+              </a:cxn>
+              <a:cxn ang="0">
+                <a:pos x="connsiteX49" y="connsiteY49"/>
+              </a:cxn>
+              <a:cxn ang="0">
+                <a:pos x="connsiteX50" y="connsiteY50"/>
+              </a:cxn>
+              <a:cxn ang="0">
+                <a:pos x="connsiteX51" y="connsiteY51"/>
+              </a:cxn>
+              <a:cxn ang="0">
+                <a:pos x="connsiteX52" y="connsiteY52"/>
+              </a:cxn>
+              <a:cxn ang="0">
+                <a:pos x="connsiteX53" y="connsiteY53"/>
+              </a:cxn>
+              <a:cxn ang="0">
+                <a:pos x="connsiteX54" y="connsiteY54"/>
+              </a:cxn>
+              <a:cxn ang="0">
+                <a:pos x="connsiteX55" y="connsiteY55"/>
+              </a:cxn>
+              <a:cxn ang="0">
+                <a:pos x="connsiteX56" y="connsiteY56"/>
+              </a:cxn>
+              <a:cxn ang="0">
+                <a:pos x="connsiteX57" y="connsiteY57"/>
+              </a:cxn>
+              <a:cxn ang="0">
+                <a:pos x="connsiteX58" y="connsiteY58"/>
+              </a:cxn>
+              <a:cxn ang="0">
+                <a:pos x="connsiteX59" y="connsiteY59"/>
+              </a:cxn>
+            </a:cxnLst>
+            <a:rect l="l" t="t" r="r" b="b"/>
+            <a:pathLst>
+              <a:path w="3209207" h="612850">
+                <a:moveTo>
+                  <a:pt x="3195151" y="612847"/>
+                </a:moveTo>
+                <a:cubicBezTo>
+                  <a:pt x="3144238" y="612898"/>
+                  <a:pt x="3088941" y="612318"/>
+                  <a:pt x="3029871" y="611146"/>
+                </a:cubicBezTo>
+                <a:lnTo>
+                  <a:pt x="2949639" y="608906"/>
+                </a:lnTo>
+                <a:lnTo>
+                  <a:pt x="2978018" y="258115"/>
+                </a:lnTo>
+                <a:lnTo>
+                  <a:pt x="2944764" y="260801"/>
+                </a:lnTo>
+                <a:lnTo>
+                  <a:pt x="2806036" y="271446"/>
+                </a:lnTo>
+                <a:lnTo>
+                  <a:pt x="2666958" y="278917"/>
+                </a:lnTo>
+                <a:lnTo>
+                  <a:pt x="2528469" y="286593"/>
+                </a:lnTo>
+                <a:lnTo>
+                  <a:pt x="2389479" y="292970"/>
+                </a:lnTo>
+                <a:lnTo>
+                  <a:pt x="2252501" y="296993"/>
+                </a:lnTo>
+                <a:lnTo>
+                  <a:pt x="2113775" y="300086"/>
+                </a:lnTo>
+                <a:lnTo>
+                  <a:pt x="1975755" y="301980"/>
+                </a:lnTo>
+                <a:lnTo>
+                  <a:pt x="1840287" y="302348"/>
+                </a:lnTo>
+                <a:lnTo>
+                  <a:pt x="1703009" y="302570"/>
+                </a:lnTo>
+                <a:lnTo>
+                  <a:pt x="1567693" y="301063"/>
+                </a:lnTo>
+                <a:lnTo>
+                  <a:pt x="1432543" y="297523"/>
+                </a:lnTo>
+                <a:lnTo>
+                  <a:pt x="1297969" y="294345"/>
+                </a:lnTo>
+                <a:lnTo>
+                  <a:pt x="1164703" y="290015"/>
+                </a:lnTo>
+                <a:lnTo>
+                  <a:pt x="1032796" y="283907"/>
+                </a:lnTo>
+                <a:lnTo>
+                  <a:pt x="900940" y="277172"/>
+                </a:lnTo>
+                <a:lnTo>
+                  <a:pt x="770303" y="270380"/>
+                </a:lnTo>
+                <a:lnTo>
+                  <a:pt x="641641" y="261702"/>
+                </a:lnTo>
+                <a:lnTo>
+                  <a:pt x="512966" y="253180"/>
+                </a:lnTo>
+                <a:lnTo>
+                  <a:pt x="386177" y="243867"/>
+                </a:lnTo>
+                <a:lnTo>
+                  <a:pt x="260746" y="232775"/>
+                </a:lnTo>
+                <a:lnTo>
+                  <a:pt x="136447" y="222719"/>
+                </a:lnTo>
+                <a:lnTo>
+                  <a:pt x="13506" y="210885"/>
+                </a:lnTo>
+                <a:lnTo>
+                  <a:pt x="0" y="209475"/>
+                </a:lnTo>
+                <a:lnTo>
+                  <a:pt x="40844" y="212313"/>
+                </a:lnTo>
+                <a:lnTo>
+                  <a:pt x="132211" y="216946"/>
+                </a:lnTo>
+                <a:lnTo>
+                  <a:pt x="225585" y="221811"/>
+                </a:lnTo>
+                <a:lnTo>
+                  <a:pt x="320298" y="226444"/>
+                </a:lnTo>
+                <a:lnTo>
+                  <a:pt x="415680" y="229340"/>
+                </a:lnTo>
+                <a:lnTo>
+                  <a:pt x="512735" y="232120"/>
+                </a:lnTo>
+                <a:lnTo>
+                  <a:pt x="611464" y="235015"/>
+                </a:lnTo>
+                <a:lnTo>
+                  <a:pt x="711532" y="236985"/>
+                </a:lnTo>
+                <a:lnTo>
+                  <a:pt x="812604" y="236985"/>
+                </a:lnTo>
+                <a:lnTo>
+                  <a:pt x="915014" y="237795"/>
+                </a:lnTo>
+                <a:lnTo>
+                  <a:pt x="1018428" y="236985"/>
+                </a:lnTo>
+                <a:lnTo>
+                  <a:pt x="1122847" y="235015"/>
+                </a:lnTo>
+                <a:lnTo>
+                  <a:pt x="1227600" y="233162"/>
+                </a:lnTo>
+                <a:lnTo>
+                  <a:pt x="1333692" y="229340"/>
+                </a:lnTo>
+                <a:lnTo>
+                  <a:pt x="1441122" y="225634"/>
+                </a:lnTo>
+                <a:lnTo>
+                  <a:pt x="1547883" y="220769"/>
+                </a:lnTo>
+                <a:lnTo>
+                  <a:pt x="1655983" y="214282"/>
+                </a:lnTo>
+                <a:lnTo>
+                  <a:pt x="1765421" y="206638"/>
+                </a:lnTo>
+                <a:lnTo>
+                  <a:pt x="1874860" y="199108"/>
+                </a:lnTo>
+                <a:lnTo>
+                  <a:pt x="1984299" y="189495"/>
+                </a:lnTo>
+                <a:lnTo>
+                  <a:pt x="2095745" y="178144"/>
+                </a:lnTo>
+                <a:lnTo>
+                  <a:pt x="2205184" y="166793"/>
+                </a:lnTo>
+                <a:lnTo>
+                  <a:pt x="2316631" y="153472"/>
+                </a:lnTo>
+                <a:lnTo>
+                  <a:pt x="2429081" y="139226"/>
+                </a:lnTo>
+                <a:lnTo>
+                  <a:pt x="2539523" y="124052"/>
+                </a:lnTo>
+                <a:lnTo>
+                  <a:pt x="2651305" y="106215"/>
+                </a:lnTo>
+                <a:lnTo>
+                  <a:pt x="2763086" y="87219"/>
+                </a:lnTo>
+                <a:lnTo>
+                  <a:pt x="2874867" y="68339"/>
+                </a:lnTo>
+                <a:lnTo>
+                  <a:pt x="2986314" y="46331"/>
+                </a:lnTo>
+                <a:lnTo>
+                  <a:pt x="3097760" y="23629"/>
+                </a:lnTo>
+                <a:lnTo>
+                  <a:pt x="3209207" y="0"/>
+                </a:lnTo>
+                <a:cubicBezTo>
+                  <a:pt x="3198832" y="386055"/>
+                  <a:pt x="3205525" y="226792"/>
+                  <a:pt x="3195151" y="612847"/>
+                </a:cubicBezTo>
+                <a:close/>
+              </a:path>
+            </a:pathLst>
+          </a:custGeom>
+          <a:solidFill>
+            <a:schemeClr val="bg1">
+              <a:alpha val="20000"/>
+            </a:schemeClr>
+          </a:solidFill>
+          <a:ln>
+            <a:noFill/>
+          </a:ln>
+        </p:spPr>
+        <p:txBody>
+          <a:bodyPr wrap="square">
+            <a:noAutofit/>
+          </a:bodyPr>
+          <a:lstStyle/>
+          <a:p>
+            <a:endParaRPr lang="en-US" dirty="0"/>
+          </a:p>
+        </p:txBody>
+      </p:sp>
+      <p:pic>
+        <p:nvPicPr>
           <p:cNvPr id="4" name="Picture 3">
             <a:extLst>
               <a:ext uri="{FF2B5EF4-FFF2-40B4-BE49-F238E27FC236}">
@@ -19603,7 +20888,7 @@
 </p:sld>
 </file>
 
-<file path=ppt/slides/slide12.xml><?xml version="1.0" encoding="utf-8"?>
+<file path=ppt/slides/slide13.xml><?xml version="1.0" encoding="utf-8"?>
 <p:sld xmlns:a="http://schemas.openxmlformats.org/drawingml/2006/main" xmlns:r="http://schemas.openxmlformats.org/officeDocument/2006/relationships" xmlns:p="http://schemas.openxmlformats.org/presentationml/2006/main">
   <p:cSld>
     <p:bg>
@@ -20579,6 +21864,1663 @@
     <p:extLst>
       <p:ext uri="{BB962C8B-B14F-4D97-AF65-F5344CB8AC3E}">
         <p14:creationId xmlns:p14="http://schemas.microsoft.com/office/powerpoint/2010/main" val="2738564866"/>
+      </p:ext>
+    </p:extLst>
+  </p:cSld>
+  <p:clrMapOvr>
+    <a:masterClrMapping/>
+  </p:clrMapOvr>
+</p:sld>
+</file>
+
+<file path=ppt/slides/slide14.xml><?xml version="1.0" encoding="utf-8"?>
+<p:sld xmlns:a="http://schemas.openxmlformats.org/drawingml/2006/main" xmlns:r="http://schemas.openxmlformats.org/officeDocument/2006/relationships" xmlns:p="http://schemas.openxmlformats.org/presentationml/2006/main">
+  <p:cSld>
+    <p:bg>
+      <p:bgPr>
+        <a:solidFill>
+          <a:schemeClr val="bg1"/>
+        </a:solidFill>
+        <a:effectLst/>
+      </p:bgPr>
+    </p:bg>
+    <p:spTree>
+      <p:nvGrpSpPr>
+        <p:cNvPr id="1" name=""/>
+        <p:cNvGrpSpPr/>
+        <p:nvPr/>
+      </p:nvGrpSpPr>
+      <p:grpSpPr>
+        <a:xfrm>
+          <a:off x="0" y="0"/>
+          <a:ext cx="0" cy="0"/>
+          <a:chOff x="0" y="0"/>
+          <a:chExt cx="0" cy="0"/>
+        </a:xfrm>
+      </p:grpSpPr>
+      <p:sp useBgFill="1">
+        <p:nvSpPr>
+          <p:cNvPr id="8" name="Rectangle 7">
+            <a:extLst>
+              <a:ext uri="{FF2B5EF4-FFF2-40B4-BE49-F238E27FC236}">
+                <a16:creationId xmlns:a16="http://schemas.microsoft.com/office/drawing/2014/main" id="{324E43EB-867C-4B35-9A5C-E435157C7297}"/>
+              </a:ext>
+              <a:ext uri="{C183D7F6-B498-43B3-948B-1728B52AA6E4}">
+                <adec:decorative xmlns:adec="http://schemas.microsoft.com/office/drawing/2017/decorative" val="1"/>
+              </a:ext>
+            </a:extLst>
+          </p:cNvPr>
+          <p:cNvSpPr>
+            <a:spLocks noGrp="1" noRot="1" noChangeAspect="1" noMove="1" noResize="1" noEditPoints="1" noAdjustHandles="1" noChangeArrowheads="1" noChangeShapeType="1" noTextEdit="1"/>
+          </p:cNvSpPr>
+          <p:nvPr>
+            <p:extLst>
+              <p:ext uri="{386F3935-93C4-4BCD-93E2-E3B085C9AB24}">
+                <p16:designElem xmlns:p16="http://schemas.microsoft.com/office/powerpoint/2015/main" val="1"/>
+              </p:ext>
+            </p:extLst>
+          </p:nvPr>
+        </p:nvSpPr>
+        <p:spPr>
+          <a:xfrm>
+            <a:off x="0" y="0"/>
+            <a:ext cx="12192000" cy="6858000"/>
+          </a:xfrm>
+          <a:prstGeom prst="rect">
+            <a:avLst/>
+          </a:prstGeom>
+          <a:ln>
+            <a:noFill/>
+          </a:ln>
+        </p:spPr>
+        <p:style>
+          <a:lnRef idx="2">
+            <a:schemeClr val="accent1">
+              <a:shade val="50000"/>
+            </a:schemeClr>
+          </a:lnRef>
+          <a:fillRef idx="1">
+            <a:schemeClr val="accent1"/>
+          </a:fillRef>
+          <a:effectRef idx="0">
+            <a:schemeClr val="accent1"/>
+          </a:effectRef>
+          <a:fontRef idx="minor">
+            <a:schemeClr val="lt1"/>
+          </a:fontRef>
+        </p:style>
+        <p:txBody>
+          <a:bodyPr rtlCol="0" anchor="ctr"/>
+          <a:lstStyle/>
+          <a:p>
+            <a:pPr algn="ctr"/>
+            <a:endParaRPr lang="en-US"/>
+          </a:p>
+        </p:txBody>
+      </p:sp>
+      <p:sp>
+        <p:nvSpPr>
+          <p:cNvPr id="10" name="Rectangle 9">
+            <a:extLst>
+              <a:ext uri="{FF2B5EF4-FFF2-40B4-BE49-F238E27FC236}">
+                <a16:creationId xmlns:a16="http://schemas.microsoft.com/office/drawing/2014/main" id="{A7C0F5DA-B59F-4F13-8BB8-FFD8F2C572BC}"/>
+              </a:ext>
+              <a:ext uri="{C183D7F6-B498-43B3-948B-1728B52AA6E4}">
+                <adec:decorative xmlns:adec="http://schemas.microsoft.com/office/drawing/2017/decorative" val="1"/>
+              </a:ext>
+            </a:extLst>
+          </p:cNvPr>
+          <p:cNvSpPr>
+            <a:spLocks noGrp="1" noRot="1" noChangeAspect="1" noMove="1" noResize="1" noEditPoints="1" noAdjustHandles="1" noChangeArrowheads="1" noChangeShapeType="1" noTextEdit="1"/>
+          </p:cNvSpPr>
+          <p:nvPr>
+            <p:extLst>
+              <p:ext uri="{386F3935-93C4-4BCD-93E2-E3B085C9AB24}">
+                <p16:designElem xmlns:p16="http://schemas.microsoft.com/office/powerpoint/2015/main" val="1"/>
+              </p:ext>
+            </p:extLst>
+          </p:nvPr>
+        </p:nvSpPr>
+        <p:spPr>
+          <a:xfrm>
+            <a:off x="0" y="0"/>
+            <a:ext cx="12192000" cy="6858000"/>
+          </a:xfrm>
+          <a:prstGeom prst="rect">
+            <a:avLst/>
+          </a:prstGeom>
+          <a:ln>
+            <a:noFill/>
+          </a:ln>
+        </p:spPr>
+        <p:style>
+          <a:lnRef idx="2">
+            <a:schemeClr val="accent1">
+              <a:shade val="50000"/>
+            </a:schemeClr>
+          </a:lnRef>
+          <a:fillRef idx="1003">
+            <a:schemeClr val="dk2"/>
+          </a:fillRef>
+          <a:effectRef idx="0">
+            <a:schemeClr val="accent1"/>
+          </a:effectRef>
+          <a:fontRef idx="minor">
+            <a:schemeClr val="lt1"/>
+          </a:fontRef>
+        </p:style>
+      </p:sp>
+      <p:sp>
+        <p:nvSpPr>
+          <p:cNvPr id="12" name="Freeform 5">
+            <a:extLst>
+              <a:ext uri="{FF2B5EF4-FFF2-40B4-BE49-F238E27FC236}">
+                <a16:creationId xmlns:a16="http://schemas.microsoft.com/office/drawing/2014/main" id="{9CEA1DEC-CC9E-4776-9E08-048A15BFA6CA}"/>
+              </a:ext>
+              <a:ext uri="{C183D7F6-B498-43B3-948B-1728B52AA6E4}">
+                <adec:decorative xmlns:adec="http://schemas.microsoft.com/office/drawing/2017/decorative" val="1"/>
+              </a:ext>
+            </a:extLst>
+          </p:cNvPr>
+          <p:cNvSpPr>
+            <a:spLocks noGrp="1" noRot="1" noChangeAspect="1" noMove="1" noResize="1" noEditPoints="1" noAdjustHandles="1" noChangeArrowheads="1" noChangeShapeType="1" noTextEdit="1"/>
+          </p:cNvSpPr>
+          <p:nvPr>
+            <p:extLst>
+              <p:ext uri="{386F3935-93C4-4BCD-93E2-E3B085C9AB24}">
+                <p16:designElem xmlns:p16="http://schemas.microsoft.com/office/powerpoint/2015/main" val="1"/>
+              </p:ext>
+            </p:extLst>
+          </p:nvPr>
+        </p:nvSpPr>
+        <p:spPr bwMode="gray">
+          <a:xfrm rot="15922489">
+            <a:off x="3140485" y="1826078"/>
+            <a:ext cx="3299407" cy="440924"/>
+          </a:xfrm>
+          <a:custGeom>
+            <a:avLst/>
+            <a:gdLst/>
+            <a:ahLst/>
+            <a:cxnLst/>
+            <a:rect l="l" t="t" r="r" b="b"/>
+            <a:pathLst>
+              <a:path w="10000" h="5291">
+                <a:moveTo>
+                  <a:pt x="85" y="2532"/>
+                </a:moveTo>
+                <a:cubicBezTo>
+                  <a:pt x="1736" y="3911"/>
+                  <a:pt x="7524" y="5298"/>
+                  <a:pt x="9958" y="5291"/>
+                </a:cubicBezTo>
+                <a:cubicBezTo>
+                  <a:pt x="9989" y="1958"/>
+                  <a:pt x="9969" y="3333"/>
+                  <a:pt x="10000" y="0"/>
+                </a:cubicBezTo>
+                <a:lnTo>
+                  <a:pt x="10000" y="0"/>
+                </a:lnTo>
+                <a:lnTo>
+                  <a:pt x="9667" y="204"/>
+                </a:lnTo>
+                <a:lnTo>
+                  <a:pt x="9334" y="400"/>
+                </a:lnTo>
+                <a:lnTo>
+                  <a:pt x="9001" y="590"/>
+                </a:lnTo>
+                <a:lnTo>
+                  <a:pt x="8667" y="753"/>
+                </a:lnTo>
+                <a:lnTo>
+                  <a:pt x="8333" y="917"/>
+                </a:lnTo>
+                <a:lnTo>
+                  <a:pt x="7999" y="1071"/>
+                </a:lnTo>
+                <a:lnTo>
+                  <a:pt x="7669" y="1202"/>
+                </a:lnTo>
+                <a:lnTo>
+                  <a:pt x="7333" y="1325"/>
+                </a:lnTo>
+                <a:lnTo>
+                  <a:pt x="7000" y="1440"/>
+                </a:lnTo>
+                <a:lnTo>
+                  <a:pt x="6673" y="1538"/>
+                </a:lnTo>
+                <a:lnTo>
+                  <a:pt x="6340" y="1636"/>
+                </a:lnTo>
+                <a:lnTo>
+                  <a:pt x="6013" y="1719"/>
+                </a:lnTo>
+                <a:lnTo>
+                  <a:pt x="5686" y="1784"/>
+                </a:lnTo>
+                <a:lnTo>
+                  <a:pt x="5359" y="1850"/>
+                </a:lnTo>
+                <a:lnTo>
+                  <a:pt x="5036" y="1906"/>
+                </a:lnTo>
+                <a:lnTo>
+                  <a:pt x="4717" y="1948"/>
+                </a:lnTo>
+                <a:lnTo>
+                  <a:pt x="4396" y="1980"/>
+                </a:lnTo>
+                <a:lnTo>
+                  <a:pt x="4079" y="2013"/>
+                </a:lnTo>
+                <a:lnTo>
+                  <a:pt x="3766" y="2029"/>
+                </a:lnTo>
+                <a:lnTo>
+                  <a:pt x="3454" y="2046"/>
+                </a:lnTo>
+                <a:lnTo>
+                  <a:pt x="3145" y="2053"/>
+                </a:lnTo>
+                <a:lnTo>
+                  <a:pt x="2839" y="2046"/>
+                </a:lnTo>
+                <a:lnTo>
+                  <a:pt x="2537" y="2046"/>
+                </a:lnTo>
+                <a:lnTo>
+                  <a:pt x="2238" y="2029"/>
+                </a:lnTo>
+                <a:lnTo>
+                  <a:pt x="1943" y="2004"/>
+                </a:lnTo>
+                <a:lnTo>
+                  <a:pt x="1653" y="1980"/>
+                </a:lnTo>
+                <a:lnTo>
+                  <a:pt x="1368" y="1955"/>
+                </a:lnTo>
+                <a:lnTo>
+                  <a:pt x="1085" y="1915"/>
+                </a:lnTo>
+                <a:lnTo>
+                  <a:pt x="806" y="1873"/>
+                </a:lnTo>
+                <a:lnTo>
+                  <a:pt x="533" y="1833"/>
+                </a:lnTo>
+                <a:lnTo>
+                  <a:pt x="0" y="1726"/>
+                </a:lnTo>
+                <a:cubicBezTo>
+                  <a:pt x="28" y="1995"/>
+                  <a:pt x="57" y="2263"/>
+                  <a:pt x="85" y="2532"/>
+                </a:cubicBezTo>
+                <a:close/>
+              </a:path>
+            </a:pathLst>
+          </a:custGeom>
+          <a:solidFill>
+            <a:schemeClr val="bg1">
+              <a:alpha val="20000"/>
+            </a:schemeClr>
+          </a:solidFill>
+          <a:ln>
+            <a:noFill/>
+          </a:ln>
+        </p:spPr>
+      </p:sp>
+      <p:sp>
+        <p:nvSpPr>
+          <p:cNvPr id="14" name="Freeform: Shape 13">
+            <a:extLst>
+              <a:ext uri="{FF2B5EF4-FFF2-40B4-BE49-F238E27FC236}">
+                <a16:creationId xmlns:a16="http://schemas.microsoft.com/office/drawing/2014/main" id="{9CE399CF-F4B8-4832-A8CB-B93F6B1EF44B}"/>
+              </a:ext>
+              <a:ext uri="{C183D7F6-B498-43B3-948B-1728B52AA6E4}">
+                <adec:decorative xmlns:adec="http://schemas.microsoft.com/office/drawing/2017/decorative" val="1"/>
+              </a:ext>
+            </a:extLst>
+          </p:cNvPr>
+          <p:cNvSpPr>
+            <a:spLocks noGrp="1" noRot="1" noChangeAspect="1" noMove="1" noResize="1" noEditPoints="1" noAdjustHandles="1" noChangeArrowheads="1" noChangeShapeType="1" noTextEdit="1"/>
+          </p:cNvSpPr>
+          <p:nvPr>
+            <p:extLst>
+              <p:ext uri="{386F3935-93C4-4BCD-93E2-E3B085C9AB24}">
+                <p16:designElem xmlns:p16="http://schemas.microsoft.com/office/powerpoint/2015/main" val="1"/>
+              </p:ext>
+            </p:extLst>
+          </p:nvPr>
+        </p:nvSpPr>
+        <p:spPr bwMode="gray">
+          <a:xfrm rot="16200000">
+            <a:off x="5171964" y="-140866"/>
+            <a:ext cx="6053670" cy="7139732"/>
+          </a:xfrm>
+          <a:custGeom>
+            <a:avLst/>
+            <a:gdLst>
+              <a:gd name="connsiteX0" fmla="*/ 6053670 w 6053670"/>
+              <a:gd name="connsiteY0" fmla="*/ 1098 h 7139732"/>
+              <a:gd name="connsiteX1" fmla="*/ 6053670 w 6053670"/>
+              <a:gd name="connsiteY1" fmla="*/ 1084479 h 7139732"/>
+              <a:gd name="connsiteX2" fmla="*/ 6053670 w 6053670"/>
+              <a:gd name="connsiteY2" fmla="*/ 1254558 h 7139732"/>
+              <a:gd name="connsiteX3" fmla="*/ 6053670 w 6053670"/>
+              <a:gd name="connsiteY3" fmla="*/ 7139732 h 7139732"/>
+              <a:gd name="connsiteX4" fmla="*/ 0 w 6053670"/>
+              <a:gd name="connsiteY4" fmla="*/ 7139732 h 7139732"/>
+              <a:gd name="connsiteX5" fmla="*/ 0 w 6053670"/>
+              <a:gd name="connsiteY5" fmla="*/ 1249853 h 7139732"/>
+              <a:gd name="connsiteX6" fmla="*/ 0 w 6053670"/>
+              <a:gd name="connsiteY6" fmla="*/ 1084479 h 7139732"/>
+              <a:gd name="connsiteX7" fmla="*/ 0 w 6053670"/>
+              <a:gd name="connsiteY7" fmla="*/ 0 h 7139732"/>
+              <a:gd name="connsiteX8" fmla="*/ 35717 w 6053670"/>
+              <a:gd name="connsiteY8" fmla="*/ 5488 h 7139732"/>
+              <a:gd name="connsiteX9" fmla="*/ 140445 w 6053670"/>
+              <a:gd name="connsiteY9" fmla="*/ 21641 h 7139732"/>
+              <a:gd name="connsiteX10" fmla="*/ 216722 w 6053670"/>
+              <a:gd name="connsiteY10" fmla="*/ 32932 h 7139732"/>
+              <a:gd name="connsiteX11" fmla="*/ 307527 w 6053670"/>
+              <a:gd name="connsiteY11" fmla="*/ 44850 h 7139732"/>
+              <a:gd name="connsiteX12" fmla="*/ 415282 w 6053670"/>
+              <a:gd name="connsiteY12" fmla="*/ 59121 h 7139732"/>
+              <a:gd name="connsiteX13" fmla="*/ 534539 w 6053670"/>
+              <a:gd name="connsiteY13" fmla="*/ 74175 h 7139732"/>
+              <a:gd name="connsiteX14" fmla="*/ 668931 w 6053670"/>
+              <a:gd name="connsiteY14" fmla="*/ 90014 h 7139732"/>
+              <a:gd name="connsiteX15" fmla="*/ 815430 w 6053670"/>
+              <a:gd name="connsiteY15" fmla="*/ 106794 h 7139732"/>
+              <a:gd name="connsiteX16" fmla="*/ 974641 w 6053670"/>
+              <a:gd name="connsiteY16" fmla="*/ 123574 h 7139732"/>
+              <a:gd name="connsiteX17" fmla="*/ 1144144 w 6053670"/>
+              <a:gd name="connsiteY17" fmla="*/ 140667 h 7139732"/>
+              <a:gd name="connsiteX18" fmla="*/ 1326965 w 6053670"/>
+              <a:gd name="connsiteY18" fmla="*/ 156506 h 7139732"/>
+              <a:gd name="connsiteX19" fmla="*/ 1518261 w 6053670"/>
+              <a:gd name="connsiteY19" fmla="*/ 171717 h 7139732"/>
+              <a:gd name="connsiteX20" fmla="*/ 1720453 w 6053670"/>
+              <a:gd name="connsiteY20" fmla="*/ 185518 h 7139732"/>
+              <a:gd name="connsiteX21" fmla="*/ 1931121 w 6053670"/>
+              <a:gd name="connsiteY21" fmla="*/ 198690 h 7139732"/>
+              <a:gd name="connsiteX22" fmla="*/ 2150869 w 6053670"/>
+              <a:gd name="connsiteY22" fmla="*/ 211079 h 7139732"/>
+              <a:gd name="connsiteX23" fmla="*/ 2263467 w 6053670"/>
+              <a:gd name="connsiteY23" fmla="*/ 215470 h 7139732"/>
+              <a:gd name="connsiteX24" fmla="*/ 2378487 w 6053670"/>
+              <a:gd name="connsiteY24" fmla="*/ 220332 h 7139732"/>
+              <a:gd name="connsiteX25" fmla="*/ 2495323 w 6053670"/>
+              <a:gd name="connsiteY25" fmla="*/ 224879 h 7139732"/>
+              <a:gd name="connsiteX26" fmla="*/ 2612764 w 6053670"/>
+              <a:gd name="connsiteY26" fmla="*/ 227859 h 7139732"/>
+              <a:gd name="connsiteX27" fmla="*/ 2732627 w 6053670"/>
+              <a:gd name="connsiteY27" fmla="*/ 230525 h 7139732"/>
+              <a:gd name="connsiteX28" fmla="*/ 2853700 w 6053670"/>
+              <a:gd name="connsiteY28" fmla="*/ 233348 h 7139732"/>
+              <a:gd name="connsiteX29" fmla="*/ 2977195 w 6053670"/>
+              <a:gd name="connsiteY29" fmla="*/ 235229 h 7139732"/>
+              <a:gd name="connsiteX30" fmla="*/ 3101901 w 6053670"/>
+              <a:gd name="connsiteY30" fmla="*/ 235229 h 7139732"/>
+              <a:gd name="connsiteX31" fmla="*/ 3227817 w 6053670"/>
+              <a:gd name="connsiteY31" fmla="*/ 236170 h 7139732"/>
+              <a:gd name="connsiteX32" fmla="*/ 3354944 w 6053670"/>
+              <a:gd name="connsiteY32" fmla="*/ 235229 h 7139732"/>
+              <a:gd name="connsiteX33" fmla="*/ 3483887 w 6053670"/>
+              <a:gd name="connsiteY33" fmla="*/ 233348 h 7139732"/>
+              <a:gd name="connsiteX34" fmla="*/ 3612830 w 6053670"/>
+              <a:gd name="connsiteY34" fmla="*/ 231623 h 7139732"/>
+              <a:gd name="connsiteX35" fmla="*/ 3743590 w 6053670"/>
+              <a:gd name="connsiteY35" fmla="*/ 227859 h 7139732"/>
+              <a:gd name="connsiteX36" fmla="*/ 3875560 w 6053670"/>
+              <a:gd name="connsiteY36" fmla="*/ 223938 h 7139732"/>
+              <a:gd name="connsiteX37" fmla="*/ 4007530 w 6053670"/>
+              <a:gd name="connsiteY37" fmla="*/ 219391 h 7139732"/>
+              <a:gd name="connsiteX38" fmla="*/ 4140710 w 6053670"/>
+              <a:gd name="connsiteY38" fmla="*/ 212961 h 7139732"/>
+              <a:gd name="connsiteX39" fmla="*/ 4275102 w 6053670"/>
+              <a:gd name="connsiteY39" fmla="*/ 205277 h 7139732"/>
+              <a:gd name="connsiteX40" fmla="*/ 4410098 w 6053670"/>
+              <a:gd name="connsiteY40" fmla="*/ 197907 h 7139732"/>
+              <a:gd name="connsiteX41" fmla="*/ 4545096 w 6053670"/>
+              <a:gd name="connsiteY41" fmla="*/ 188498 h 7139732"/>
+              <a:gd name="connsiteX42" fmla="*/ 4681909 w 6053670"/>
+              <a:gd name="connsiteY42" fmla="*/ 177207 h 7139732"/>
+              <a:gd name="connsiteX43" fmla="*/ 4816905 w 6053670"/>
+              <a:gd name="connsiteY43" fmla="*/ 165916 h 7139732"/>
+              <a:gd name="connsiteX44" fmla="*/ 4954323 w 6053670"/>
+              <a:gd name="connsiteY44" fmla="*/ 152899 h 7139732"/>
+              <a:gd name="connsiteX45" fmla="*/ 5092347 w 6053670"/>
+              <a:gd name="connsiteY45" fmla="*/ 138629 h 7139732"/>
+              <a:gd name="connsiteX46" fmla="*/ 5228555 w 6053670"/>
+              <a:gd name="connsiteY46" fmla="*/ 123574 h 7139732"/>
+              <a:gd name="connsiteX47" fmla="*/ 5366578 w 6053670"/>
+              <a:gd name="connsiteY47" fmla="*/ 106010 h 7139732"/>
+              <a:gd name="connsiteX48" fmla="*/ 5503997 w 6053670"/>
+              <a:gd name="connsiteY48" fmla="*/ 87192 h 7139732"/>
+              <a:gd name="connsiteX49" fmla="*/ 5642020 w 6053670"/>
+              <a:gd name="connsiteY49" fmla="*/ 68530 h 7139732"/>
+              <a:gd name="connsiteX50" fmla="*/ 5779438 w 6053670"/>
+              <a:gd name="connsiteY50" fmla="*/ 46733 h 7139732"/>
+              <a:gd name="connsiteX51" fmla="*/ 5916251 w 6053670"/>
+              <a:gd name="connsiteY51" fmla="*/ 24464 h 7139732"/>
+            </a:gdLst>
+            <a:ahLst/>
+            <a:cxnLst>
+              <a:cxn ang="0">
+                <a:pos x="connsiteX0" y="connsiteY0"/>
+              </a:cxn>
+              <a:cxn ang="0">
+                <a:pos x="connsiteX1" y="connsiteY1"/>
+              </a:cxn>
+              <a:cxn ang="0">
+                <a:pos x="connsiteX2" y="connsiteY2"/>
+              </a:cxn>
+              <a:cxn ang="0">
+                <a:pos x="connsiteX3" y="connsiteY3"/>
+              </a:cxn>
+              <a:cxn ang="0">
+                <a:pos x="connsiteX4" y="connsiteY4"/>
+              </a:cxn>
+              <a:cxn ang="0">
+                <a:pos x="connsiteX5" y="connsiteY5"/>
+              </a:cxn>
+              <a:cxn ang="0">
+                <a:pos x="connsiteX6" y="connsiteY6"/>
+              </a:cxn>
+              <a:cxn ang="0">
+                <a:pos x="connsiteX7" y="connsiteY7"/>
+              </a:cxn>
+              <a:cxn ang="0">
+                <a:pos x="connsiteX8" y="connsiteY8"/>
+              </a:cxn>
+              <a:cxn ang="0">
+                <a:pos x="connsiteX9" y="connsiteY9"/>
+              </a:cxn>
+              <a:cxn ang="0">
+                <a:pos x="connsiteX10" y="connsiteY10"/>
+              </a:cxn>
+              <a:cxn ang="0">
+                <a:pos x="connsiteX11" y="connsiteY11"/>
+              </a:cxn>
+              <a:cxn ang="0">
+                <a:pos x="connsiteX12" y="connsiteY12"/>
+              </a:cxn>
+              <a:cxn ang="0">
+                <a:pos x="connsiteX13" y="connsiteY13"/>
+              </a:cxn>
+              <a:cxn ang="0">
+                <a:pos x="connsiteX14" y="connsiteY14"/>
+              </a:cxn>
+              <a:cxn ang="0">
+                <a:pos x="connsiteX15" y="connsiteY15"/>
+              </a:cxn>
+              <a:cxn ang="0">
+                <a:pos x="connsiteX16" y="connsiteY16"/>
+              </a:cxn>
+              <a:cxn ang="0">
+                <a:pos x="connsiteX17" y="connsiteY17"/>
+              </a:cxn>
+              <a:cxn ang="0">
+                <a:pos x="connsiteX18" y="connsiteY18"/>
+              </a:cxn>
+              <a:cxn ang="0">
+                <a:pos x="connsiteX19" y="connsiteY19"/>
+              </a:cxn>
+              <a:cxn ang="0">
+                <a:pos x="connsiteX20" y="connsiteY20"/>
+              </a:cxn>
+              <a:cxn ang="0">
+                <a:pos x="connsiteX21" y="connsiteY21"/>
+              </a:cxn>
+              <a:cxn ang="0">
+                <a:pos x="connsiteX22" y="connsiteY22"/>
+              </a:cxn>
+              <a:cxn ang="0">
+                <a:pos x="connsiteX23" y="connsiteY23"/>
+              </a:cxn>
+              <a:cxn ang="0">
+                <a:pos x="connsiteX24" y="connsiteY24"/>
+              </a:cxn>
+              <a:cxn ang="0">
+                <a:pos x="connsiteX25" y="connsiteY25"/>
+              </a:cxn>
+              <a:cxn ang="0">
+                <a:pos x="connsiteX26" y="connsiteY26"/>
+              </a:cxn>
+              <a:cxn ang="0">
+                <a:pos x="connsiteX27" y="connsiteY27"/>
+              </a:cxn>
+              <a:cxn ang="0">
+                <a:pos x="connsiteX28" y="connsiteY28"/>
+              </a:cxn>
+              <a:cxn ang="0">
+                <a:pos x="connsiteX29" y="connsiteY29"/>
+              </a:cxn>
+              <a:cxn ang="0">
+                <a:pos x="connsiteX30" y="connsiteY30"/>
+              </a:cxn>
+              <a:cxn ang="0">
+                <a:pos x="connsiteX31" y="connsiteY31"/>
+              </a:cxn>
+              <a:cxn ang="0">
+                <a:pos x="connsiteX32" y="connsiteY32"/>
+              </a:cxn>
+              <a:cxn ang="0">
+                <a:pos x="connsiteX33" y="connsiteY33"/>
+              </a:cxn>
+              <a:cxn ang="0">
+                <a:pos x="connsiteX34" y="connsiteY34"/>
+              </a:cxn>
+              <a:cxn ang="0">
+                <a:pos x="connsiteX35" y="connsiteY35"/>
+              </a:cxn>
+              <a:cxn ang="0">
+                <a:pos x="connsiteX36" y="connsiteY36"/>
+              </a:cxn>
+              <a:cxn ang="0">
+                <a:pos x="connsiteX37" y="connsiteY37"/>
+              </a:cxn>
+              <a:cxn ang="0">
+                <a:pos x="connsiteX38" y="connsiteY38"/>
+              </a:cxn>
+              <a:cxn ang="0">
+                <a:pos x="connsiteX39" y="connsiteY39"/>
+              </a:cxn>
+              <a:cxn ang="0">
+                <a:pos x="connsiteX40" y="connsiteY40"/>
+              </a:cxn>
+              <a:cxn ang="0">
+                <a:pos x="connsiteX41" y="connsiteY41"/>
+              </a:cxn>
+              <a:cxn ang="0">
+                <a:pos x="connsiteX42" y="connsiteY42"/>
+              </a:cxn>
+              <a:cxn ang="0">
+                <a:pos x="connsiteX43" y="connsiteY43"/>
+              </a:cxn>
+              <a:cxn ang="0">
+                <a:pos x="connsiteX44" y="connsiteY44"/>
+              </a:cxn>
+              <a:cxn ang="0">
+                <a:pos x="connsiteX45" y="connsiteY45"/>
+              </a:cxn>
+              <a:cxn ang="0">
+                <a:pos x="connsiteX46" y="connsiteY46"/>
+              </a:cxn>
+              <a:cxn ang="0">
+                <a:pos x="connsiteX47" y="connsiteY47"/>
+              </a:cxn>
+              <a:cxn ang="0">
+                <a:pos x="connsiteX48" y="connsiteY48"/>
+              </a:cxn>
+              <a:cxn ang="0">
+                <a:pos x="connsiteX49" y="connsiteY49"/>
+              </a:cxn>
+              <a:cxn ang="0">
+                <a:pos x="connsiteX50" y="connsiteY50"/>
+              </a:cxn>
+              <a:cxn ang="0">
+                <a:pos x="connsiteX51" y="connsiteY51"/>
+              </a:cxn>
+            </a:cxnLst>
+            <a:rect l="l" t="t" r="r" b="b"/>
+            <a:pathLst>
+              <a:path w="6053670" h="7139732">
+                <a:moveTo>
+                  <a:pt x="6053670" y="1098"/>
+                </a:moveTo>
+                <a:lnTo>
+                  <a:pt x="6053670" y="1084479"/>
+                </a:lnTo>
+                <a:lnTo>
+                  <a:pt x="6053670" y="1254558"/>
+                </a:lnTo>
+                <a:lnTo>
+                  <a:pt x="6053670" y="7139732"/>
+                </a:lnTo>
+                <a:lnTo>
+                  <a:pt x="0" y="7139732"/>
+                </a:lnTo>
+                <a:lnTo>
+                  <a:pt x="0" y="1249853"/>
+                </a:lnTo>
+                <a:lnTo>
+                  <a:pt x="0" y="1084479"/>
+                </a:lnTo>
+                <a:lnTo>
+                  <a:pt x="0" y="0"/>
+                </a:lnTo>
+                <a:lnTo>
+                  <a:pt x="35717" y="5488"/>
+                </a:lnTo>
+                <a:lnTo>
+                  <a:pt x="140445" y="21641"/>
+                </a:lnTo>
+                <a:lnTo>
+                  <a:pt x="216722" y="32932"/>
+                </a:lnTo>
+                <a:lnTo>
+                  <a:pt x="307527" y="44850"/>
+                </a:lnTo>
+                <a:lnTo>
+                  <a:pt x="415282" y="59121"/>
+                </a:lnTo>
+                <a:lnTo>
+                  <a:pt x="534539" y="74175"/>
+                </a:lnTo>
+                <a:lnTo>
+                  <a:pt x="668931" y="90014"/>
+                </a:lnTo>
+                <a:lnTo>
+                  <a:pt x="815430" y="106794"/>
+                </a:lnTo>
+                <a:lnTo>
+                  <a:pt x="974641" y="123574"/>
+                </a:lnTo>
+                <a:lnTo>
+                  <a:pt x="1144144" y="140667"/>
+                </a:lnTo>
+                <a:lnTo>
+                  <a:pt x="1326965" y="156506"/>
+                </a:lnTo>
+                <a:lnTo>
+                  <a:pt x="1518261" y="171717"/>
+                </a:lnTo>
+                <a:lnTo>
+                  <a:pt x="1720453" y="185518"/>
+                </a:lnTo>
+                <a:lnTo>
+                  <a:pt x="1931121" y="198690"/>
+                </a:lnTo>
+                <a:lnTo>
+                  <a:pt x="2150869" y="211079"/>
+                </a:lnTo>
+                <a:lnTo>
+                  <a:pt x="2263467" y="215470"/>
+                </a:lnTo>
+                <a:lnTo>
+                  <a:pt x="2378487" y="220332"/>
+                </a:lnTo>
+                <a:lnTo>
+                  <a:pt x="2495323" y="224879"/>
+                </a:lnTo>
+                <a:lnTo>
+                  <a:pt x="2612764" y="227859"/>
+                </a:lnTo>
+                <a:lnTo>
+                  <a:pt x="2732627" y="230525"/>
+                </a:lnTo>
+                <a:lnTo>
+                  <a:pt x="2853700" y="233348"/>
+                </a:lnTo>
+                <a:lnTo>
+                  <a:pt x="2977195" y="235229"/>
+                </a:lnTo>
+                <a:lnTo>
+                  <a:pt x="3101901" y="235229"/>
+                </a:lnTo>
+                <a:lnTo>
+                  <a:pt x="3227817" y="236170"/>
+                </a:lnTo>
+                <a:lnTo>
+                  <a:pt x="3354944" y="235229"/>
+                </a:lnTo>
+                <a:lnTo>
+                  <a:pt x="3483887" y="233348"/>
+                </a:lnTo>
+                <a:lnTo>
+                  <a:pt x="3612830" y="231623"/>
+                </a:lnTo>
+                <a:lnTo>
+                  <a:pt x="3743590" y="227859"/>
+                </a:lnTo>
+                <a:lnTo>
+                  <a:pt x="3875560" y="223938"/>
+                </a:lnTo>
+                <a:lnTo>
+                  <a:pt x="4007530" y="219391"/>
+                </a:lnTo>
+                <a:lnTo>
+                  <a:pt x="4140710" y="212961"/>
+                </a:lnTo>
+                <a:lnTo>
+                  <a:pt x="4275102" y="205277"/>
+                </a:lnTo>
+                <a:lnTo>
+                  <a:pt x="4410098" y="197907"/>
+                </a:lnTo>
+                <a:lnTo>
+                  <a:pt x="4545096" y="188498"/>
+                </a:lnTo>
+                <a:lnTo>
+                  <a:pt x="4681909" y="177207"/>
+                </a:lnTo>
+                <a:lnTo>
+                  <a:pt x="4816905" y="165916"/>
+                </a:lnTo>
+                <a:lnTo>
+                  <a:pt x="4954323" y="152899"/>
+                </a:lnTo>
+                <a:lnTo>
+                  <a:pt x="5092347" y="138629"/>
+                </a:lnTo>
+                <a:lnTo>
+                  <a:pt x="5228555" y="123574"/>
+                </a:lnTo>
+                <a:lnTo>
+                  <a:pt x="5366578" y="106010"/>
+                </a:lnTo>
+                <a:lnTo>
+                  <a:pt x="5503997" y="87192"/>
+                </a:lnTo>
+                <a:lnTo>
+                  <a:pt x="5642020" y="68530"/>
+                </a:lnTo>
+                <a:lnTo>
+                  <a:pt x="5779438" y="46733"/>
+                </a:lnTo>
+                <a:lnTo>
+                  <a:pt x="5916251" y="24464"/>
+                </a:lnTo>
+                <a:close/>
+              </a:path>
+            </a:pathLst>
+          </a:custGeom>
+          <a:solidFill>
+            <a:schemeClr val="bg1"/>
+          </a:solidFill>
+          <a:ln>
+            <a:noFill/>
+          </a:ln>
+        </p:spPr>
+      </p:sp>
+      <p:sp>
+        <p:nvSpPr>
+          <p:cNvPr id="16" name="Freeform 5">
+            <a:extLst>
+              <a:ext uri="{FF2B5EF4-FFF2-40B4-BE49-F238E27FC236}">
+                <a16:creationId xmlns:a16="http://schemas.microsoft.com/office/drawing/2014/main" id="{1F23E73A-FDC8-462C-83C1-3AA8961449CF}"/>
+              </a:ext>
+              <a:ext uri="{C183D7F6-B498-43B3-948B-1728B52AA6E4}">
+                <adec:decorative xmlns:adec="http://schemas.microsoft.com/office/drawing/2017/decorative" val="1"/>
+              </a:ext>
+            </a:extLst>
+          </p:cNvPr>
+          <p:cNvSpPr>
+            <a:spLocks noGrp="1" noRot="1" noChangeAspect="1" noMove="1" noResize="1" noEditPoints="1" noAdjustHandles="1" noChangeArrowheads="1" noChangeShapeType="1" noTextEdit="1"/>
+          </p:cNvSpPr>
+          <p:nvPr>
+            <p:extLst>
+              <p:ext uri="{386F3935-93C4-4BCD-93E2-E3B085C9AB24}">
+                <p16:designElem xmlns:p16="http://schemas.microsoft.com/office/powerpoint/2015/main" val="1"/>
+              </p:ext>
+            </p:extLst>
+          </p:nvPr>
+        </p:nvSpPr>
+        <p:spPr bwMode="gray">
+          <a:xfrm>
+            <a:off x="0" y="1587"/>
+            <a:ext cx="12192000" cy="6856413"/>
+          </a:xfrm>
+          <a:custGeom>
+            <a:avLst/>
+            <a:gdLst/>
+            <a:ahLst/>
+            <a:cxnLst/>
+            <a:rect l="0" t="0" r="r" b="b"/>
+            <a:pathLst>
+              <a:path w="15356" h="8638">
+                <a:moveTo>
+                  <a:pt x="0" y="0"/>
+                </a:moveTo>
+                <a:lnTo>
+                  <a:pt x="0" y="8638"/>
+                </a:lnTo>
+                <a:lnTo>
+                  <a:pt x="15356" y="8638"/>
+                </a:lnTo>
+                <a:lnTo>
+                  <a:pt x="15356" y="0"/>
+                </a:lnTo>
+                <a:lnTo>
+                  <a:pt x="0" y="0"/>
+                </a:lnTo>
+                <a:close/>
+                <a:moveTo>
+                  <a:pt x="14748" y="8038"/>
+                </a:moveTo>
+                <a:lnTo>
+                  <a:pt x="600" y="8038"/>
+                </a:lnTo>
+                <a:lnTo>
+                  <a:pt x="600" y="592"/>
+                </a:lnTo>
+                <a:lnTo>
+                  <a:pt x="14748" y="592"/>
+                </a:lnTo>
+                <a:lnTo>
+                  <a:pt x="14748" y="8038"/>
+                </a:lnTo>
+                <a:close/>
+              </a:path>
+            </a:pathLst>
+          </a:custGeom>
+          <a:solidFill>
+            <a:schemeClr val="bg1"/>
+          </a:solidFill>
+          <a:ln>
+            <a:noFill/>
+          </a:ln>
+        </p:spPr>
+      </p:sp>
+      <p:sp>
+        <p:nvSpPr>
+          <p:cNvPr id="2" name="Title 1">
+            <a:extLst>
+              <a:ext uri="{FF2B5EF4-FFF2-40B4-BE49-F238E27FC236}">
+                <a16:creationId xmlns:a16="http://schemas.microsoft.com/office/drawing/2014/main" id="{EB87DCEE-79B6-4802-8799-30C9942E5EA8}"/>
+              </a:ext>
+            </a:extLst>
+          </p:cNvPr>
+          <p:cNvSpPr>
+            <a:spLocks noGrp="1"/>
+          </p:cNvSpPr>
+          <p:nvPr>
+            <p:ph type="title"/>
+          </p:nvPr>
+        </p:nvSpPr>
+        <p:spPr>
+          <a:xfrm>
+            <a:off x="994087" y="1130603"/>
+            <a:ext cx="3342442" cy="4596794"/>
+          </a:xfrm>
+        </p:spPr>
+        <p:txBody>
+          <a:bodyPr anchor="ctr">
+            <a:normAutofit/>
+          </a:bodyPr>
+          <a:lstStyle/>
+          <a:p>
+            <a:r>
+              <a:rPr lang="bg-BG" sz="3200" b="1" kern="0">
+                <a:solidFill>
+                  <a:srgbClr val="EBEBEB"/>
+                </a:solidFill>
+                <a:effectLst/>
+                <a:latin typeface="Arial" panose="020B0604020202020204" pitchFamily="34" charset="0"/>
+                <a:ea typeface="Times New Roman" panose="02020603050405020304" pitchFamily="18" charset="0"/>
+                <a:cs typeface="Times New Roman" panose="02020603050405020304" pitchFamily="18" charset="0"/>
+              </a:rPr>
+              <a:t>Използвана литература и линк</a:t>
+            </a:r>
+            <a:br>
+              <a:rPr lang="en-US" sz="3200" b="1" kern="0">
+                <a:solidFill>
+                  <a:srgbClr val="EBEBEB"/>
+                </a:solidFill>
+                <a:effectLst/>
+                <a:latin typeface="Arial" panose="020B0604020202020204" pitchFamily="34" charset="0"/>
+                <a:ea typeface="Times New Roman" panose="02020603050405020304" pitchFamily="18" charset="0"/>
+                <a:cs typeface="Times New Roman" panose="02020603050405020304" pitchFamily="18" charset="0"/>
+              </a:rPr>
+            </a:br>
+            <a:endParaRPr lang="en-US" sz="3200">
+              <a:solidFill>
+                <a:srgbClr val="EBEBEB"/>
+              </a:solidFill>
+            </a:endParaRPr>
+          </a:p>
+        </p:txBody>
+      </p:sp>
+      <p:sp>
+        <p:nvSpPr>
+          <p:cNvPr id="3" name="Content Placeholder 2">
+            <a:extLst>
+              <a:ext uri="{FF2B5EF4-FFF2-40B4-BE49-F238E27FC236}">
+                <a16:creationId xmlns:a16="http://schemas.microsoft.com/office/drawing/2014/main" id="{63006A7D-BE2B-457A-9955-FA16A3D1BD38}"/>
+              </a:ext>
+            </a:extLst>
+          </p:cNvPr>
+          <p:cNvSpPr>
+            <a:spLocks noGrp="1"/>
+          </p:cNvSpPr>
+          <p:nvPr>
+            <p:ph idx="1"/>
+          </p:nvPr>
+        </p:nvSpPr>
+        <p:spPr>
+          <a:xfrm>
+            <a:off x="5290077" y="437513"/>
+            <a:ext cx="5502614" cy="5954325"/>
+          </a:xfrm>
+        </p:spPr>
+        <p:txBody>
+          <a:bodyPr anchor="ctr">
+            <a:normAutofit/>
+          </a:bodyPr>
+          <a:lstStyle/>
+          <a:p>
+            <a:pPr marL="0" marR="0" indent="457200">
+              <a:spcBef>
+                <a:spcPts val="0"/>
+              </a:spcBef>
+              <a:spcAft>
+                <a:spcPts val="800"/>
+              </a:spcAft>
+            </a:pPr>
+            <a:r>
+              <a:rPr lang="bg-BG" sz="2000" u="sng" dirty="0">
+                <a:effectLst/>
+                <a:latin typeface="Arial" panose="020B0604020202020204" pitchFamily="34" charset="0"/>
+                <a:ea typeface="Calibri" panose="020F0502020204030204" pitchFamily="34" charset="0"/>
+                <a:cs typeface="Times New Roman" panose="02020603050405020304" pitchFamily="18" charset="0"/>
+              </a:rPr>
+              <a:t>Използвана</a:t>
+            </a:r>
+            <a:r>
+              <a:rPr lang="bg-BG" sz="2000" dirty="0">
+                <a:effectLst/>
+                <a:latin typeface="Arial" panose="020B0604020202020204" pitchFamily="34" charset="0"/>
+                <a:ea typeface="Calibri" panose="020F0502020204030204" pitchFamily="34" charset="0"/>
+                <a:cs typeface="Times New Roman" panose="02020603050405020304" pitchFamily="18" charset="0"/>
+              </a:rPr>
+              <a:t> </a:t>
+            </a:r>
+            <a:r>
+              <a:rPr lang="bg-BG" sz="2000" u="sng" dirty="0">
+                <a:effectLst/>
+                <a:latin typeface="Arial" panose="020B0604020202020204" pitchFamily="34" charset="0"/>
+                <a:ea typeface="Calibri" panose="020F0502020204030204" pitchFamily="34" charset="0"/>
+                <a:cs typeface="Times New Roman" panose="02020603050405020304" pitchFamily="18" charset="0"/>
+              </a:rPr>
+              <a:t>литература</a:t>
+            </a:r>
+            <a:r>
+              <a:rPr lang="bg-BG" sz="2000" dirty="0">
+                <a:effectLst/>
+                <a:latin typeface="Arial" panose="020B0604020202020204" pitchFamily="34" charset="0"/>
+                <a:ea typeface="Calibri" panose="020F0502020204030204" pitchFamily="34" charset="0"/>
+                <a:cs typeface="Times New Roman" panose="02020603050405020304" pitchFamily="18" charset="0"/>
+              </a:rPr>
+              <a:t>:</a:t>
+            </a:r>
+            <a:endParaRPr lang="en-US" sz="2000" dirty="0">
+              <a:effectLst/>
+              <a:latin typeface="Calibri" panose="020F0502020204030204" pitchFamily="34" charset="0"/>
+              <a:ea typeface="Calibri" panose="020F0502020204030204" pitchFamily="34" charset="0"/>
+              <a:cs typeface="Times New Roman" panose="02020603050405020304" pitchFamily="18" charset="0"/>
+            </a:endParaRPr>
+          </a:p>
+          <a:p>
+            <a:pPr marL="0" marR="0" indent="0">
+              <a:spcBef>
+                <a:spcPts val="0"/>
+              </a:spcBef>
+              <a:spcAft>
+                <a:spcPts val="800"/>
+              </a:spcAft>
+              <a:buNone/>
+            </a:pPr>
+            <a:r>
+              <a:rPr lang="en-US" sz="2000" dirty="0" err="1">
+                <a:effectLst/>
+                <a:latin typeface="Arial" panose="020B0604020202020204" pitchFamily="34" charset="0"/>
+                <a:ea typeface="Calibri" panose="020F0502020204030204" pitchFamily="34" charset="0"/>
+                <a:cs typeface="Times New Roman" panose="02020603050405020304" pitchFamily="18" charset="0"/>
+              </a:rPr>
+              <a:t>Stackoverflow</a:t>
+            </a:r>
+            <a:r>
+              <a:rPr lang="bg-BG" sz="2000" dirty="0">
+                <a:effectLst/>
+                <a:latin typeface="Arial" panose="020B0604020202020204" pitchFamily="34" charset="0"/>
+                <a:ea typeface="Calibri" panose="020F0502020204030204" pitchFamily="34" charset="0"/>
+                <a:cs typeface="Times New Roman" panose="02020603050405020304" pitchFamily="18" charset="0"/>
+              </a:rPr>
+              <a:t>.</a:t>
+            </a:r>
+            <a:r>
+              <a:rPr lang="en-US" sz="2000" dirty="0">
+                <a:effectLst/>
+                <a:latin typeface="Arial" panose="020B0604020202020204" pitchFamily="34" charset="0"/>
+                <a:ea typeface="Calibri" panose="020F0502020204030204" pitchFamily="34" charset="0"/>
+                <a:cs typeface="Times New Roman" panose="02020603050405020304" pitchFamily="18" charset="0"/>
+              </a:rPr>
+              <a:t>com</a:t>
+            </a:r>
+            <a:r>
+              <a:rPr lang="bg-BG" sz="2000" dirty="0">
+                <a:effectLst/>
+                <a:latin typeface="Arial" panose="020B0604020202020204" pitchFamily="34" charset="0"/>
+                <a:ea typeface="Calibri" panose="020F0502020204030204" pitchFamily="34" charset="0"/>
+                <a:cs typeface="Times New Roman" panose="02020603050405020304" pitchFamily="18" charset="0"/>
+              </a:rPr>
+              <a:t>, </a:t>
+            </a:r>
+            <a:r>
+              <a:rPr lang="en-US" sz="2000" dirty="0">
+                <a:effectLst/>
+                <a:latin typeface="Arial" panose="020B0604020202020204" pitchFamily="34" charset="0"/>
+                <a:ea typeface="Calibri" panose="020F0502020204030204" pitchFamily="34" charset="0"/>
+                <a:cs typeface="Times New Roman" panose="02020603050405020304" pitchFamily="18" charset="0"/>
+              </a:rPr>
+              <a:t>Git</a:t>
+            </a:r>
+            <a:r>
+              <a:rPr lang="bg-BG" sz="2000" dirty="0">
+                <a:effectLst/>
+                <a:latin typeface="Arial" panose="020B0604020202020204" pitchFamily="34" charset="0"/>
+                <a:ea typeface="Calibri" panose="020F0502020204030204" pitchFamily="34" charset="0"/>
+                <a:cs typeface="Times New Roman" panose="02020603050405020304" pitchFamily="18" charset="0"/>
+              </a:rPr>
+              <a:t>, </a:t>
+            </a:r>
+            <a:r>
+              <a:rPr lang="en-US" sz="2000" dirty="0">
+                <a:effectLst/>
+                <a:latin typeface="Arial" panose="020B0604020202020204" pitchFamily="34" charset="0"/>
+                <a:ea typeface="Calibri" panose="020F0502020204030204" pitchFamily="34" charset="0"/>
+                <a:cs typeface="Times New Roman" panose="02020603050405020304" pitchFamily="18" charset="0"/>
+              </a:rPr>
+              <a:t>GitHub </a:t>
+            </a:r>
+            <a:r>
+              <a:rPr lang="bg-BG" sz="2000" dirty="0">
+                <a:effectLst/>
+                <a:latin typeface="Arial" panose="020B0604020202020204" pitchFamily="34" charset="0"/>
+                <a:ea typeface="Calibri" panose="020F0502020204030204" pitchFamily="34" charset="0"/>
+                <a:cs typeface="Times New Roman" panose="02020603050405020304" pitchFamily="18" charset="0"/>
+              </a:rPr>
+              <a:t>и допълнително онлайн търсене.</a:t>
+            </a:r>
+            <a:endParaRPr lang="en-US" sz="2000" dirty="0">
+              <a:effectLst/>
+              <a:latin typeface="Calibri" panose="020F0502020204030204" pitchFamily="34" charset="0"/>
+              <a:ea typeface="Calibri" panose="020F0502020204030204" pitchFamily="34" charset="0"/>
+              <a:cs typeface="Times New Roman" panose="02020603050405020304" pitchFamily="18" charset="0"/>
+            </a:endParaRPr>
+          </a:p>
+          <a:p>
+            <a:pPr marL="0" marR="0" indent="457200">
+              <a:lnSpc>
+                <a:spcPct val="107000"/>
+              </a:lnSpc>
+              <a:spcBef>
+                <a:spcPts val="0"/>
+              </a:spcBef>
+              <a:spcAft>
+                <a:spcPts val="800"/>
+              </a:spcAft>
+            </a:pPr>
+            <a:r>
+              <a:rPr lang="bg-BG" sz="1800" u="sng" dirty="0">
+                <a:effectLst/>
+                <a:latin typeface="Arial" panose="020B0604020202020204" pitchFamily="34" charset="0"/>
+                <a:ea typeface="Calibri" panose="020F0502020204030204" pitchFamily="34" charset="0"/>
+                <a:cs typeface="Times New Roman" panose="02020603050405020304" pitchFamily="18" charset="0"/>
+              </a:rPr>
+              <a:t>Линк</a:t>
+            </a:r>
+            <a:r>
+              <a:rPr lang="bg-BG" sz="1800" dirty="0">
+                <a:effectLst/>
+                <a:latin typeface="Arial" panose="020B0604020202020204" pitchFamily="34" charset="0"/>
+                <a:ea typeface="Calibri" panose="020F0502020204030204" pitchFamily="34" charset="0"/>
+                <a:cs typeface="Times New Roman" panose="02020603050405020304" pitchFamily="18" charset="0"/>
+              </a:rPr>
+              <a:t> </a:t>
+            </a:r>
+            <a:r>
+              <a:rPr lang="bg-BG" sz="1800" u="sng" dirty="0">
+                <a:effectLst/>
+                <a:latin typeface="Arial" panose="020B0604020202020204" pitchFamily="34" charset="0"/>
+                <a:ea typeface="Calibri" panose="020F0502020204030204" pitchFamily="34" charset="0"/>
+                <a:cs typeface="Times New Roman" panose="02020603050405020304" pitchFamily="18" charset="0"/>
+              </a:rPr>
+              <a:t>към</a:t>
+            </a:r>
+            <a:r>
+              <a:rPr lang="bg-BG" sz="1800" dirty="0">
+                <a:effectLst/>
+                <a:latin typeface="Arial" panose="020B0604020202020204" pitchFamily="34" charset="0"/>
+                <a:ea typeface="Calibri" panose="020F0502020204030204" pitchFamily="34" charset="0"/>
+                <a:cs typeface="Times New Roman" panose="02020603050405020304" pitchFamily="18" charset="0"/>
+              </a:rPr>
+              <a:t> </a:t>
+            </a:r>
+            <a:r>
+              <a:rPr lang="en-US" sz="1800" u="sng" dirty="0" err="1">
+                <a:effectLst/>
+                <a:latin typeface="Arial" panose="020B0604020202020204" pitchFamily="34" charset="0"/>
+                <a:ea typeface="Calibri" panose="020F0502020204030204" pitchFamily="34" charset="0"/>
+                <a:cs typeface="Times New Roman" panose="02020603050405020304" pitchFamily="18" charset="0"/>
+              </a:rPr>
+              <a:t>Tinkercad</a:t>
+            </a:r>
+            <a:r>
+              <a:rPr lang="en-US" sz="1800" dirty="0">
+                <a:effectLst/>
+                <a:latin typeface="Arial" panose="020B0604020202020204" pitchFamily="34" charset="0"/>
+                <a:ea typeface="Calibri" panose="020F0502020204030204" pitchFamily="34" charset="0"/>
+                <a:cs typeface="Times New Roman" panose="02020603050405020304" pitchFamily="18" charset="0"/>
+              </a:rPr>
+              <a:t> </a:t>
+            </a:r>
+            <a:r>
+              <a:rPr lang="bg-BG" sz="1800" u="sng" dirty="0">
+                <a:effectLst/>
+                <a:latin typeface="Arial" panose="020B0604020202020204" pitchFamily="34" charset="0"/>
+                <a:ea typeface="Calibri" panose="020F0502020204030204" pitchFamily="34" charset="0"/>
+                <a:cs typeface="Times New Roman" panose="02020603050405020304" pitchFamily="18" charset="0"/>
+              </a:rPr>
+              <a:t>симулацията</a:t>
+            </a:r>
+            <a:r>
+              <a:rPr lang="bg-BG" sz="1800" dirty="0">
+                <a:effectLst/>
+                <a:latin typeface="Arial" panose="020B0604020202020204" pitchFamily="34" charset="0"/>
+                <a:ea typeface="Calibri" panose="020F0502020204030204" pitchFamily="34" charset="0"/>
+                <a:cs typeface="Times New Roman" panose="02020603050405020304" pitchFamily="18" charset="0"/>
+              </a:rPr>
+              <a:t>:</a:t>
+            </a:r>
+            <a:endParaRPr lang="en-US" sz="1800" dirty="0">
+              <a:effectLst/>
+              <a:latin typeface="Calibri" panose="020F0502020204030204" pitchFamily="34" charset="0"/>
+              <a:ea typeface="Calibri" panose="020F0502020204030204" pitchFamily="34" charset="0"/>
+              <a:cs typeface="Times New Roman" panose="02020603050405020304" pitchFamily="18" charset="0"/>
+            </a:endParaRPr>
+          </a:p>
+          <a:p>
+            <a:pPr marL="0" marR="0" indent="0">
+              <a:lnSpc>
+                <a:spcPct val="107000"/>
+              </a:lnSpc>
+              <a:spcBef>
+                <a:spcPts val="0"/>
+              </a:spcBef>
+              <a:spcAft>
+                <a:spcPts val="800"/>
+              </a:spcAft>
+              <a:buNone/>
+            </a:pPr>
+            <a:r>
+              <a:rPr lang="en-US" sz="1800" u="sng" dirty="0">
+                <a:solidFill>
+                  <a:srgbClr val="0000FF"/>
+                </a:solidFill>
+                <a:effectLst/>
+                <a:latin typeface="Helvetica" panose="020B0604020202020204" pitchFamily="34" charset="0"/>
+                <a:ea typeface="Calibri" panose="020F0502020204030204" pitchFamily="34" charset="0"/>
+                <a:cs typeface="Times New Roman" panose="02020603050405020304" pitchFamily="18" charset="0"/>
+                <a:hlinkClick r:id="rId2" tooltip="https://www.tinkercad.com/things/bKZG8F4WKEk-room-sensor/editel?sharecode=HFpO_rFfTyI0boVttR5ECGnKxVna8hIWbFiHw3_mDSI"/>
+              </a:rPr>
+              <a:t>https</a:t>
+            </a:r>
+            <a:r>
+              <a:rPr lang="bg-BG" sz="1800" u="sng" dirty="0">
+                <a:solidFill>
+                  <a:srgbClr val="0000FF"/>
+                </a:solidFill>
+                <a:effectLst/>
+                <a:latin typeface="Helvetica" panose="020B0604020202020204" pitchFamily="34" charset="0"/>
+                <a:ea typeface="Calibri" panose="020F0502020204030204" pitchFamily="34" charset="0"/>
+                <a:cs typeface="Times New Roman" panose="02020603050405020304" pitchFamily="18" charset="0"/>
+                <a:hlinkClick r:id="rId2" tooltip="https://www.tinkercad.com/things/bKZG8F4WKEk-room-sensor/editel?sharecode=HFpO_rFfTyI0boVttR5ECGnKxVna8hIWbFiHw3_mDSI"/>
+              </a:rPr>
+              <a:t>://</a:t>
+            </a:r>
+            <a:r>
+              <a:rPr lang="en-US" sz="1800" u="sng" dirty="0">
+                <a:solidFill>
+                  <a:srgbClr val="0000FF"/>
+                </a:solidFill>
+                <a:effectLst/>
+                <a:latin typeface="Helvetica" panose="020B0604020202020204" pitchFamily="34" charset="0"/>
+                <a:ea typeface="Calibri" panose="020F0502020204030204" pitchFamily="34" charset="0"/>
+                <a:cs typeface="Times New Roman" panose="02020603050405020304" pitchFamily="18" charset="0"/>
+                <a:hlinkClick r:id="rId2" tooltip="https://www.tinkercad.com/things/bKZG8F4WKEk-room-sensor/editel?sharecode=HFpO_rFfTyI0boVttR5ECGnKxVna8hIWbFiHw3_mDSI"/>
+              </a:rPr>
+              <a:t>www</a:t>
+            </a:r>
+            <a:r>
+              <a:rPr lang="bg-BG" sz="1800" u="sng" dirty="0">
+                <a:solidFill>
+                  <a:srgbClr val="0000FF"/>
+                </a:solidFill>
+                <a:effectLst/>
+                <a:latin typeface="Helvetica" panose="020B0604020202020204" pitchFamily="34" charset="0"/>
+                <a:ea typeface="Calibri" panose="020F0502020204030204" pitchFamily="34" charset="0"/>
+                <a:cs typeface="Times New Roman" panose="02020603050405020304" pitchFamily="18" charset="0"/>
+                <a:hlinkClick r:id="rId2" tooltip="https://www.tinkercad.com/things/bKZG8F4WKEk-room-sensor/editel?sharecode=HFpO_rFfTyI0boVttR5ECGnKxVna8hIWbFiHw3_mDSI"/>
+              </a:rPr>
+              <a:t>.</a:t>
+            </a:r>
+            <a:r>
+              <a:rPr lang="en-US" sz="1800" u="sng" dirty="0" err="1">
+                <a:solidFill>
+                  <a:srgbClr val="0000FF"/>
+                </a:solidFill>
+                <a:effectLst/>
+                <a:latin typeface="Helvetica" panose="020B0604020202020204" pitchFamily="34" charset="0"/>
+                <a:ea typeface="Calibri" panose="020F0502020204030204" pitchFamily="34" charset="0"/>
+                <a:cs typeface="Times New Roman" panose="02020603050405020304" pitchFamily="18" charset="0"/>
+                <a:hlinkClick r:id="rId2" tooltip="https://www.tinkercad.com/things/bKZG8F4WKEk-room-sensor/editel?sharecode=HFpO_rFfTyI0boVttR5ECGnKxVna8hIWbFiHw3_mDSI"/>
+              </a:rPr>
+              <a:t>tinkercad</a:t>
+            </a:r>
+            <a:r>
+              <a:rPr lang="bg-BG" sz="1800" u="sng" dirty="0">
+                <a:solidFill>
+                  <a:srgbClr val="0000FF"/>
+                </a:solidFill>
+                <a:effectLst/>
+                <a:latin typeface="Helvetica" panose="020B0604020202020204" pitchFamily="34" charset="0"/>
+                <a:ea typeface="Calibri" panose="020F0502020204030204" pitchFamily="34" charset="0"/>
+                <a:cs typeface="Times New Roman" panose="02020603050405020304" pitchFamily="18" charset="0"/>
+                <a:hlinkClick r:id="rId2" tooltip="https://www.tinkercad.com/things/bKZG8F4WKEk-room-sensor/editel?sharecode=HFpO_rFfTyI0boVttR5ECGnKxVna8hIWbFiHw3_mDSI"/>
+              </a:rPr>
+              <a:t>.</a:t>
+            </a:r>
+            <a:r>
+              <a:rPr lang="en-US" sz="1800" u="sng" dirty="0">
+                <a:solidFill>
+                  <a:srgbClr val="0000FF"/>
+                </a:solidFill>
+                <a:effectLst/>
+                <a:latin typeface="Helvetica" panose="020B0604020202020204" pitchFamily="34" charset="0"/>
+                <a:ea typeface="Calibri" panose="020F0502020204030204" pitchFamily="34" charset="0"/>
+                <a:cs typeface="Times New Roman" panose="02020603050405020304" pitchFamily="18" charset="0"/>
+                <a:hlinkClick r:id="rId2" tooltip="https://www.tinkercad.com/things/bKZG8F4WKEk-room-sensor/editel?sharecode=HFpO_rFfTyI0boVttR5ECGnKxVna8hIWbFiHw3_mDSI"/>
+              </a:rPr>
+              <a:t>com</a:t>
+            </a:r>
+            <a:r>
+              <a:rPr lang="bg-BG" sz="1800" u="sng" dirty="0">
+                <a:solidFill>
+                  <a:srgbClr val="0000FF"/>
+                </a:solidFill>
+                <a:effectLst/>
+                <a:latin typeface="Helvetica" panose="020B0604020202020204" pitchFamily="34" charset="0"/>
+                <a:ea typeface="Calibri" panose="020F0502020204030204" pitchFamily="34" charset="0"/>
+                <a:cs typeface="Times New Roman" panose="02020603050405020304" pitchFamily="18" charset="0"/>
+                <a:hlinkClick r:id="rId2" tooltip="https://www.tinkercad.com/things/bKZG8F4WKEk-room-sensor/editel?sharecode=HFpO_rFfTyI0boVttR5ECGnKxVna8hIWbFiHw3_mDSI"/>
+              </a:rPr>
+              <a:t>/</a:t>
+            </a:r>
+            <a:r>
+              <a:rPr lang="en-US" sz="1800" u="sng" dirty="0">
+                <a:solidFill>
+                  <a:srgbClr val="0000FF"/>
+                </a:solidFill>
+                <a:effectLst/>
+                <a:latin typeface="Helvetica" panose="020B0604020202020204" pitchFamily="34" charset="0"/>
+                <a:ea typeface="Calibri" panose="020F0502020204030204" pitchFamily="34" charset="0"/>
+                <a:cs typeface="Times New Roman" panose="02020603050405020304" pitchFamily="18" charset="0"/>
+                <a:hlinkClick r:id="rId2" tooltip="https://www.tinkercad.com/things/bKZG8F4WKEk-room-sensor/editel?sharecode=HFpO_rFfTyI0boVttR5ECGnKxVna8hIWbFiHw3_mDSI"/>
+              </a:rPr>
+              <a:t>things</a:t>
+            </a:r>
+            <a:r>
+              <a:rPr lang="bg-BG" sz="1800" u="sng" dirty="0">
+                <a:solidFill>
+                  <a:srgbClr val="0000FF"/>
+                </a:solidFill>
+                <a:effectLst/>
+                <a:latin typeface="Helvetica" panose="020B0604020202020204" pitchFamily="34" charset="0"/>
+                <a:ea typeface="Calibri" panose="020F0502020204030204" pitchFamily="34" charset="0"/>
+                <a:cs typeface="Times New Roman" panose="02020603050405020304" pitchFamily="18" charset="0"/>
+                <a:hlinkClick r:id="rId2" tooltip="https://www.tinkercad.com/things/bKZG8F4WKEk-room-sensor/editel?sharecode=HFpO_rFfTyI0boVttR5ECGnKxVna8hIWbFiHw3_mDSI"/>
+              </a:rPr>
+              <a:t>/</a:t>
+            </a:r>
+            <a:r>
+              <a:rPr lang="en-US" sz="1800" u="sng" dirty="0" err="1">
+                <a:solidFill>
+                  <a:srgbClr val="0000FF"/>
+                </a:solidFill>
+                <a:effectLst/>
+                <a:latin typeface="Helvetica" panose="020B0604020202020204" pitchFamily="34" charset="0"/>
+                <a:ea typeface="Calibri" panose="020F0502020204030204" pitchFamily="34" charset="0"/>
+                <a:cs typeface="Times New Roman" panose="02020603050405020304" pitchFamily="18" charset="0"/>
+                <a:hlinkClick r:id="rId2" tooltip="https://www.tinkercad.com/things/bKZG8F4WKEk-room-sensor/editel?sharecode=HFpO_rFfTyI0boVttR5ECGnKxVna8hIWbFiHw3_mDSI"/>
+              </a:rPr>
+              <a:t>bKZG</a:t>
+            </a:r>
+            <a:r>
+              <a:rPr lang="bg-BG" sz="1800" u="sng" dirty="0">
+                <a:solidFill>
+                  <a:srgbClr val="0000FF"/>
+                </a:solidFill>
+                <a:effectLst/>
+                <a:latin typeface="Helvetica" panose="020B0604020202020204" pitchFamily="34" charset="0"/>
+                <a:ea typeface="Calibri" panose="020F0502020204030204" pitchFamily="34" charset="0"/>
+                <a:cs typeface="Times New Roman" panose="02020603050405020304" pitchFamily="18" charset="0"/>
+                <a:hlinkClick r:id="rId2" tooltip="https://www.tinkercad.com/things/bKZG8F4WKEk-room-sensor/editel?sharecode=HFpO_rFfTyI0boVttR5ECGnKxVna8hIWbFiHw3_mDSI"/>
+              </a:rPr>
+              <a:t>8</a:t>
+            </a:r>
+            <a:r>
+              <a:rPr lang="en-US" sz="1800" u="sng" dirty="0">
+                <a:solidFill>
+                  <a:srgbClr val="0000FF"/>
+                </a:solidFill>
+                <a:effectLst/>
+                <a:latin typeface="Helvetica" panose="020B0604020202020204" pitchFamily="34" charset="0"/>
+                <a:ea typeface="Calibri" panose="020F0502020204030204" pitchFamily="34" charset="0"/>
+                <a:cs typeface="Times New Roman" panose="02020603050405020304" pitchFamily="18" charset="0"/>
+                <a:hlinkClick r:id="rId2" tooltip="https://www.tinkercad.com/things/bKZG8F4WKEk-room-sensor/editel?sharecode=HFpO_rFfTyI0boVttR5ECGnKxVna8hIWbFiHw3_mDSI"/>
+              </a:rPr>
+              <a:t>F</a:t>
+            </a:r>
+            <a:r>
+              <a:rPr lang="bg-BG" sz="1800" u="sng" dirty="0">
+                <a:solidFill>
+                  <a:srgbClr val="0000FF"/>
+                </a:solidFill>
+                <a:effectLst/>
+                <a:latin typeface="Helvetica" panose="020B0604020202020204" pitchFamily="34" charset="0"/>
+                <a:ea typeface="Calibri" panose="020F0502020204030204" pitchFamily="34" charset="0"/>
+                <a:cs typeface="Times New Roman" panose="02020603050405020304" pitchFamily="18" charset="0"/>
+                <a:hlinkClick r:id="rId2" tooltip="https://www.tinkercad.com/things/bKZG8F4WKEk-room-sensor/editel?sharecode=HFpO_rFfTyI0boVttR5ECGnKxVna8hIWbFiHw3_mDSI"/>
+              </a:rPr>
+              <a:t>4</a:t>
+            </a:r>
+            <a:r>
+              <a:rPr lang="en-US" sz="1800" u="sng" dirty="0" err="1">
+                <a:solidFill>
+                  <a:srgbClr val="0000FF"/>
+                </a:solidFill>
+                <a:effectLst/>
+                <a:latin typeface="Helvetica" panose="020B0604020202020204" pitchFamily="34" charset="0"/>
+                <a:ea typeface="Calibri" panose="020F0502020204030204" pitchFamily="34" charset="0"/>
+                <a:cs typeface="Times New Roman" panose="02020603050405020304" pitchFamily="18" charset="0"/>
+                <a:hlinkClick r:id="rId2" tooltip="https://www.tinkercad.com/things/bKZG8F4WKEk-room-sensor/editel?sharecode=HFpO_rFfTyI0boVttR5ECGnKxVna8hIWbFiHw3_mDSI"/>
+              </a:rPr>
+              <a:t>WKEk</a:t>
+            </a:r>
+            <a:r>
+              <a:rPr lang="bg-BG" sz="1800" u="sng" dirty="0">
+                <a:solidFill>
+                  <a:srgbClr val="0000FF"/>
+                </a:solidFill>
+                <a:effectLst/>
+                <a:latin typeface="Helvetica" panose="020B0604020202020204" pitchFamily="34" charset="0"/>
+                <a:ea typeface="Calibri" panose="020F0502020204030204" pitchFamily="34" charset="0"/>
+                <a:cs typeface="Times New Roman" panose="02020603050405020304" pitchFamily="18" charset="0"/>
+                <a:hlinkClick r:id="rId2" tooltip="https://www.tinkercad.com/things/bKZG8F4WKEk-room-sensor/editel?sharecode=HFpO_rFfTyI0boVttR5ECGnKxVna8hIWbFiHw3_mDSI"/>
+              </a:rPr>
+              <a:t>-</a:t>
+            </a:r>
+            <a:r>
+              <a:rPr lang="en-US" sz="1800" u="sng" dirty="0">
+                <a:solidFill>
+                  <a:srgbClr val="0000FF"/>
+                </a:solidFill>
+                <a:effectLst/>
+                <a:latin typeface="Helvetica" panose="020B0604020202020204" pitchFamily="34" charset="0"/>
+                <a:ea typeface="Calibri" panose="020F0502020204030204" pitchFamily="34" charset="0"/>
+                <a:cs typeface="Times New Roman" panose="02020603050405020304" pitchFamily="18" charset="0"/>
+                <a:hlinkClick r:id="rId2" tooltip="https://www.tinkercad.com/things/bKZG8F4WKEk-room-sensor/editel?sharecode=HFpO_rFfTyI0boVttR5ECGnKxVna8hIWbFiHw3_mDSI"/>
+              </a:rPr>
+              <a:t>room</a:t>
+            </a:r>
+            <a:r>
+              <a:rPr lang="bg-BG" sz="1800" u="sng" dirty="0">
+                <a:solidFill>
+                  <a:srgbClr val="0000FF"/>
+                </a:solidFill>
+                <a:effectLst/>
+                <a:latin typeface="Helvetica" panose="020B0604020202020204" pitchFamily="34" charset="0"/>
+                <a:ea typeface="Calibri" panose="020F0502020204030204" pitchFamily="34" charset="0"/>
+                <a:cs typeface="Times New Roman" panose="02020603050405020304" pitchFamily="18" charset="0"/>
+                <a:hlinkClick r:id="rId2" tooltip="https://www.tinkercad.com/things/bKZG8F4WKEk-room-sensor/editel?sharecode=HFpO_rFfTyI0boVttR5ECGnKxVna8hIWbFiHw3_mDSI"/>
+              </a:rPr>
+              <a:t>-</a:t>
+            </a:r>
+            <a:r>
+              <a:rPr lang="en-US" sz="1800" u="sng" dirty="0">
+                <a:solidFill>
+                  <a:srgbClr val="0000FF"/>
+                </a:solidFill>
+                <a:effectLst/>
+                <a:latin typeface="Helvetica" panose="020B0604020202020204" pitchFamily="34" charset="0"/>
+                <a:ea typeface="Calibri" panose="020F0502020204030204" pitchFamily="34" charset="0"/>
+                <a:cs typeface="Times New Roman" panose="02020603050405020304" pitchFamily="18" charset="0"/>
+                <a:hlinkClick r:id="rId2" tooltip="https://www.tinkercad.com/things/bKZG8F4WKEk-room-sensor/editel?sharecode=HFpO_rFfTyI0boVttR5ECGnKxVna8hIWbFiHw3_mDSI"/>
+              </a:rPr>
+              <a:t>sensor</a:t>
+            </a:r>
+            <a:r>
+              <a:rPr lang="bg-BG" sz="1800" u="sng" dirty="0">
+                <a:solidFill>
+                  <a:srgbClr val="0000FF"/>
+                </a:solidFill>
+                <a:effectLst/>
+                <a:latin typeface="Helvetica" panose="020B0604020202020204" pitchFamily="34" charset="0"/>
+                <a:ea typeface="Calibri" panose="020F0502020204030204" pitchFamily="34" charset="0"/>
+                <a:cs typeface="Times New Roman" panose="02020603050405020304" pitchFamily="18" charset="0"/>
+                <a:hlinkClick r:id="rId2" tooltip="https://www.tinkercad.com/things/bKZG8F4WKEk-room-sensor/editel?sharecode=HFpO_rFfTyI0boVttR5ECGnKxVna8hIWbFiHw3_mDSI"/>
+              </a:rPr>
+              <a:t>/</a:t>
+            </a:r>
+            <a:r>
+              <a:rPr lang="en-US" sz="1800" u="sng" dirty="0" err="1">
+                <a:solidFill>
+                  <a:srgbClr val="0000FF"/>
+                </a:solidFill>
+                <a:effectLst/>
+                <a:latin typeface="Helvetica" panose="020B0604020202020204" pitchFamily="34" charset="0"/>
+                <a:ea typeface="Calibri" panose="020F0502020204030204" pitchFamily="34" charset="0"/>
+                <a:cs typeface="Times New Roman" panose="02020603050405020304" pitchFamily="18" charset="0"/>
+                <a:hlinkClick r:id="rId2" tooltip="https://www.tinkercad.com/things/bKZG8F4WKEk-room-sensor/editel?sharecode=HFpO_rFfTyI0boVttR5ECGnKxVna8hIWbFiHw3_mDSI"/>
+              </a:rPr>
+              <a:t>editel</a:t>
+            </a:r>
+            <a:r>
+              <a:rPr lang="bg-BG" sz="1800" u="sng" dirty="0">
+                <a:solidFill>
+                  <a:srgbClr val="0000FF"/>
+                </a:solidFill>
+                <a:effectLst/>
+                <a:latin typeface="Helvetica" panose="020B0604020202020204" pitchFamily="34" charset="0"/>
+                <a:ea typeface="Calibri" panose="020F0502020204030204" pitchFamily="34" charset="0"/>
+                <a:cs typeface="Times New Roman" panose="02020603050405020304" pitchFamily="18" charset="0"/>
+                <a:hlinkClick r:id="rId2" tooltip="https://www.tinkercad.com/things/bKZG8F4WKEk-room-sensor/editel?sharecode=HFpO_rFfTyI0boVttR5ECGnKxVna8hIWbFiHw3_mDSI"/>
+              </a:rPr>
+              <a:t>?</a:t>
+            </a:r>
+            <a:r>
+              <a:rPr lang="en-US" sz="1800" u="sng" dirty="0" err="1">
+                <a:solidFill>
+                  <a:srgbClr val="0000FF"/>
+                </a:solidFill>
+                <a:effectLst/>
+                <a:latin typeface="Helvetica" panose="020B0604020202020204" pitchFamily="34" charset="0"/>
+                <a:ea typeface="Calibri" panose="020F0502020204030204" pitchFamily="34" charset="0"/>
+                <a:cs typeface="Times New Roman" panose="02020603050405020304" pitchFamily="18" charset="0"/>
+                <a:hlinkClick r:id="rId2" tooltip="https://www.tinkercad.com/things/bKZG8F4WKEk-room-sensor/editel?sharecode=HFpO_rFfTyI0boVttR5ECGnKxVna8hIWbFiHw3_mDSI"/>
+              </a:rPr>
+              <a:t>sharecode</a:t>
+            </a:r>
+            <a:r>
+              <a:rPr lang="bg-BG" sz="1800" u="sng" dirty="0">
+                <a:solidFill>
+                  <a:srgbClr val="0000FF"/>
+                </a:solidFill>
+                <a:effectLst/>
+                <a:latin typeface="Helvetica" panose="020B0604020202020204" pitchFamily="34" charset="0"/>
+                <a:ea typeface="Calibri" panose="020F0502020204030204" pitchFamily="34" charset="0"/>
+                <a:cs typeface="Times New Roman" panose="02020603050405020304" pitchFamily="18" charset="0"/>
+                <a:hlinkClick r:id="rId2" tooltip="https://www.tinkercad.com/things/bKZG8F4WKEk-room-sensor/editel?sharecode=HFpO_rFfTyI0boVttR5ECGnKxVna8hIWbFiHw3_mDSI"/>
+              </a:rPr>
+              <a:t>=</a:t>
+            </a:r>
+            <a:r>
+              <a:rPr lang="en-US" sz="1800" u="sng" dirty="0" err="1">
+                <a:solidFill>
+                  <a:srgbClr val="0000FF"/>
+                </a:solidFill>
+                <a:effectLst/>
+                <a:latin typeface="Helvetica" panose="020B0604020202020204" pitchFamily="34" charset="0"/>
+                <a:ea typeface="Calibri" panose="020F0502020204030204" pitchFamily="34" charset="0"/>
+                <a:cs typeface="Times New Roman" panose="02020603050405020304" pitchFamily="18" charset="0"/>
+                <a:hlinkClick r:id="rId2" tooltip="https://www.tinkercad.com/things/bKZG8F4WKEk-room-sensor/editel?sharecode=HFpO_rFfTyI0boVttR5ECGnKxVna8hIWbFiHw3_mDSI"/>
+              </a:rPr>
+              <a:t>HFpO</a:t>
+            </a:r>
+            <a:r>
+              <a:rPr lang="bg-BG" sz="1800" u="sng" dirty="0">
+                <a:solidFill>
+                  <a:srgbClr val="0000FF"/>
+                </a:solidFill>
+                <a:effectLst/>
+                <a:latin typeface="Helvetica" panose="020B0604020202020204" pitchFamily="34" charset="0"/>
+                <a:ea typeface="Calibri" panose="020F0502020204030204" pitchFamily="34" charset="0"/>
+                <a:cs typeface="Times New Roman" panose="02020603050405020304" pitchFamily="18" charset="0"/>
+                <a:hlinkClick r:id="rId2" tooltip="https://www.tinkercad.com/things/bKZG8F4WKEk-room-sensor/editel?sharecode=HFpO_rFfTyI0boVttR5ECGnKxVna8hIWbFiHw3_mDSI"/>
+              </a:rPr>
+              <a:t>_</a:t>
+            </a:r>
+            <a:r>
+              <a:rPr lang="en-US" sz="1800" u="sng" dirty="0" err="1">
+                <a:solidFill>
+                  <a:srgbClr val="0000FF"/>
+                </a:solidFill>
+                <a:effectLst/>
+                <a:latin typeface="Helvetica" panose="020B0604020202020204" pitchFamily="34" charset="0"/>
+                <a:ea typeface="Calibri" panose="020F0502020204030204" pitchFamily="34" charset="0"/>
+                <a:cs typeface="Times New Roman" panose="02020603050405020304" pitchFamily="18" charset="0"/>
+                <a:hlinkClick r:id="rId2" tooltip="https://www.tinkercad.com/things/bKZG8F4WKEk-room-sensor/editel?sharecode=HFpO_rFfTyI0boVttR5ECGnKxVna8hIWbFiHw3_mDSI"/>
+              </a:rPr>
+              <a:t>rFfTyI</a:t>
+            </a:r>
+            <a:r>
+              <a:rPr lang="bg-BG" sz="1800" u="sng" dirty="0">
+                <a:solidFill>
+                  <a:srgbClr val="0000FF"/>
+                </a:solidFill>
+                <a:effectLst/>
+                <a:latin typeface="Helvetica" panose="020B0604020202020204" pitchFamily="34" charset="0"/>
+                <a:ea typeface="Calibri" panose="020F0502020204030204" pitchFamily="34" charset="0"/>
+                <a:cs typeface="Times New Roman" panose="02020603050405020304" pitchFamily="18" charset="0"/>
+                <a:hlinkClick r:id="rId2" tooltip="https://www.tinkercad.com/things/bKZG8F4WKEk-room-sensor/editel?sharecode=HFpO_rFfTyI0boVttR5ECGnKxVna8hIWbFiHw3_mDSI"/>
+              </a:rPr>
+              <a:t>0</a:t>
+            </a:r>
+            <a:r>
+              <a:rPr lang="en-US" sz="1800" u="sng" dirty="0" err="1">
+                <a:solidFill>
+                  <a:srgbClr val="0000FF"/>
+                </a:solidFill>
+                <a:effectLst/>
+                <a:latin typeface="Helvetica" panose="020B0604020202020204" pitchFamily="34" charset="0"/>
+                <a:ea typeface="Calibri" panose="020F0502020204030204" pitchFamily="34" charset="0"/>
+                <a:cs typeface="Times New Roman" panose="02020603050405020304" pitchFamily="18" charset="0"/>
+                <a:hlinkClick r:id="rId2" tooltip="https://www.tinkercad.com/things/bKZG8F4WKEk-room-sensor/editel?sharecode=HFpO_rFfTyI0boVttR5ECGnKxVna8hIWbFiHw3_mDSI"/>
+              </a:rPr>
+              <a:t>boVttR</a:t>
+            </a:r>
+            <a:r>
+              <a:rPr lang="bg-BG" sz="1800" u="sng" dirty="0">
+                <a:solidFill>
+                  <a:srgbClr val="0000FF"/>
+                </a:solidFill>
+                <a:effectLst/>
+                <a:latin typeface="Helvetica" panose="020B0604020202020204" pitchFamily="34" charset="0"/>
+                <a:ea typeface="Calibri" panose="020F0502020204030204" pitchFamily="34" charset="0"/>
+                <a:cs typeface="Times New Roman" panose="02020603050405020304" pitchFamily="18" charset="0"/>
+                <a:hlinkClick r:id="rId2" tooltip="https://www.tinkercad.com/things/bKZG8F4WKEk-room-sensor/editel?sharecode=HFpO_rFfTyI0boVttR5ECGnKxVna8hIWbFiHw3_mDSI"/>
+              </a:rPr>
+              <a:t>5</a:t>
+            </a:r>
+            <a:r>
+              <a:rPr lang="en-US" sz="1800" u="sng" dirty="0" err="1">
+                <a:solidFill>
+                  <a:srgbClr val="0000FF"/>
+                </a:solidFill>
+                <a:effectLst/>
+                <a:latin typeface="Helvetica" panose="020B0604020202020204" pitchFamily="34" charset="0"/>
+                <a:ea typeface="Calibri" panose="020F0502020204030204" pitchFamily="34" charset="0"/>
+                <a:cs typeface="Times New Roman" panose="02020603050405020304" pitchFamily="18" charset="0"/>
+                <a:hlinkClick r:id="rId2" tooltip="https://www.tinkercad.com/things/bKZG8F4WKEk-room-sensor/editel?sharecode=HFpO_rFfTyI0boVttR5ECGnKxVna8hIWbFiHw3_mDSI"/>
+              </a:rPr>
+              <a:t>ECGnKxVna</a:t>
+            </a:r>
+            <a:r>
+              <a:rPr lang="bg-BG" sz="1800" u="sng" dirty="0">
+                <a:solidFill>
+                  <a:srgbClr val="0000FF"/>
+                </a:solidFill>
+                <a:effectLst/>
+                <a:latin typeface="Helvetica" panose="020B0604020202020204" pitchFamily="34" charset="0"/>
+                <a:ea typeface="Calibri" panose="020F0502020204030204" pitchFamily="34" charset="0"/>
+                <a:cs typeface="Times New Roman" panose="02020603050405020304" pitchFamily="18" charset="0"/>
+                <a:hlinkClick r:id="rId2" tooltip="https://www.tinkercad.com/things/bKZG8F4WKEk-room-sensor/editel?sharecode=HFpO_rFfTyI0boVttR5ECGnKxVna8hIWbFiHw3_mDSI"/>
+              </a:rPr>
+              <a:t>8</a:t>
+            </a:r>
+            <a:r>
+              <a:rPr lang="en-US" sz="1800" u="sng" dirty="0" err="1">
+                <a:solidFill>
+                  <a:srgbClr val="0000FF"/>
+                </a:solidFill>
+                <a:effectLst/>
+                <a:latin typeface="Helvetica" panose="020B0604020202020204" pitchFamily="34" charset="0"/>
+                <a:ea typeface="Calibri" panose="020F0502020204030204" pitchFamily="34" charset="0"/>
+                <a:cs typeface="Times New Roman" panose="02020603050405020304" pitchFamily="18" charset="0"/>
+                <a:hlinkClick r:id="rId2" tooltip="https://www.tinkercad.com/things/bKZG8F4WKEk-room-sensor/editel?sharecode=HFpO_rFfTyI0boVttR5ECGnKxVna8hIWbFiHw3_mDSI"/>
+              </a:rPr>
+              <a:t>hIWbFiHw</a:t>
+            </a:r>
+            <a:r>
+              <a:rPr lang="bg-BG" sz="1800" u="sng" dirty="0">
+                <a:solidFill>
+                  <a:srgbClr val="0000FF"/>
+                </a:solidFill>
+                <a:effectLst/>
+                <a:latin typeface="Helvetica" panose="020B0604020202020204" pitchFamily="34" charset="0"/>
+                <a:ea typeface="Calibri" panose="020F0502020204030204" pitchFamily="34" charset="0"/>
+                <a:cs typeface="Times New Roman" panose="02020603050405020304" pitchFamily="18" charset="0"/>
+                <a:hlinkClick r:id="rId2" tooltip="https://www.tinkercad.com/things/bKZG8F4WKEk-room-sensor/editel?sharecode=HFpO_rFfTyI0boVttR5ECGnKxVna8hIWbFiHw3_mDSI"/>
+              </a:rPr>
+              <a:t>3_</a:t>
+            </a:r>
+            <a:r>
+              <a:rPr lang="en-US" sz="1800" u="sng" dirty="0" err="1">
+                <a:solidFill>
+                  <a:srgbClr val="0000FF"/>
+                </a:solidFill>
+                <a:effectLst/>
+                <a:latin typeface="Helvetica" panose="020B0604020202020204" pitchFamily="34" charset="0"/>
+                <a:ea typeface="Calibri" panose="020F0502020204030204" pitchFamily="34" charset="0"/>
+                <a:cs typeface="Times New Roman" panose="02020603050405020304" pitchFamily="18" charset="0"/>
+                <a:hlinkClick r:id="rId2" tooltip="https://www.tinkercad.com/things/bKZG8F4WKEk-room-sensor/editel?sharecode=HFpO_rFfTyI0boVttR5ECGnKxVna8hIWbFiHw3_mDSI"/>
+              </a:rPr>
+              <a:t>mDSI</a:t>
+            </a:r>
+            <a:endParaRPr lang="en-US" sz="1800" dirty="0">
+              <a:effectLst/>
+              <a:latin typeface="Calibri" panose="020F0502020204030204" pitchFamily="34" charset="0"/>
+              <a:ea typeface="Calibri" panose="020F0502020204030204" pitchFamily="34" charset="0"/>
+              <a:cs typeface="Times New Roman" panose="02020603050405020304" pitchFamily="18" charset="0"/>
+            </a:endParaRPr>
+          </a:p>
+          <a:p>
+            <a:endParaRPr lang="en-US" sz="2000" dirty="0"/>
+          </a:p>
+        </p:txBody>
+      </p:sp>
+    </p:spTree>
+    <p:extLst>
+      <p:ext uri="{BB962C8B-B14F-4D97-AF65-F5344CB8AC3E}">
+        <p14:creationId xmlns:p14="http://schemas.microsoft.com/office/powerpoint/2010/main" val="2213284424"/>
       </p:ext>
     </p:extLst>
   </p:cSld>
@@ -23581,6 +26523,1148 @@
           <a:chExt cx="0" cy="0"/>
         </a:xfrm>
       </p:grpSpPr>
+      <p:sp useBgFill="1">
+        <p:nvSpPr>
+          <p:cNvPr id="8" name="Rectangle 7">
+            <a:extLst>
+              <a:ext uri="{FF2B5EF4-FFF2-40B4-BE49-F238E27FC236}">
+                <a16:creationId xmlns:a16="http://schemas.microsoft.com/office/drawing/2014/main" id="{324E43EB-867C-4B35-9A5C-E435157C7297}"/>
+              </a:ext>
+              <a:ext uri="{C183D7F6-B498-43B3-948B-1728B52AA6E4}">
+                <adec:decorative xmlns:adec="http://schemas.microsoft.com/office/drawing/2017/decorative" val="1"/>
+              </a:ext>
+            </a:extLst>
+          </p:cNvPr>
+          <p:cNvSpPr>
+            <a:spLocks noGrp="1" noRot="1" noChangeAspect="1" noMove="1" noResize="1" noEditPoints="1" noAdjustHandles="1" noChangeArrowheads="1" noChangeShapeType="1" noTextEdit="1"/>
+          </p:cNvSpPr>
+          <p:nvPr>
+            <p:extLst>
+              <p:ext uri="{386F3935-93C4-4BCD-93E2-E3B085C9AB24}">
+                <p16:designElem xmlns:p16="http://schemas.microsoft.com/office/powerpoint/2015/main" val="1"/>
+              </p:ext>
+            </p:extLst>
+          </p:nvPr>
+        </p:nvSpPr>
+        <p:spPr>
+          <a:xfrm>
+            <a:off x="0" y="0"/>
+            <a:ext cx="12192000" cy="6858000"/>
+          </a:xfrm>
+          <a:prstGeom prst="rect">
+            <a:avLst/>
+          </a:prstGeom>
+          <a:ln>
+            <a:noFill/>
+          </a:ln>
+        </p:spPr>
+        <p:style>
+          <a:lnRef idx="2">
+            <a:schemeClr val="accent1">
+              <a:shade val="50000"/>
+            </a:schemeClr>
+          </a:lnRef>
+          <a:fillRef idx="1">
+            <a:schemeClr val="accent1"/>
+          </a:fillRef>
+          <a:effectRef idx="0">
+            <a:schemeClr val="accent1"/>
+          </a:effectRef>
+          <a:fontRef idx="minor">
+            <a:schemeClr val="lt1"/>
+          </a:fontRef>
+        </p:style>
+        <p:txBody>
+          <a:bodyPr rtlCol="0" anchor="ctr"/>
+          <a:lstStyle/>
+          <a:p>
+            <a:pPr algn="ctr"/>
+            <a:endParaRPr lang="en-US"/>
+          </a:p>
+        </p:txBody>
+      </p:sp>
+      <p:sp>
+        <p:nvSpPr>
+          <p:cNvPr id="10" name="Rectangle 9">
+            <a:extLst>
+              <a:ext uri="{FF2B5EF4-FFF2-40B4-BE49-F238E27FC236}">
+                <a16:creationId xmlns:a16="http://schemas.microsoft.com/office/drawing/2014/main" id="{A7C0F5DA-B59F-4F13-8BB8-FFD8F2C572BC}"/>
+              </a:ext>
+              <a:ext uri="{C183D7F6-B498-43B3-948B-1728B52AA6E4}">
+                <adec:decorative xmlns:adec="http://schemas.microsoft.com/office/drawing/2017/decorative" val="1"/>
+              </a:ext>
+            </a:extLst>
+          </p:cNvPr>
+          <p:cNvSpPr>
+            <a:spLocks noGrp="1" noRot="1" noChangeAspect="1" noMove="1" noResize="1" noEditPoints="1" noAdjustHandles="1" noChangeArrowheads="1" noChangeShapeType="1" noTextEdit="1"/>
+          </p:cNvSpPr>
+          <p:nvPr>
+            <p:extLst>
+              <p:ext uri="{386F3935-93C4-4BCD-93E2-E3B085C9AB24}">
+                <p16:designElem xmlns:p16="http://schemas.microsoft.com/office/powerpoint/2015/main" val="1"/>
+              </p:ext>
+            </p:extLst>
+          </p:nvPr>
+        </p:nvSpPr>
+        <p:spPr>
+          <a:xfrm>
+            <a:off x="0" y="0"/>
+            <a:ext cx="12192000" cy="6858000"/>
+          </a:xfrm>
+          <a:prstGeom prst="rect">
+            <a:avLst/>
+          </a:prstGeom>
+          <a:ln>
+            <a:noFill/>
+          </a:ln>
+        </p:spPr>
+        <p:style>
+          <a:lnRef idx="2">
+            <a:schemeClr val="accent1">
+              <a:shade val="50000"/>
+            </a:schemeClr>
+          </a:lnRef>
+          <a:fillRef idx="1003">
+            <a:schemeClr val="dk2"/>
+          </a:fillRef>
+          <a:effectRef idx="0">
+            <a:schemeClr val="accent1"/>
+          </a:effectRef>
+          <a:fontRef idx="minor">
+            <a:schemeClr val="lt1"/>
+          </a:fontRef>
+        </p:style>
+      </p:sp>
+      <p:sp>
+        <p:nvSpPr>
+          <p:cNvPr id="12" name="Freeform 5">
+            <a:extLst>
+              <a:ext uri="{FF2B5EF4-FFF2-40B4-BE49-F238E27FC236}">
+                <a16:creationId xmlns:a16="http://schemas.microsoft.com/office/drawing/2014/main" id="{9CEA1DEC-CC9E-4776-9E08-048A15BFA6CA}"/>
+              </a:ext>
+              <a:ext uri="{C183D7F6-B498-43B3-948B-1728B52AA6E4}">
+                <adec:decorative xmlns:adec="http://schemas.microsoft.com/office/drawing/2017/decorative" val="1"/>
+              </a:ext>
+            </a:extLst>
+          </p:cNvPr>
+          <p:cNvSpPr>
+            <a:spLocks noGrp="1" noRot="1" noChangeAspect="1" noMove="1" noResize="1" noEditPoints="1" noAdjustHandles="1" noChangeArrowheads="1" noChangeShapeType="1" noTextEdit="1"/>
+          </p:cNvSpPr>
+          <p:nvPr>
+            <p:extLst>
+              <p:ext uri="{386F3935-93C4-4BCD-93E2-E3B085C9AB24}">
+                <p16:designElem xmlns:p16="http://schemas.microsoft.com/office/powerpoint/2015/main" val="1"/>
+              </p:ext>
+            </p:extLst>
+          </p:nvPr>
+        </p:nvSpPr>
+        <p:spPr bwMode="gray">
+          <a:xfrm rot="15922489">
+            <a:off x="3140485" y="1826078"/>
+            <a:ext cx="3299407" cy="440924"/>
+          </a:xfrm>
+          <a:custGeom>
+            <a:avLst/>
+            <a:gdLst/>
+            <a:ahLst/>
+            <a:cxnLst/>
+            <a:rect l="l" t="t" r="r" b="b"/>
+            <a:pathLst>
+              <a:path w="10000" h="5291">
+                <a:moveTo>
+                  <a:pt x="85" y="2532"/>
+                </a:moveTo>
+                <a:cubicBezTo>
+                  <a:pt x="1736" y="3911"/>
+                  <a:pt x="7524" y="5298"/>
+                  <a:pt x="9958" y="5291"/>
+                </a:cubicBezTo>
+                <a:cubicBezTo>
+                  <a:pt x="9989" y="1958"/>
+                  <a:pt x="9969" y="3333"/>
+                  <a:pt x="10000" y="0"/>
+                </a:cubicBezTo>
+                <a:lnTo>
+                  <a:pt x="10000" y="0"/>
+                </a:lnTo>
+                <a:lnTo>
+                  <a:pt x="9667" y="204"/>
+                </a:lnTo>
+                <a:lnTo>
+                  <a:pt x="9334" y="400"/>
+                </a:lnTo>
+                <a:lnTo>
+                  <a:pt x="9001" y="590"/>
+                </a:lnTo>
+                <a:lnTo>
+                  <a:pt x="8667" y="753"/>
+                </a:lnTo>
+                <a:lnTo>
+                  <a:pt x="8333" y="917"/>
+                </a:lnTo>
+                <a:lnTo>
+                  <a:pt x="7999" y="1071"/>
+                </a:lnTo>
+                <a:lnTo>
+                  <a:pt x="7669" y="1202"/>
+                </a:lnTo>
+                <a:lnTo>
+                  <a:pt x="7333" y="1325"/>
+                </a:lnTo>
+                <a:lnTo>
+                  <a:pt x="7000" y="1440"/>
+                </a:lnTo>
+                <a:lnTo>
+                  <a:pt x="6673" y="1538"/>
+                </a:lnTo>
+                <a:lnTo>
+                  <a:pt x="6340" y="1636"/>
+                </a:lnTo>
+                <a:lnTo>
+                  <a:pt x="6013" y="1719"/>
+                </a:lnTo>
+                <a:lnTo>
+                  <a:pt x="5686" y="1784"/>
+                </a:lnTo>
+                <a:lnTo>
+                  <a:pt x="5359" y="1850"/>
+                </a:lnTo>
+                <a:lnTo>
+                  <a:pt x="5036" y="1906"/>
+                </a:lnTo>
+                <a:lnTo>
+                  <a:pt x="4717" y="1948"/>
+                </a:lnTo>
+                <a:lnTo>
+                  <a:pt x="4396" y="1980"/>
+                </a:lnTo>
+                <a:lnTo>
+                  <a:pt x="4079" y="2013"/>
+                </a:lnTo>
+                <a:lnTo>
+                  <a:pt x="3766" y="2029"/>
+                </a:lnTo>
+                <a:lnTo>
+                  <a:pt x="3454" y="2046"/>
+                </a:lnTo>
+                <a:lnTo>
+                  <a:pt x="3145" y="2053"/>
+                </a:lnTo>
+                <a:lnTo>
+                  <a:pt x="2839" y="2046"/>
+                </a:lnTo>
+                <a:lnTo>
+                  <a:pt x="2537" y="2046"/>
+                </a:lnTo>
+                <a:lnTo>
+                  <a:pt x="2238" y="2029"/>
+                </a:lnTo>
+                <a:lnTo>
+                  <a:pt x="1943" y="2004"/>
+                </a:lnTo>
+                <a:lnTo>
+                  <a:pt x="1653" y="1980"/>
+                </a:lnTo>
+                <a:lnTo>
+                  <a:pt x="1368" y="1955"/>
+                </a:lnTo>
+                <a:lnTo>
+                  <a:pt x="1085" y="1915"/>
+                </a:lnTo>
+                <a:lnTo>
+                  <a:pt x="806" y="1873"/>
+                </a:lnTo>
+                <a:lnTo>
+                  <a:pt x="533" y="1833"/>
+                </a:lnTo>
+                <a:lnTo>
+                  <a:pt x="0" y="1726"/>
+                </a:lnTo>
+                <a:cubicBezTo>
+                  <a:pt x="28" y="1995"/>
+                  <a:pt x="57" y="2263"/>
+                  <a:pt x="85" y="2532"/>
+                </a:cubicBezTo>
+                <a:close/>
+              </a:path>
+            </a:pathLst>
+          </a:custGeom>
+          <a:solidFill>
+            <a:schemeClr val="bg1">
+              <a:alpha val="20000"/>
+            </a:schemeClr>
+          </a:solidFill>
+          <a:ln>
+            <a:noFill/>
+          </a:ln>
+        </p:spPr>
+      </p:sp>
+      <p:sp>
+        <p:nvSpPr>
+          <p:cNvPr id="14" name="Freeform: Shape 13">
+            <a:extLst>
+              <a:ext uri="{FF2B5EF4-FFF2-40B4-BE49-F238E27FC236}">
+                <a16:creationId xmlns:a16="http://schemas.microsoft.com/office/drawing/2014/main" id="{9CE399CF-F4B8-4832-A8CB-B93F6B1EF44B}"/>
+              </a:ext>
+              <a:ext uri="{C183D7F6-B498-43B3-948B-1728B52AA6E4}">
+                <adec:decorative xmlns:adec="http://schemas.microsoft.com/office/drawing/2017/decorative" val="1"/>
+              </a:ext>
+            </a:extLst>
+          </p:cNvPr>
+          <p:cNvSpPr>
+            <a:spLocks noGrp="1" noRot="1" noChangeAspect="1" noMove="1" noResize="1" noEditPoints="1" noAdjustHandles="1" noChangeArrowheads="1" noChangeShapeType="1" noTextEdit="1"/>
+          </p:cNvSpPr>
+          <p:nvPr>
+            <p:extLst>
+              <p:ext uri="{386F3935-93C4-4BCD-93E2-E3B085C9AB24}">
+                <p16:designElem xmlns:p16="http://schemas.microsoft.com/office/powerpoint/2015/main" val="1"/>
+              </p:ext>
+            </p:extLst>
+          </p:nvPr>
+        </p:nvSpPr>
+        <p:spPr bwMode="gray">
+          <a:xfrm rot="16200000">
+            <a:off x="5171964" y="-140866"/>
+            <a:ext cx="6053670" cy="7139732"/>
+          </a:xfrm>
+          <a:custGeom>
+            <a:avLst/>
+            <a:gdLst>
+              <a:gd name="connsiteX0" fmla="*/ 6053670 w 6053670"/>
+              <a:gd name="connsiteY0" fmla="*/ 1098 h 7139732"/>
+              <a:gd name="connsiteX1" fmla="*/ 6053670 w 6053670"/>
+              <a:gd name="connsiteY1" fmla="*/ 1084479 h 7139732"/>
+              <a:gd name="connsiteX2" fmla="*/ 6053670 w 6053670"/>
+              <a:gd name="connsiteY2" fmla="*/ 1254558 h 7139732"/>
+              <a:gd name="connsiteX3" fmla="*/ 6053670 w 6053670"/>
+              <a:gd name="connsiteY3" fmla="*/ 7139732 h 7139732"/>
+              <a:gd name="connsiteX4" fmla="*/ 0 w 6053670"/>
+              <a:gd name="connsiteY4" fmla="*/ 7139732 h 7139732"/>
+              <a:gd name="connsiteX5" fmla="*/ 0 w 6053670"/>
+              <a:gd name="connsiteY5" fmla="*/ 1249853 h 7139732"/>
+              <a:gd name="connsiteX6" fmla="*/ 0 w 6053670"/>
+              <a:gd name="connsiteY6" fmla="*/ 1084479 h 7139732"/>
+              <a:gd name="connsiteX7" fmla="*/ 0 w 6053670"/>
+              <a:gd name="connsiteY7" fmla="*/ 0 h 7139732"/>
+              <a:gd name="connsiteX8" fmla="*/ 35717 w 6053670"/>
+              <a:gd name="connsiteY8" fmla="*/ 5488 h 7139732"/>
+              <a:gd name="connsiteX9" fmla="*/ 140445 w 6053670"/>
+              <a:gd name="connsiteY9" fmla="*/ 21641 h 7139732"/>
+              <a:gd name="connsiteX10" fmla="*/ 216722 w 6053670"/>
+              <a:gd name="connsiteY10" fmla="*/ 32932 h 7139732"/>
+              <a:gd name="connsiteX11" fmla="*/ 307527 w 6053670"/>
+              <a:gd name="connsiteY11" fmla="*/ 44850 h 7139732"/>
+              <a:gd name="connsiteX12" fmla="*/ 415282 w 6053670"/>
+              <a:gd name="connsiteY12" fmla="*/ 59121 h 7139732"/>
+              <a:gd name="connsiteX13" fmla="*/ 534539 w 6053670"/>
+              <a:gd name="connsiteY13" fmla="*/ 74175 h 7139732"/>
+              <a:gd name="connsiteX14" fmla="*/ 668931 w 6053670"/>
+              <a:gd name="connsiteY14" fmla="*/ 90014 h 7139732"/>
+              <a:gd name="connsiteX15" fmla="*/ 815430 w 6053670"/>
+              <a:gd name="connsiteY15" fmla="*/ 106794 h 7139732"/>
+              <a:gd name="connsiteX16" fmla="*/ 974641 w 6053670"/>
+              <a:gd name="connsiteY16" fmla="*/ 123574 h 7139732"/>
+              <a:gd name="connsiteX17" fmla="*/ 1144144 w 6053670"/>
+              <a:gd name="connsiteY17" fmla="*/ 140667 h 7139732"/>
+              <a:gd name="connsiteX18" fmla="*/ 1326965 w 6053670"/>
+              <a:gd name="connsiteY18" fmla="*/ 156506 h 7139732"/>
+              <a:gd name="connsiteX19" fmla="*/ 1518261 w 6053670"/>
+              <a:gd name="connsiteY19" fmla="*/ 171717 h 7139732"/>
+              <a:gd name="connsiteX20" fmla="*/ 1720453 w 6053670"/>
+              <a:gd name="connsiteY20" fmla="*/ 185518 h 7139732"/>
+              <a:gd name="connsiteX21" fmla="*/ 1931121 w 6053670"/>
+              <a:gd name="connsiteY21" fmla="*/ 198690 h 7139732"/>
+              <a:gd name="connsiteX22" fmla="*/ 2150869 w 6053670"/>
+              <a:gd name="connsiteY22" fmla="*/ 211079 h 7139732"/>
+              <a:gd name="connsiteX23" fmla="*/ 2263467 w 6053670"/>
+              <a:gd name="connsiteY23" fmla="*/ 215470 h 7139732"/>
+              <a:gd name="connsiteX24" fmla="*/ 2378487 w 6053670"/>
+              <a:gd name="connsiteY24" fmla="*/ 220332 h 7139732"/>
+              <a:gd name="connsiteX25" fmla="*/ 2495323 w 6053670"/>
+              <a:gd name="connsiteY25" fmla="*/ 224879 h 7139732"/>
+              <a:gd name="connsiteX26" fmla="*/ 2612764 w 6053670"/>
+              <a:gd name="connsiteY26" fmla="*/ 227859 h 7139732"/>
+              <a:gd name="connsiteX27" fmla="*/ 2732627 w 6053670"/>
+              <a:gd name="connsiteY27" fmla="*/ 230525 h 7139732"/>
+              <a:gd name="connsiteX28" fmla="*/ 2853700 w 6053670"/>
+              <a:gd name="connsiteY28" fmla="*/ 233348 h 7139732"/>
+              <a:gd name="connsiteX29" fmla="*/ 2977195 w 6053670"/>
+              <a:gd name="connsiteY29" fmla="*/ 235229 h 7139732"/>
+              <a:gd name="connsiteX30" fmla="*/ 3101901 w 6053670"/>
+              <a:gd name="connsiteY30" fmla="*/ 235229 h 7139732"/>
+              <a:gd name="connsiteX31" fmla="*/ 3227817 w 6053670"/>
+              <a:gd name="connsiteY31" fmla="*/ 236170 h 7139732"/>
+              <a:gd name="connsiteX32" fmla="*/ 3354944 w 6053670"/>
+              <a:gd name="connsiteY32" fmla="*/ 235229 h 7139732"/>
+              <a:gd name="connsiteX33" fmla="*/ 3483887 w 6053670"/>
+              <a:gd name="connsiteY33" fmla="*/ 233348 h 7139732"/>
+              <a:gd name="connsiteX34" fmla="*/ 3612830 w 6053670"/>
+              <a:gd name="connsiteY34" fmla="*/ 231623 h 7139732"/>
+              <a:gd name="connsiteX35" fmla="*/ 3743590 w 6053670"/>
+              <a:gd name="connsiteY35" fmla="*/ 227859 h 7139732"/>
+              <a:gd name="connsiteX36" fmla="*/ 3875560 w 6053670"/>
+              <a:gd name="connsiteY36" fmla="*/ 223938 h 7139732"/>
+              <a:gd name="connsiteX37" fmla="*/ 4007530 w 6053670"/>
+              <a:gd name="connsiteY37" fmla="*/ 219391 h 7139732"/>
+              <a:gd name="connsiteX38" fmla="*/ 4140710 w 6053670"/>
+              <a:gd name="connsiteY38" fmla="*/ 212961 h 7139732"/>
+              <a:gd name="connsiteX39" fmla="*/ 4275102 w 6053670"/>
+              <a:gd name="connsiteY39" fmla="*/ 205277 h 7139732"/>
+              <a:gd name="connsiteX40" fmla="*/ 4410098 w 6053670"/>
+              <a:gd name="connsiteY40" fmla="*/ 197907 h 7139732"/>
+              <a:gd name="connsiteX41" fmla="*/ 4545096 w 6053670"/>
+              <a:gd name="connsiteY41" fmla="*/ 188498 h 7139732"/>
+              <a:gd name="connsiteX42" fmla="*/ 4681909 w 6053670"/>
+              <a:gd name="connsiteY42" fmla="*/ 177207 h 7139732"/>
+              <a:gd name="connsiteX43" fmla="*/ 4816905 w 6053670"/>
+              <a:gd name="connsiteY43" fmla="*/ 165916 h 7139732"/>
+              <a:gd name="connsiteX44" fmla="*/ 4954323 w 6053670"/>
+              <a:gd name="connsiteY44" fmla="*/ 152899 h 7139732"/>
+              <a:gd name="connsiteX45" fmla="*/ 5092347 w 6053670"/>
+              <a:gd name="connsiteY45" fmla="*/ 138629 h 7139732"/>
+              <a:gd name="connsiteX46" fmla="*/ 5228555 w 6053670"/>
+              <a:gd name="connsiteY46" fmla="*/ 123574 h 7139732"/>
+              <a:gd name="connsiteX47" fmla="*/ 5366578 w 6053670"/>
+              <a:gd name="connsiteY47" fmla="*/ 106010 h 7139732"/>
+              <a:gd name="connsiteX48" fmla="*/ 5503997 w 6053670"/>
+              <a:gd name="connsiteY48" fmla="*/ 87192 h 7139732"/>
+              <a:gd name="connsiteX49" fmla="*/ 5642020 w 6053670"/>
+              <a:gd name="connsiteY49" fmla="*/ 68530 h 7139732"/>
+              <a:gd name="connsiteX50" fmla="*/ 5779438 w 6053670"/>
+              <a:gd name="connsiteY50" fmla="*/ 46733 h 7139732"/>
+              <a:gd name="connsiteX51" fmla="*/ 5916251 w 6053670"/>
+              <a:gd name="connsiteY51" fmla="*/ 24464 h 7139732"/>
+            </a:gdLst>
+            <a:ahLst/>
+            <a:cxnLst>
+              <a:cxn ang="0">
+                <a:pos x="connsiteX0" y="connsiteY0"/>
+              </a:cxn>
+              <a:cxn ang="0">
+                <a:pos x="connsiteX1" y="connsiteY1"/>
+              </a:cxn>
+              <a:cxn ang="0">
+                <a:pos x="connsiteX2" y="connsiteY2"/>
+              </a:cxn>
+              <a:cxn ang="0">
+                <a:pos x="connsiteX3" y="connsiteY3"/>
+              </a:cxn>
+              <a:cxn ang="0">
+                <a:pos x="connsiteX4" y="connsiteY4"/>
+              </a:cxn>
+              <a:cxn ang="0">
+                <a:pos x="connsiteX5" y="connsiteY5"/>
+              </a:cxn>
+              <a:cxn ang="0">
+                <a:pos x="connsiteX6" y="connsiteY6"/>
+              </a:cxn>
+              <a:cxn ang="0">
+                <a:pos x="connsiteX7" y="connsiteY7"/>
+              </a:cxn>
+              <a:cxn ang="0">
+                <a:pos x="connsiteX8" y="connsiteY8"/>
+              </a:cxn>
+              <a:cxn ang="0">
+                <a:pos x="connsiteX9" y="connsiteY9"/>
+              </a:cxn>
+              <a:cxn ang="0">
+                <a:pos x="connsiteX10" y="connsiteY10"/>
+              </a:cxn>
+              <a:cxn ang="0">
+                <a:pos x="connsiteX11" y="connsiteY11"/>
+              </a:cxn>
+              <a:cxn ang="0">
+                <a:pos x="connsiteX12" y="connsiteY12"/>
+              </a:cxn>
+              <a:cxn ang="0">
+                <a:pos x="connsiteX13" y="connsiteY13"/>
+              </a:cxn>
+              <a:cxn ang="0">
+                <a:pos x="connsiteX14" y="connsiteY14"/>
+              </a:cxn>
+              <a:cxn ang="0">
+                <a:pos x="connsiteX15" y="connsiteY15"/>
+              </a:cxn>
+              <a:cxn ang="0">
+                <a:pos x="connsiteX16" y="connsiteY16"/>
+              </a:cxn>
+              <a:cxn ang="0">
+                <a:pos x="connsiteX17" y="connsiteY17"/>
+              </a:cxn>
+              <a:cxn ang="0">
+                <a:pos x="connsiteX18" y="connsiteY18"/>
+              </a:cxn>
+              <a:cxn ang="0">
+                <a:pos x="connsiteX19" y="connsiteY19"/>
+              </a:cxn>
+              <a:cxn ang="0">
+                <a:pos x="connsiteX20" y="connsiteY20"/>
+              </a:cxn>
+              <a:cxn ang="0">
+                <a:pos x="connsiteX21" y="connsiteY21"/>
+              </a:cxn>
+              <a:cxn ang="0">
+                <a:pos x="connsiteX22" y="connsiteY22"/>
+              </a:cxn>
+              <a:cxn ang="0">
+                <a:pos x="connsiteX23" y="connsiteY23"/>
+              </a:cxn>
+              <a:cxn ang="0">
+                <a:pos x="connsiteX24" y="connsiteY24"/>
+              </a:cxn>
+              <a:cxn ang="0">
+                <a:pos x="connsiteX25" y="connsiteY25"/>
+              </a:cxn>
+              <a:cxn ang="0">
+                <a:pos x="connsiteX26" y="connsiteY26"/>
+              </a:cxn>
+              <a:cxn ang="0">
+                <a:pos x="connsiteX27" y="connsiteY27"/>
+              </a:cxn>
+              <a:cxn ang="0">
+                <a:pos x="connsiteX28" y="connsiteY28"/>
+              </a:cxn>
+              <a:cxn ang="0">
+                <a:pos x="connsiteX29" y="connsiteY29"/>
+              </a:cxn>
+              <a:cxn ang="0">
+                <a:pos x="connsiteX30" y="connsiteY30"/>
+              </a:cxn>
+              <a:cxn ang="0">
+                <a:pos x="connsiteX31" y="connsiteY31"/>
+              </a:cxn>
+              <a:cxn ang="0">
+                <a:pos x="connsiteX32" y="connsiteY32"/>
+              </a:cxn>
+              <a:cxn ang="0">
+                <a:pos x="connsiteX33" y="connsiteY33"/>
+              </a:cxn>
+              <a:cxn ang="0">
+                <a:pos x="connsiteX34" y="connsiteY34"/>
+              </a:cxn>
+              <a:cxn ang="0">
+                <a:pos x="connsiteX35" y="connsiteY35"/>
+              </a:cxn>
+              <a:cxn ang="0">
+                <a:pos x="connsiteX36" y="connsiteY36"/>
+              </a:cxn>
+              <a:cxn ang="0">
+                <a:pos x="connsiteX37" y="connsiteY37"/>
+              </a:cxn>
+              <a:cxn ang="0">
+                <a:pos x="connsiteX38" y="connsiteY38"/>
+              </a:cxn>
+              <a:cxn ang="0">
+                <a:pos x="connsiteX39" y="connsiteY39"/>
+              </a:cxn>
+              <a:cxn ang="0">
+                <a:pos x="connsiteX40" y="connsiteY40"/>
+              </a:cxn>
+              <a:cxn ang="0">
+                <a:pos x="connsiteX41" y="connsiteY41"/>
+              </a:cxn>
+              <a:cxn ang="0">
+                <a:pos x="connsiteX42" y="connsiteY42"/>
+              </a:cxn>
+              <a:cxn ang="0">
+                <a:pos x="connsiteX43" y="connsiteY43"/>
+              </a:cxn>
+              <a:cxn ang="0">
+                <a:pos x="connsiteX44" y="connsiteY44"/>
+              </a:cxn>
+              <a:cxn ang="0">
+                <a:pos x="connsiteX45" y="connsiteY45"/>
+              </a:cxn>
+              <a:cxn ang="0">
+                <a:pos x="connsiteX46" y="connsiteY46"/>
+              </a:cxn>
+              <a:cxn ang="0">
+                <a:pos x="connsiteX47" y="connsiteY47"/>
+              </a:cxn>
+              <a:cxn ang="0">
+                <a:pos x="connsiteX48" y="connsiteY48"/>
+              </a:cxn>
+              <a:cxn ang="0">
+                <a:pos x="connsiteX49" y="connsiteY49"/>
+              </a:cxn>
+              <a:cxn ang="0">
+                <a:pos x="connsiteX50" y="connsiteY50"/>
+              </a:cxn>
+              <a:cxn ang="0">
+                <a:pos x="connsiteX51" y="connsiteY51"/>
+              </a:cxn>
+            </a:cxnLst>
+            <a:rect l="l" t="t" r="r" b="b"/>
+            <a:pathLst>
+              <a:path w="6053670" h="7139732">
+                <a:moveTo>
+                  <a:pt x="6053670" y="1098"/>
+                </a:moveTo>
+                <a:lnTo>
+                  <a:pt x="6053670" y="1084479"/>
+                </a:lnTo>
+                <a:lnTo>
+                  <a:pt x="6053670" y="1254558"/>
+                </a:lnTo>
+                <a:lnTo>
+                  <a:pt x="6053670" y="7139732"/>
+                </a:lnTo>
+                <a:lnTo>
+                  <a:pt x="0" y="7139732"/>
+                </a:lnTo>
+                <a:lnTo>
+                  <a:pt x="0" y="1249853"/>
+                </a:lnTo>
+                <a:lnTo>
+                  <a:pt x="0" y="1084479"/>
+                </a:lnTo>
+                <a:lnTo>
+                  <a:pt x="0" y="0"/>
+                </a:lnTo>
+                <a:lnTo>
+                  <a:pt x="35717" y="5488"/>
+                </a:lnTo>
+                <a:lnTo>
+                  <a:pt x="140445" y="21641"/>
+                </a:lnTo>
+                <a:lnTo>
+                  <a:pt x="216722" y="32932"/>
+                </a:lnTo>
+                <a:lnTo>
+                  <a:pt x="307527" y="44850"/>
+                </a:lnTo>
+                <a:lnTo>
+                  <a:pt x="415282" y="59121"/>
+                </a:lnTo>
+                <a:lnTo>
+                  <a:pt x="534539" y="74175"/>
+                </a:lnTo>
+                <a:lnTo>
+                  <a:pt x="668931" y="90014"/>
+                </a:lnTo>
+                <a:lnTo>
+                  <a:pt x="815430" y="106794"/>
+                </a:lnTo>
+                <a:lnTo>
+                  <a:pt x="974641" y="123574"/>
+                </a:lnTo>
+                <a:lnTo>
+                  <a:pt x="1144144" y="140667"/>
+                </a:lnTo>
+                <a:lnTo>
+                  <a:pt x="1326965" y="156506"/>
+                </a:lnTo>
+                <a:lnTo>
+                  <a:pt x="1518261" y="171717"/>
+                </a:lnTo>
+                <a:lnTo>
+                  <a:pt x="1720453" y="185518"/>
+                </a:lnTo>
+                <a:lnTo>
+                  <a:pt x="1931121" y="198690"/>
+                </a:lnTo>
+                <a:lnTo>
+                  <a:pt x="2150869" y="211079"/>
+                </a:lnTo>
+                <a:lnTo>
+                  <a:pt x="2263467" y="215470"/>
+                </a:lnTo>
+                <a:lnTo>
+                  <a:pt x="2378487" y="220332"/>
+                </a:lnTo>
+                <a:lnTo>
+                  <a:pt x="2495323" y="224879"/>
+                </a:lnTo>
+                <a:lnTo>
+                  <a:pt x="2612764" y="227859"/>
+                </a:lnTo>
+                <a:lnTo>
+                  <a:pt x="2732627" y="230525"/>
+                </a:lnTo>
+                <a:lnTo>
+                  <a:pt x="2853700" y="233348"/>
+                </a:lnTo>
+                <a:lnTo>
+                  <a:pt x="2977195" y="235229"/>
+                </a:lnTo>
+                <a:lnTo>
+                  <a:pt x="3101901" y="235229"/>
+                </a:lnTo>
+                <a:lnTo>
+                  <a:pt x="3227817" y="236170"/>
+                </a:lnTo>
+                <a:lnTo>
+                  <a:pt x="3354944" y="235229"/>
+                </a:lnTo>
+                <a:lnTo>
+                  <a:pt x="3483887" y="233348"/>
+                </a:lnTo>
+                <a:lnTo>
+                  <a:pt x="3612830" y="231623"/>
+                </a:lnTo>
+                <a:lnTo>
+                  <a:pt x="3743590" y="227859"/>
+                </a:lnTo>
+                <a:lnTo>
+                  <a:pt x="3875560" y="223938"/>
+                </a:lnTo>
+                <a:lnTo>
+                  <a:pt x="4007530" y="219391"/>
+                </a:lnTo>
+                <a:lnTo>
+                  <a:pt x="4140710" y="212961"/>
+                </a:lnTo>
+                <a:lnTo>
+                  <a:pt x="4275102" y="205277"/>
+                </a:lnTo>
+                <a:lnTo>
+                  <a:pt x="4410098" y="197907"/>
+                </a:lnTo>
+                <a:lnTo>
+                  <a:pt x="4545096" y="188498"/>
+                </a:lnTo>
+                <a:lnTo>
+                  <a:pt x="4681909" y="177207"/>
+                </a:lnTo>
+                <a:lnTo>
+                  <a:pt x="4816905" y="165916"/>
+                </a:lnTo>
+                <a:lnTo>
+                  <a:pt x="4954323" y="152899"/>
+                </a:lnTo>
+                <a:lnTo>
+                  <a:pt x="5092347" y="138629"/>
+                </a:lnTo>
+                <a:lnTo>
+                  <a:pt x="5228555" y="123574"/>
+                </a:lnTo>
+                <a:lnTo>
+                  <a:pt x="5366578" y="106010"/>
+                </a:lnTo>
+                <a:lnTo>
+                  <a:pt x="5503997" y="87192"/>
+                </a:lnTo>
+                <a:lnTo>
+                  <a:pt x="5642020" y="68530"/>
+                </a:lnTo>
+                <a:lnTo>
+                  <a:pt x="5779438" y="46733"/>
+                </a:lnTo>
+                <a:lnTo>
+                  <a:pt x="5916251" y="24464"/>
+                </a:lnTo>
+                <a:close/>
+              </a:path>
+            </a:pathLst>
+          </a:custGeom>
+          <a:solidFill>
+            <a:schemeClr val="bg1"/>
+          </a:solidFill>
+          <a:ln>
+            <a:noFill/>
+          </a:ln>
+        </p:spPr>
+      </p:sp>
+      <p:sp>
+        <p:nvSpPr>
+          <p:cNvPr id="16" name="Freeform 5">
+            <a:extLst>
+              <a:ext uri="{FF2B5EF4-FFF2-40B4-BE49-F238E27FC236}">
+                <a16:creationId xmlns:a16="http://schemas.microsoft.com/office/drawing/2014/main" id="{1F23E73A-FDC8-462C-83C1-3AA8961449CF}"/>
+              </a:ext>
+              <a:ext uri="{C183D7F6-B498-43B3-948B-1728B52AA6E4}">
+                <adec:decorative xmlns:adec="http://schemas.microsoft.com/office/drawing/2017/decorative" val="1"/>
+              </a:ext>
+            </a:extLst>
+          </p:cNvPr>
+          <p:cNvSpPr>
+            <a:spLocks noGrp="1" noRot="1" noChangeAspect="1" noMove="1" noResize="1" noEditPoints="1" noAdjustHandles="1" noChangeArrowheads="1" noChangeShapeType="1" noTextEdit="1"/>
+          </p:cNvSpPr>
+          <p:nvPr>
+            <p:extLst>
+              <p:ext uri="{386F3935-93C4-4BCD-93E2-E3B085C9AB24}">
+                <p16:designElem xmlns:p16="http://schemas.microsoft.com/office/powerpoint/2015/main" val="1"/>
+              </p:ext>
+            </p:extLst>
+          </p:nvPr>
+        </p:nvSpPr>
+        <p:spPr bwMode="gray">
+          <a:xfrm>
+            <a:off x="0" y="1587"/>
+            <a:ext cx="12192000" cy="6856413"/>
+          </a:xfrm>
+          <a:custGeom>
+            <a:avLst/>
+            <a:gdLst/>
+            <a:ahLst/>
+            <a:cxnLst/>
+            <a:rect l="0" t="0" r="r" b="b"/>
+            <a:pathLst>
+              <a:path w="15356" h="8638">
+                <a:moveTo>
+                  <a:pt x="0" y="0"/>
+                </a:moveTo>
+                <a:lnTo>
+                  <a:pt x="0" y="8638"/>
+                </a:lnTo>
+                <a:lnTo>
+                  <a:pt x="15356" y="8638"/>
+                </a:lnTo>
+                <a:lnTo>
+                  <a:pt x="15356" y="0"/>
+                </a:lnTo>
+                <a:lnTo>
+                  <a:pt x="0" y="0"/>
+                </a:lnTo>
+                <a:close/>
+                <a:moveTo>
+                  <a:pt x="14748" y="8038"/>
+                </a:moveTo>
+                <a:lnTo>
+                  <a:pt x="600" y="8038"/>
+                </a:lnTo>
+                <a:lnTo>
+                  <a:pt x="600" y="592"/>
+                </a:lnTo>
+                <a:lnTo>
+                  <a:pt x="14748" y="592"/>
+                </a:lnTo>
+                <a:lnTo>
+                  <a:pt x="14748" y="8038"/>
+                </a:lnTo>
+                <a:close/>
+              </a:path>
+            </a:pathLst>
+          </a:custGeom>
+          <a:solidFill>
+            <a:schemeClr val="bg1"/>
+          </a:solidFill>
+          <a:ln>
+            <a:noFill/>
+          </a:ln>
+        </p:spPr>
+      </p:sp>
+      <p:sp>
+        <p:nvSpPr>
+          <p:cNvPr id="2" name="Title 1">
+            <a:extLst>
+              <a:ext uri="{FF2B5EF4-FFF2-40B4-BE49-F238E27FC236}">
+                <a16:creationId xmlns:a16="http://schemas.microsoft.com/office/drawing/2014/main" id="{A1025ADB-9A00-4193-9186-FB07BDF8B1BE}"/>
+              </a:ext>
+            </a:extLst>
+          </p:cNvPr>
+          <p:cNvSpPr>
+            <a:spLocks noGrp="1"/>
+          </p:cNvSpPr>
+          <p:nvPr>
+            <p:ph type="title"/>
+          </p:nvPr>
+        </p:nvSpPr>
+        <p:spPr>
+          <a:xfrm>
+            <a:off x="994087" y="1130603"/>
+            <a:ext cx="3342442" cy="4596794"/>
+          </a:xfrm>
+        </p:spPr>
+        <p:txBody>
+          <a:bodyPr anchor="ctr">
+            <a:normAutofit/>
+          </a:bodyPr>
+          <a:lstStyle/>
+          <a:p>
+            <a:r>
+              <a:rPr lang="bg-BG" sz="3200" b="1">
+                <a:solidFill>
+                  <a:srgbClr val="EBEBEB"/>
+                </a:solidFill>
+                <a:effectLst/>
+                <a:latin typeface="Arial" panose="020B0604020202020204" pitchFamily="34" charset="0"/>
+                <a:ea typeface="Calibri" panose="020F0502020204030204" pitchFamily="34" charset="0"/>
+                <a:cs typeface="Times New Roman" panose="02020603050405020304" pitchFamily="18" charset="0"/>
+              </a:rPr>
+              <a:t>Разпределение на работата по проекта</a:t>
+            </a:r>
+            <a:br>
+              <a:rPr lang="en-US" sz="3200">
+                <a:solidFill>
+                  <a:srgbClr val="EBEBEB"/>
+                </a:solidFill>
+                <a:effectLst/>
+                <a:latin typeface="Calibri" panose="020F0502020204030204" pitchFamily="34" charset="0"/>
+                <a:ea typeface="Calibri" panose="020F0502020204030204" pitchFamily="34" charset="0"/>
+                <a:cs typeface="Times New Roman" panose="02020603050405020304" pitchFamily="18" charset="0"/>
+              </a:rPr>
+            </a:br>
+            <a:endParaRPr lang="en-US" sz="3200">
+              <a:solidFill>
+                <a:srgbClr val="EBEBEB"/>
+              </a:solidFill>
+            </a:endParaRPr>
+          </a:p>
+        </p:txBody>
+      </p:sp>
+      <p:sp>
+        <p:nvSpPr>
+          <p:cNvPr id="3" name="Content Placeholder 2">
+            <a:extLst>
+              <a:ext uri="{FF2B5EF4-FFF2-40B4-BE49-F238E27FC236}">
+                <a16:creationId xmlns:a16="http://schemas.microsoft.com/office/drawing/2014/main" id="{FA926B6A-6860-4257-B652-2F5EEE73662F}"/>
+              </a:ext>
+            </a:extLst>
+          </p:cNvPr>
+          <p:cNvSpPr>
+            <a:spLocks noGrp="1"/>
+          </p:cNvSpPr>
+          <p:nvPr>
+            <p:ph idx="1"/>
+          </p:nvPr>
+        </p:nvSpPr>
+        <p:spPr>
+          <a:xfrm>
+            <a:off x="5290077" y="437513"/>
+            <a:ext cx="5502614" cy="5954325"/>
+          </a:xfrm>
+        </p:spPr>
+        <p:txBody>
+          <a:bodyPr anchor="ctr">
+            <a:normAutofit/>
+          </a:bodyPr>
+          <a:lstStyle/>
+          <a:p>
+            <a:pPr marL="0" marR="0" indent="457200">
+              <a:spcBef>
+                <a:spcPts val="0"/>
+              </a:spcBef>
+              <a:spcAft>
+                <a:spcPts val="800"/>
+              </a:spcAft>
+            </a:pPr>
+            <a:r>
+              <a:rPr lang="bg-BG" sz="2000" u="sng" dirty="0">
+                <a:effectLst/>
+                <a:latin typeface="Arial" panose="020B0604020202020204" pitchFamily="34" charset="0"/>
+                <a:ea typeface="Calibri" panose="020F0502020204030204" pitchFamily="34" charset="0"/>
+                <a:cs typeface="Times New Roman" panose="02020603050405020304" pitchFamily="18" charset="0"/>
+              </a:rPr>
+              <a:t>Работа</a:t>
+            </a:r>
+            <a:r>
+              <a:rPr lang="bg-BG" sz="2000" dirty="0">
+                <a:effectLst/>
+                <a:latin typeface="Arial" panose="020B0604020202020204" pitchFamily="34" charset="0"/>
+                <a:ea typeface="Calibri" panose="020F0502020204030204" pitchFamily="34" charset="0"/>
+                <a:cs typeface="Times New Roman" panose="02020603050405020304" pitchFamily="18" charset="0"/>
+              </a:rPr>
+              <a:t> </a:t>
+            </a:r>
+            <a:r>
+              <a:rPr lang="bg-BG" sz="2000" u="sng" dirty="0">
+                <a:effectLst/>
+                <a:latin typeface="Arial" panose="020B0604020202020204" pitchFamily="34" charset="0"/>
+                <a:ea typeface="Calibri" panose="020F0502020204030204" pitchFamily="34" charset="0"/>
+                <a:cs typeface="Times New Roman" panose="02020603050405020304" pitchFamily="18" charset="0"/>
+              </a:rPr>
+              <a:t>по</a:t>
+            </a:r>
+            <a:r>
+              <a:rPr lang="bg-BG" sz="2000" dirty="0">
+                <a:effectLst/>
+                <a:latin typeface="Arial" panose="020B0604020202020204" pitchFamily="34" charset="0"/>
+                <a:ea typeface="Calibri" panose="020F0502020204030204" pitchFamily="34" charset="0"/>
+                <a:cs typeface="Times New Roman" panose="02020603050405020304" pitchFamily="18" charset="0"/>
+              </a:rPr>
+              <a:t> </a:t>
+            </a:r>
+            <a:r>
+              <a:rPr lang="en-US" sz="2000" u="sng" dirty="0">
+                <a:effectLst/>
+                <a:latin typeface="Arial" panose="020B0604020202020204" pitchFamily="34" charset="0"/>
+                <a:ea typeface="Calibri" panose="020F0502020204030204" pitchFamily="34" charset="0"/>
+                <a:cs typeface="Times New Roman" panose="02020603050405020304" pitchFamily="18" charset="0"/>
+              </a:rPr>
+              <a:t>circuit</a:t>
+            </a:r>
+            <a:r>
+              <a:rPr lang="bg-BG" sz="2000" dirty="0">
+                <a:effectLst/>
+                <a:latin typeface="Arial" panose="020B0604020202020204" pitchFamily="34" charset="0"/>
+                <a:ea typeface="Calibri" panose="020F0502020204030204" pitchFamily="34" charset="0"/>
+                <a:cs typeface="Times New Roman" panose="02020603050405020304" pitchFamily="18" charset="0"/>
+              </a:rPr>
+              <a:t>: </a:t>
+            </a:r>
+            <a:endParaRPr lang="en-US" sz="2000" dirty="0">
+              <a:effectLst/>
+              <a:latin typeface="Calibri" panose="020F0502020204030204" pitchFamily="34" charset="0"/>
+              <a:ea typeface="Calibri" panose="020F0502020204030204" pitchFamily="34" charset="0"/>
+              <a:cs typeface="Times New Roman" panose="02020603050405020304" pitchFamily="18" charset="0"/>
+            </a:endParaRPr>
+          </a:p>
+          <a:p>
+            <a:pPr marL="0" marR="0" indent="0">
+              <a:spcBef>
+                <a:spcPts val="0"/>
+              </a:spcBef>
+              <a:spcAft>
+                <a:spcPts val="800"/>
+              </a:spcAft>
+              <a:buNone/>
+            </a:pPr>
+            <a:r>
+              <a:rPr lang="bg-BG" sz="2000" dirty="0">
+                <a:effectLst/>
+                <a:latin typeface="Arial" panose="020B0604020202020204" pitchFamily="34" charset="0"/>
+                <a:ea typeface="Calibri" panose="020F0502020204030204" pitchFamily="34" charset="0"/>
+                <a:cs typeface="Times New Roman" panose="02020603050405020304" pitchFamily="18" charset="0"/>
+              </a:rPr>
+              <a:t>Петър Сюлеймезян и Атанас Муртин</a:t>
+            </a:r>
+            <a:endParaRPr lang="en-US" sz="2000" dirty="0">
+              <a:effectLst/>
+              <a:latin typeface="Calibri" panose="020F0502020204030204" pitchFamily="34" charset="0"/>
+              <a:ea typeface="Calibri" panose="020F0502020204030204" pitchFamily="34" charset="0"/>
+              <a:cs typeface="Times New Roman" panose="02020603050405020304" pitchFamily="18" charset="0"/>
+            </a:endParaRPr>
+          </a:p>
+          <a:p>
+            <a:pPr marL="0" marR="0" indent="457200">
+              <a:spcBef>
+                <a:spcPts val="0"/>
+              </a:spcBef>
+              <a:spcAft>
+                <a:spcPts val="800"/>
+              </a:spcAft>
+            </a:pPr>
+            <a:r>
+              <a:rPr lang="bg-BG" sz="2000" u="sng" dirty="0">
+                <a:effectLst/>
+                <a:latin typeface="Arial" panose="020B0604020202020204" pitchFamily="34" charset="0"/>
+                <a:ea typeface="Calibri" panose="020F0502020204030204" pitchFamily="34" charset="0"/>
+                <a:cs typeface="Times New Roman" panose="02020603050405020304" pitchFamily="18" charset="0"/>
+              </a:rPr>
+              <a:t>Работа</a:t>
+            </a:r>
+            <a:r>
+              <a:rPr lang="bg-BG" sz="2000" dirty="0">
+                <a:effectLst/>
+                <a:latin typeface="Arial" panose="020B0604020202020204" pitchFamily="34" charset="0"/>
+                <a:ea typeface="Calibri" panose="020F0502020204030204" pitchFamily="34" charset="0"/>
+                <a:cs typeface="Times New Roman" panose="02020603050405020304" pitchFamily="18" charset="0"/>
+              </a:rPr>
+              <a:t> </a:t>
+            </a:r>
+            <a:r>
+              <a:rPr lang="bg-BG" sz="2000" u="sng" dirty="0">
+                <a:effectLst/>
+                <a:latin typeface="Arial" panose="020B0604020202020204" pitchFamily="34" charset="0"/>
+                <a:ea typeface="Calibri" panose="020F0502020204030204" pitchFamily="34" charset="0"/>
+                <a:cs typeface="Times New Roman" panose="02020603050405020304" pitchFamily="18" charset="0"/>
+              </a:rPr>
+              <a:t>по</a:t>
+            </a:r>
+            <a:r>
+              <a:rPr lang="bg-BG" sz="2000" dirty="0">
+                <a:effectLst/>
+                <a:latin typeface="Arial" panose="020B0604020202020204" pitchFamily="34" charset="0"/>
+                <a:ea typeface="Calibri" panose="020F0502020204030204" pitchFamily="34" charset="0"/>
+                <a:cs typeface="Times New Roman" panose="02020603050405020304" pitchFamily="18" charset="0"/>
+              </a:rPr>
+              <a:t> </a:t>
+            </a:r>
+            <a:r>
+              <a:rPr lang="en-US" sz="2000" u="sng" dirty="0">
+                <a:effectLst/>
+                <a:latin typeface="Arial" panose="020B0604020202020204" pitchFamily="34" charset="0"/>
+                <a:ea typeface="Calibri" panose="020F0502020204030204" pitchFamily="34" charset="0"/>
+                <a:cs typeface="Times New Roman" panose="02020603050405020304" pitchFamily="18" charset="0"/>
+              </a:rPr>
+              <a:t>code</a:t>
+            </a:r>
+            <a:r>
+              <a:rPr lang="bg-BG" sz="2000" dirty="0">
+                <a:effectLst/>
+                <a:latin typeface="Arial" panose="020B0604020202020204" pitchFamily="34" charset="0"/>
+                <a:ea typeface="Calibri" panose="020F0502020204030204" pitchFamily="34" charset="0"/>
+                <a:cs typeface="Times New Roman" panose="02020603050405020304" pitchFamily="18" charset="0"/>
+              </a:rPr>
+              <a:t>:</a:t>
+            </a:r>
+            <a:endParaRPr lang="en-US" sz="2000" dirty="0">
+              <a:effectLst/>
+              <a:latin typeface="Calibri" panose="020F0502020204030204" pitchFamily="34" charset="0"/>
+              <a:ea typeface="Calibri" panose="020F0502020204030204" pitchFamily="34" charset="0"/>
+              <a:cs typeface="Times New Roman" panose="02020603050405020304" pitchFamily="18" charset="0"/>
+            </a:endParaRPr>
+          </a:p>
+          <a:p>
+            <a:pPr marL="0" marR="0" indent="0">
+              <a:spcBef>
+                <a:spcPts val="0"/>
+              </a:spcBef>
+              <a:spcAft>
+                <a:spcPts val="800"/>
+              </a:spcAft>
+              <a:buNone/>
+            </a:pPr>
+            <a:r>
+              <a:rPr lang="bg-BG" sz="2000" dirty="0">
+                <a:effectLst/>
+                <a:latin typeface="Arial" panose="020B0604020202020204" pitchFamily="34" charset="0"/>
+                <a:ea typeface="Calibri" panose="020F0502020204030204" pitchFamily="34" charset="0"/>
+                <a:cs typeface="Times New Roman" panose="02020603050405020304" pitchFamily="18" charset="0"/>
+              </a:rPr>
+              <a:t>Иван Чешмеджиев и Николай Гагов</a:t>
+            </a:r>
+            <a:endParaRPr lang="en-US" sz="2000" dirty="0">
+              <a:effectLst/>
+              <a:latin typeface="Calibri" panose="020F0502020204030204" pitchFamily="34" charset="0"/>
+              <a:ea typeface="Calibri" panose="020F0502020204030204" pitchFamily="34" charset="0"/>
+              <a:cs typeface="Times New Roman" panose="02020603050405020304" pitchFamily="18" charset="0"/>
+            </a:endParaRPr>
+          </a:p>
+          <a:p>
+            <a:endParaRPr lang="en-US" sz="2000" dirty="0"/>
+          </a:p>
+        </p:txBody>
+      </p:sp>
+    </p:spTree>
+    <p:extLst>
+      <p:ext uri="{BB962C8B-B14F-4D97-AF65-F5344CB8AC3E}">
+        <p14:creationId xmlns:p14="http://schemas.microsoft.com/office/powerpoint/2010/main" val="2997750330"/>
+      </p:ext>
+    </p:extLst>
+  </p:cSld>
+  <p:clrMapOvr>
+    <a:masterClrMapping/>
+  </p:clrMapOvr>
+</p:sld>
+</file>
+
+<file path=ppt/slides/slide6.xml><?xml version="1.0" encoding="utf-8"?>
+<p:sld xmlns:a="http://schemas.openxmlformats.org/drawingml/2006/main" xmlns:r="http://schemas.openxmlformats.org/officeDocument/2006/relationships" xmlns:p="http://schemas.openxmlformats.org/presentationml/2006/main">
+  <p:cSld>
+    <p:bg>
+      <p:bgPr>
+        <a:solidFill>
+          <a:schemeClr val="bg1"/>
+        </a:solidFill>
+        <a:effectLst/>
+      </p:bgPr>
+    </p:bg>
+    <p:spTree>
+      <p:nvGrpSpPr>
+        <p:cNvPr id="1" name=""/>
+        <p:cNvGrpSpPr/>
+        <p:nvPr/>
+      </p:nvGrpSpPr>
+      <p:grpSpPr>
+        <a:xfrm>
+          <a:off x="0" y="0"/>
+          <a:ext cx="0" cy="0"/>
+          <a:chOff x="0" y="0"/>
+          <a:chExt cx="0" cy="0"/>
+        </a:xfrm>
+      </p:grpSpPr>
       <p:grpSp>
         <p:nvGrpSpPr>
           <p:cNvPr id="28" name="Group 27">
@@ -24395,7 +28479,7 @@
 </p:sld>
 </file>
 
-<file path=ppt/slides/slide6.xml><?xml version="1.0" encoding="utf-8"?>
+<file path=ppt/slides/slide7.xml><?xml version="1.0" encoding="utf-8"?>
 <p:sld xmlns:a="http://schemas.openxmlformats.org/drawingml/2006/main" xmlns:r="http://schemas.openxmlformats.org/officeDocument/2006/relationships" xmlns:p="http://schemas.openxmlformats.org/presentationml/2006/main">
   <p:cSld>
     <p:bg>
@@ -25217,7 +29301,7 @@
 </p:sld>
 </file>
 
-<file path=ppt/slides/slide7.xml><?xml version="1.0" encoding="utf-8"?>
+<file path=ppt/slides/slide8.xml><?xml version="1.0" encoding="utf-8"?>
 <p:sld xmlns:a="http://schemas.openxmlformats.org/drawingml/2006/main" xmlns:r="http://schemas.openxmlformats.org/officeDocument/2006/relationships" xmlns:p="http://schemas.openxmlformats.org/presentationml/2006/main">
   <p:cSld>
     <p:bg>
@@ -25616,7 +29700,7 @@
 </p:sld>
 </file>
 
-<file path=ppt/slides/slide8.xml><?xml version="1.0" encoding="utf-8"?>
+<file path=ppt/slides/slide9.xml><?xml version="1.0" encoding="utf-8"?>
 <p:sld xmlns:a="http://schemas.openxmlformats.org/drawingml/2006/main" xmlns:r="http://schemas.openxmlformats.org/officeDocument/2006/relationships" xmlns:p="http://schemas.openxmlformats.org/presentationml/2006/main">
   <p:cSld>
     <p:bg>
@@ -27071,1158 +31155,6 @@
     <p:extLst>
       <p:ext uri="{BB962C8B-B14F-4D97-AF65-F5344CB8AC3E}">
         <p14:creationId xmlns:p14="http://schemas.microsoft.com/office/powerpoint/2010/main" val="1545392831"/>
-      </p:ext>
-    </p:extLst>
-  </p:cSld>
-  <p:clrMapOvr>
-    <a:masterClrMapping/>
-  </p:clrMapOvr>
-</p:sld>
-</file>
-
-<file path=ppt/slides/slide9.xml><?xml version="1.0" encoding="utf-8"?>
-<p:sld xmlns:a="http://schemas.openxmlformats.org/drawingml/2006/main" xmlns:r="http://schemas.openxmlformats.org/officeDocument/2006/relationships" xmlns:p="http://schemas.openxmlformats.org/presentationml/2006/main">
-  <p:cSld>
-    <p:bg>
-      <p:bgPr>
-        <a:solidFill>
-          <a:schemeClr val="bg1"/>
-        </a:solidFill>
-        <a:effectLst/>
-      </p:bgPr>
-    </p:bg>
-    <p:spTree>
-      <p:nvGrpSpPr>
-        <p:cNvPr id="1" name=""/>
-        <p:cNvGrpSpPr/>
-        <p:nvPr/>
-      </p:nvGrpSpPr>
-      <p:grpSpPr>
-        <a:xfrm>
-          <a:off x="0" y="0"/>
-          <a:ext cx="0" cy="0"/>
-          <a:chOff x="0" y="0"/>
-          <a:chExt cx="0" cy="0"/>
-        </a:xfrm>
-      </p:grpSpPr>
-      <p:sp>
-        <p:nvSpPr>
-          <p:cNvPr id="9" name="Rectangle 8">
-            <a:extLst>
-              <a:ext uri="{FF2B5EF4-FFF2-40B4-BE49-F238E27FC236}">
-                <a16:creationId xmlns:a16="http://schemas.microsoft.com/office/drawing/2014/main" id="{388DD50E-1D2D-48C6-A470-79FB7F337F8A}"/>
-              </a:ext>
-              <a:ext uri="{C183D7F6-B498-43B3-948B-1728B52AA6E4}">
-                <adec:decorative xmlns:adec="http://schemas.microsoft.com/office/drawing/2017/decorative" val="1"/>
-              </a:ext>
-            </a:extLst>
-          </p:cNvPr>
-          <p:cNvSpPr>
-            <a:spLocks noGrp="1" noRot="1" noChangeAspect="1" noMove="1" noResize="1" noEditPoints="1" noAdjustHandles="1" noChangeArrowheads="1" noChangeShapeType="1" noTextEdit="1"/>
-          </p:cNvSpPr>
-          <p:nvPr>
-            <p:extLst>
-              <p:ext uri="{386F3935-93C4-4BCD-93E2-E3B085C9AB24}">
-                <p16:designElem xmlns:p16="http://schemas.microsoft.com/office/powerpoint/2015/main" val="1"/>
-              </p:ext>
-            </p:extLst>
-          </p:nvPr>
-        </p:nvSpPr>
-        <p:spPr>
-          <a:xfrm>
-            <a:off x="10437812" y="0"/>
-            <a:ext cx="685800" cy="1143000"/>
-          </a:xfrm>
-          <a:prstGeom prst="rect">
-            <a:avLst/>
-          </a:prstGeom>
-          <a:solidFill>
-            <a:schemeClr val="accent1"/>
-          </a:solidFill>
-          <a:ln>
-            <a:noFill/>
-          </a:ln>
-        </p:spPr>
-        <p:style>
-          <a:lnRef idx="1">
-            <a:schemeClr val="accent1"/>
-          </a:lnRef>
-          <a:fillRef idx="3">
-            <a:schemeClr val="accent1"/>
-          </a:fillRef>
-          <a:effectRef idx="2">
-            <a:schemeClr val="accent1"/>
-          </a:effectRef>
-          <a:fontRef idx="minor">
-            <a:schemeClr val="lt1"/>
-          </a:fontRef>
-        </p:style>
-      </p:sp>
-      <p:sp useBgFill="1">
-        <p:nvSpPr>
-          <p:cNvPr id="11" name="Rectangle 10">
-            <a:extLst>
-              <a:ext uri="{FF2B5EF4-FFF2-40B4-BE49-F238E27FC236}">
-                <a16:creationId xmlns:a16="http://schemas.microsoft.com/office/drawing/2014/main" id="{85F279D6-ED25-4D3F-9479-8ABB21867D9B}"/>
-              </a:ext>
-              <a:ext uri="{C183D7F6-B498-43B3-948B-1728B52AA6E4}">
-                <adec:decorative xmlns:adec="http://schemas.microsoft.com/office/drawing/2017/decorative" val="1"/>
-              </a:ext>
-            </a:extLst>
-          </p:cNvPr>
-          <p:cNvSpPr>
-            <a:spLocks noGrp="1" noRot="1" noChangeAspect="1" noMove="1" noResize="1" noEditPoints="1" noAdjustHandles="1" noChangeArrowheads="1" noChangeShapeType="1" noTextEdit="1"/>
-          </p:cNvSpPr>
-          <p:nvPr>
-            <p:extLst>
-              <p:ext uri="{386F3935-93C4-4BCD-93E2-E3B085C9AB24}">
-                <p16:designElem xmlns:p16="http://schemas.microsoft.com/office/powerpoint/2015/main" val="1"/>
-              </p:ext>
-            </p:extLst>
-          </p:nvPr>
-        </p:nvSpPr>
-        <p:spPr>
-          <a:xfrm>
-            <a:off x="0" y="0"/>
-            <a:ext cx="12192000" cy="6858000"/>
-          </a:xfrm>
-          <a:prstGeom prst="rect">
-            <a:avLst/>
-          </a:prstGeom>
-          <a:ln>
-            <a:noFill/>
-          </a:ln>
-        </p:spPr>
-        <p:style>
-          <a:lnRef idx="2">
-            <a:schemeClr val="accent1">
-              <a:shade val="50000"/>
-            </a:schemeClr>
-          </a:lnRef>
-          <a:fillRef idx="1">
-            <a:schemeClr val="accent1"/>
-          </a:fillRef>
-          <a:effectRef idx="0">
-            <a:schemeClr val="accent1"/>
-          </a:effectRef>
-          <a:fontRef idx="minor">
-            <a:schemeClr val="lt1"/>
-          </a:fontRef>
-        </p:style>
-        <p:txBody>
-          <a:bodyPr rtlCol="0" anchor="ctr"/>
-          <a:lstStyle/>
-          <a:p>
-            <a:pPr algn="ctr"/>
-            <a:endParaRPr lang="en-US"/>
-          </a:p>
-        </p:txBody>
-      </p:sp>
-      <p:sp>
-        <p:nvSpPr>
-          <p:cNvPr id="13" name="Freeform: Shape 12">
-            <a:extLst>
-              <a:ext uri="{FF2B5EF4-FFF2-40B4-BE49-F238E27FC236}">
-                <a16:creationId xmlns:a16="http://schemas.microsoft.com/office/drawing/2014/main" id="{38D0B1B4-C487-47EF-B7D0-421066454CB6}"/>
-              </a:ext>
-              <a:ext uri="{C183D7F6-B498-43B3-948B-1728B52AA6E4}">
-                <adec:decorative xmlns:adec="http://schemas.microsoft.com/office/drawing/2017/decorative" val="1"/>
-              </a:ext>
-            </a:extLst>
-          </p:cNvPr>
-          <p:cNvSpPr>
-            <a:spLocks noGrp="1" noRot="1" noChangeAspect="1" noMove="1" noResize="1" noEditPoints="1" noAdjustHandles="1" noChangeArrowheads="1" noChangeShapeType="1" noTextEdit="1"/>
-          </p:cNvSpPr>
-          <p:nvPr>
-            <p:extLst>
-              <p:ext uri="{386F3935-93C4-4BCD-93E2-E3B085C9AB24}">
-                <p16:designElem xmlns:p16="http://schemas.microsoft.com/office/powerpoint/2015/main" val="1"/>
-              </p:ext>
-            </p:extLst>
-          </p:nvPr>
-        </p:nvSpPr>
-        <p:spPr>
-          <a:xfrm>
-            <a:off x="641275" y="643466"/>
-            <a:ext cx="1970939" cy="5571067"/>
-          </a:xfrm>
-          <a:custGeom>
-            <a:avLst/>
-            <a:gdLst>
-              <a:gd name="connsiteX0" fmla="*/ 0 w 1970939"/>
-              <a:gd name="connsiteY0" fmla="*/ 0 h 5571067"/>
-              <a:gd name="connsiteX1" fmla="*/ 1774861 w 1970939"/>
-              <a:gd name="connsiteY1" fmla="*/ 0 h 5571067"/>
-              <a:gd name="connsiteX2" fmla="*/ 1780256 w 1970939"/>
-              <a:gd name="connsiteY2" fmla="*/ 32931 h 5571067"/>
-              <a:gd name="connsiteX3" fmla="*/ 1802197 w 1970939"/>
-              <a:gd name="connsiteY3" fmla="*/ 170349 h 5571067"/>
-              <a:gd name="connsiteX4" fmla="*/ 1820981 w 1970939"/>
-              <a:gd name="connsiteY4" fmla="*/ 308372 h 5571067"/>
-              <a:gd name="connsiteX5" fmla="*/ 1839923 w 1970939"/>
-              <a:gd name="connsiteY5" fmla="*/ 445791 h 5571067"/>
-              <a:gd name="connsiteX6" fmla="*/ 1857602 w 1970939"/>
-              <a:gd name="connsiteY6" fmla="*/ 583814 h 5571067"/>
-              <a:gd name="connsiteX7" fmla="*/ 1872756 w 1970939"/>
-              <a:gd name="connsiteY7" fmla="*/ 720022 h 5571067"/>
-              <a:gd name="connsiteX8" fmla="*/ 1887120 w 1970939"/>
-              <a:gd name="connsiteY8" fmla="*/ 858046 h 5571067"/>
-              <a:gd name="connsiteX9" fmla="*/ 1900223 w 1970939"/>
-              <a:gd name="connsiteY9" fmla="*/ 995464 h 5571067"/>
-              <a:gd name="connsiteX10" fmla="*/ 1911588 w 1970939"/>
-              <a:gd name="connsiteY10" fmla="*/ 1130461 h 5571067"/>
-              <a:gd name="connsiteX11" fmla="*/ 1922953 w 1970939"/>
-              <a:gd name="connsiteY11" fmla="*/ 1267274 h 5571067"/>
-              <a:gd name="connsiteX12" fmla="*/ 1932424 w 1970939"/>
-              <a:gd name="connsiteY12" fmla="*/ 1402271 h 5571067"/>
-              <a:gd name="connsiteX13" fmla="*/ 1939842 w 1970939"/>
-              <a:gd name="connsiteY13" fmla="*/ 1537267 h 5571067"/>
-              <a:gd name="connsiteX14" fmla="*/ 1947577 w 1970939"/>
-              <a:gd name="connsiteY14" fmla="*/ 1671659 h 5571067"/>
-              <a:gd name="connsiteX15" fmla="*/ 1954049 w 1970939"/>
-              <a:gd name="connsiteY15" fmla="*/ 1804840 h 5571067"/>
-              <a:gd name="connsiteX16" fmla="*/ 1958627 w 1970939"/>
-              <a:gd name="connsiteY16" fmla="*/ 1936810 h 5571067"/>
-              <a:gd name="connsiteX17" fmla="*/ 1962573 w 1970939"/>
-              <a:gd name="connsiteY17" fmla="*/ 2068780 h 5571067"/>
-              <a:gd name="connsiteX18" fmla="*/ 1966361 w 1970939"/>
-              <a:gd name="connsiteY18" fmla="*/ 2199539 h 5571067"/>
-              <a:gd name="connsiteX19" fmla="*/ 1968098 w 1970939"/>
-              <a:gd name="connsiteY19" fmla="*/ 2328482 h 5571067"/>
-              <a:gd name="connsiteX20" fmla="*/ 1969992 w 1970939"/>
-              <a:gd name="connsiteY20" fmla="*/ 2457425 h 5571067"/>
-              <a:gd name="connsiteX21" fmla="*/ 1970939 w 1970939"/>
-              <a:gd name="connsiteY21" fmla="*/ 2584552 h 5571067"/>
-              <a:gd name="connsiteX22" fmla="*/ 1969992 w 1970939"/>
-              <a:gd name="connsiteY22" fmla="*/ 2710469 h 5571067"/>
-              <a:gd name="connsiteX23" fmla="*/ 1969992 w 1970939"/>
-              <a:gd name="connsiteY23" fmla="*/ 2835174 h 5571067"/>
-              <a:gd name="connsiteX24" fmla="*/ 1968098 w 1970939"/>
-              <a:gd name="connsiteY24" fmla="*/ 2958669 h 5571067"/>
-              <a:gd name="connsiteX25" fmla="*/ 1965256 w 1970939"/>
-              <a:gd name="connsiteY25" fmla="*/ 3079742 h 5571067"/>
-              <a:gd name="connsiteX26" fmla="*/ 1962573 w 1970939"/>
-              <a:gd name="connsiteY26" fmla="*/ 3199605 h 5571067"/>
-              <a:gd name="connsiteX27" fmla="*/ 1959574 w 1970939"/>
-              <a:gd name="connsiteY27" fmla="*/ 3317046 h 5571067"/>
-              <a:gd name="connsiteX28" fmla="*/ 1954996 w 1970939"/>
-              <a:gd name="connsiteY28" fmla="*/ 3433882 h 5571067"/>
-              <a:gd name="connsiteX29" fmla="*/ 1950103 w 1970939"/>
-              <a:gd name="connsiteY29" fmla="*/ 3548902 h 5571067"/>
-              <a:gd name="connsiteX30" fmla="*/ 1945683 w 1970939"/>
-              <a:gd name="connsiteY30" fmla="*/ 3661500 h 5571067"/>
-              <a:gd name="connsiteX31" fmla="*/ 1933213 w 1970939"/>
-              <a:gd name="connsiteY31" fmla="*/ 3881248 h 5571067"/>
-              <a:gd name="connsiteX32" fmla="*/ 1919953 w 1970939"/>
-              <a:gd name="connsiteY32" fmla="*/ 4091916 h 5571067"/>
-              <a:gd name="connsiteX33" fmla="*/ 1906063 w 1970939"/>
-              <a:gd name="connsiteY33" fmla="*/ 4294109 h 5571067"/>
-              <a:gd name="connsiteX34" fmla="*/ 1890751 w 1970939"/>
-              <a:gd name="connsiteY34" fmla="*/ 4485405 h 5571067"/>
-              <a:gd name="connsiteX35" fmla="*/ 1874809 w 1970939"/>
-              <a:gd name="connsiteY35" fmla="*/ 4668226 h 5571067"/>
-              <a:gd name="connsiteX36" fmla="*/ 1857602 w 1970939"/>
-              <a:gd name="connsiteY36" fmla="*/ 4837728 h 5571067"/>
-              <a:gd name="connsiteX37" fmla="*/ 1840713 w 1970939"/>
-              <a:gd name="connsiteY37" fmla="*/ 4996940 h 5571067"/>
-              <a:gd name="connsiteX38" fmla="*/ 1823823 w 1970939"/>
-              <a:gd name="connsiteY38" fmla="*/ 5143439 h 5571067"/>
-              <a:gd name="connsiteX39" fmla="*/ 1807880 w 1970939"/>
-              <a:gd name="connsiteY39" fmla="*/ 5277830 h 5571067"/>
-              <a:gd name="connsiteX40" fmla="*/ 1792726 w 1970939"/>
-              <a:gd name="connsiteY40" fmla="*/ 5397087 h 5571067"/>
-              <a:gd name="connsiteX41" fmla="*/ 1778362 w 1970939"/>
-              <a:gd name="connsiteY41" fmla="*/ 5504843 h 5571067"/>
-              <a:gd name="connsiteX42" fmla="*/ 1769613 w 1970939"/>
-              <a:gd name="connsiteY42" fmla="*/ 5571067 h 5571067"/>
-              <a:gd name="connsiteX43" fmla="*/ 0 w 1970939"/>
-              <a:gd name="connsiteY43" fmla="*/ 5571067 h 5571067"/>
-            </a:gdLst>
-            <a:ahLst/>
-            <a:cxnLst>
-              <a:cxn ang="0">
-                <a:pos x="connsiteX0" y="connsiteY0"/>
-              </a:cxn>
-              <a:cxn ang="0">
-                <a:pos x="connsiteX1" y="connsiteY1"/>
-              </a:cxn>
-              <a:cxn ang="0">
-                <a:pos x="connsiteX2" y="connsiteY2"/>
-              </a:cxn>
-              <a:cxn ang="0">
-                <a:pos x="connsiteX3" y="connsiteY3"/>
-              </a:cxn>
-              <a:cxn ang="0">
-                <a:pos x="connsiteX4" y="connsiteY4"/>
-              </a:cxn>
-              <a:cxn ang="0">
-                <a:pos x="connsiteX5" y="connsiteY5"/>
-              </a:cxn>
-              <a:cxn ang="0">
-                <a:pos x="connsiteX6" y="connsiteY6"/>
-              </a:cxn>
-              <a:cxn ang="0">
-                <a:pos x="connsiteX7" y="connsiteY7"/>
-              </a:cxn>
-              <a:cxn ang="0">
-                <a:pos x="connsiteX8" y="connsiteY8"/>
-              </a:cxn>
-              <a:cxn ang="0">
-                <a:pos x="connsiteX9" y="connsiteY9"/>
-              </a:cxn>
-              <a:cxn ang="0">
-                <a:pos x="connsiteX10" y="connsiteY10"/>
-              </a:cxn>
-              <a:cxn ang="0">
-                <a:pos x="connsiteX11" y="connsiteY11"/>
-              </a:cxn>
-              <a:cxn ang="0">
-                <a:pos x="connsiteX12" y="connsiteY12"/>
-              </a:cxn>
-              <a:cxn ang="0">
-                <a:pos x="connsiteX13" y="connsiteY13"/>
-              </a:cxn>
-              <a:cxn ang="0">
-                <a:pos x="connsiteX14" y="connsiteY14"/>
-              </a:cxn>
-              <a:cxn ang="0">
-                <a:pos x="connsiteX15" y="connsiteY15"/>
-              </a:cxn>
-              <a:cxn ang="0">
-                <a:pos x="connsiteX16" y="connsiteY16"/>
-              </a:cxn>
-              <a:cxn ang="0">
-                <a:pos x="connsiteX17" y="connsiteY17"/>
-              </a:cxn>
-              <a:cxn ang="0">
-                <a:pos x="connsiteX18" y="connsiteY18"/>
-              </a:cxn>
-              <a:cxn ang="0">
-                <a:pos x="connsiteX19" y="connsiteY19"/>
-              </a:cxn>
-              <a:cxn ang="0">
-                <a:pos x="connsiteX20" y="connsiteY20"/>
-              </a:cxn>
-              <a:cxn ang="0">
-                <a:pos x="connsiteX21" y="connsiteY21"/>
-              </a:cxn>
-              <a:cxn ang="0">
-                <a:pos x="connsiteX22" y="connsiteY22"/>
-              </a:cxn>
-              <a:cxn ang="0">
-                <a:pos x="connsiteX23" y="connsiteY23"/>
-              </a:cxn>
-              <a:cxn ang="0">
-                <a:pos x="connsiteX24" y="connsiteY24"/>
-              </a:cxn>
-              <a:cxn ang="0">
-                <a:pos x="connsiteX25" y="connsiteY25"/>
-              </a:cxn>
-              <a:cxn ang="0">
-                <a:pos x="connsiteX26" y="connsiteY26"/>
-              </a:cxn>
-              <a:cxn ang="0">
-                <a:pos x="connsiteX27" y="connsiteY27"/>
-              </a:cxn>
-              <a:cxn ang="0">
-                <a:pos x="connsiteX28" y="connsiteY28"/>
-              </a:cxn>
-              <a:cxn ang="0">
-                <a:pos x="connsiteX29" y="connsiteY29"/>
-              </a:cxn>
-              <a:cxn ang="0">
-                <a:pos x="connsiteX30" y="connsiteY30"/>
-              </a:cxn>
-              <a:cxn ang="0">
-                <a:pos x="connsiteX31" y="connsiteY31"/>
-              </a:cxn>
-              <a:cxn ang="0">
-                <a:pos x="connsiteX32" y="connsiteY32"/>
-              </a:cxn>
-              <a:cxn ang="0">
-                <a:pos x="connsiteX33" y="connsiteY33"/>
-              </a:cxn>
-              <a:cxn ang="0">
-                <a:pos x="connsiteX34" y="connsiteY34"/>
-              </a:cxn>
-              <a:cxn ang="0">
-                <a:pos x="connsiteX35" y="connsiteY35"/>
-              </a:cxn>
-              <a:cxn ang="0">
-                <a:pos x="connsiteX36" y="connsiteY36"/>
-              </a:cxn>
-              <a:cxn ang="0">
-                <a:pos x="connsiteX37" y="connsiteY37"/>
-              </a:cxn>
-              <a:cxn ang="0">
-                <a:pos x="connsiteX38" y="connsiteY38"/>
-              </a:cxn>
-              <a:cxn ang="0">
-                <a:pos x="connsiteX39" y="connsiteY39"/>
-              </a:cxn>
-              <a:cxn ang="0">
-                <a:pos x="connsiteX40" y="connsiteY40"/>
-              </a:cxn>
-              <a:cxn ang="0">
-                <a:pos x="connsiteX41" y="connsiteY41"/>
-              </a:cxn>
-              <a:cxn ang="0">
-                <a:pos x="connsiteX42" y="connsiteY42"/>
-              </a:cxn>
-              <a:cxn ang="0">
-                <a:pos x="connsiteX43" y="connsiteY43"/>
-              </a:cxn>
-            </a:cxnLst>
-            <a:rect l="l" t="t" r="r" b="b"/>
-            <a:pathLst>
-              <a:path w="1970939" h="5571067">
-                <a:moveTo>
-                  <a:pt x="0" y="0"/>
-                </a:moveTo>
-                <a:lnTo>
-                  <a:pt x="1774861" y="0"/>
-                </a:lnTo>
-                <a:lnTo>
-                  <a:pt x="1780256" y="32931"/>
-                </a:lnTo>
-                <a:lnTo>
-                  <a:pt x="1802197" y="170349"/>
-                </a:lnTo>
-                <a:lnTo>
-                  <a:pt x="1820981" y="308372"/>
-                </a:lnTo>
-                <a:lnTo>
-                  <a:pt x="1839923" y="445791"/>
-                </a:lnTo>
-                <a:lnTo>
-                  <a:pt x="1857602" y="583814"/>
-                </a:lnTo>
-                <a:lnTo>
-                  <a:pt x="1872756" y="720022"/>
-                </a:lnTo>
-                <a:lnTo>
-                  <a:pt x="1887120" y="858046"/>
-                </a:lnTo>
-                <a:lnTo>
-                  <a:pt x="1900223" y="995464"/>
-                </a:lnTo>
-                <a:lnTo>
-                  <a:pt x="1911588" y="1130461"/>
-                </a:lnTo>
-                <a:lnTo>
-                  <a:pt x="1922953" y="1267274"/>
-                </a:lnTo>
-                <a:lnTo>
-                  <a:pt x="1932424" y="1402271"/>
-                </a:lnTo>
-                <a:lnTo>
-                  <a:pt x="1939842" y="1537267"/>
-                </a:lnTo>
-                <a:lnTo>
-                  <a:pt x="1947577" y="1671659"/>
-                </a:lnTo>
-                <a:lnTo>
-                  <a:pt x="1954049" y="1804840"/>
-                </a:lnTo>
-                <a:lnTo>
-                  <a:pt x="1958627" y="1936810"/>
-                </a:lnTo>
-                <a:lnTo>
-                  <a:pt x="1962573" y="2068780"/>
-                </a:lnTo>
-                <a:lnTo>
-                  <a:pt x="1966361" y="2199539"/>
-                </a:lnTo>
-                <a:lnTo>
-                  <a:pt x="1968098" y="2328482"/>
-                </a:lnTo>
-                <a:lnTo>
-                  <a:pt x="1969992" y="2457425"/>
-                </a:lnTo>
-                <a:lnTo>
-                  <a:pt x="1970939" y="2584552"/>
-                </a:lnTo>
-                <a:lnTo>
-                  <a:pt x="1969992" y="2710469"/>
-                </a:lnTo>
-                <a:lnTo>
-                  <a:pt x="1969992" y="2835174"/>
-                </a:lnTo>
-                <a:lnTo>
-                  <a:pt x="1968098" y="2958669"/>
-                </a:lnTo>
-                <a:lnTo>
-                  <a:pt x="1965256" y="3079742"/>
-                </a:lnTo>
-                <a:lnTo>
-                  <a:pt x="1962573" y="3199605"/>
-                </a:lnTo>
-                <a:lnTo>
-                  <a:pt x="1959574" y="3317046"/>
-                </a:lnTo>
-                <a:lnTo>
-                  <a:pt x="1954996" y="3433882"/>
-                </a:lnTo>
-                <a:lnTo>
-                  <a:pt x="1950103" y="3548902"/>
-                </a:lnTo>
-                <a:lnTo>
-                  <a:pt x="1945683" y="3661500"/>
-                </a:lnTo>
-                <a:lnTo>
-                  <a:pt x="1933213" y="3881248"/>
-                </a:lnTo>
-                <a:lnTo>
-                  <a:pt x="1919953" y="4091916"/>
-                </a:lnTo>
-                <a:lnTo>
-                  <a:pt x="1906063" y="4294109"/>
-                </a:lnTo>
-                <a:lnTo>
-                  <a:pt x="1890751" y="4485405"/>
-                </a:lnTo>
-                <a:lnTo>
-                  <a:pt x="1874809" y="4668226"/>
-                </a:lnTo>
-                <a:lnTo>
-                  <a:pt x="1857602" y="4837728"/>
-                </a:lnTo>
-                <a:lnTo>
-                  <a:pt x="1840713" y="4996940"/>
-                </a:lnTo>
-                <a:lnTo>
-                  <a:pt x="1823823" y="5143439"/>
-                </a:lnTo>
-                <a:lnTo>
-                  <a:pt x="1807880" y="5277830"/>
-                </a:lnTo>
-                <a:lnTo>
-                  <a:pt x="1792726" y="5397087"/>
-                </a:lnTo>
-                <a:lnTo>
-                  <a:pt x="1778362" y="5504843"/>
-                </a:lnTo>
-                <a:lnTo>
-                  <a:pt x="1769613" y="5571067"/>
-                </a:lnTo>
-                <a:lnTo>
-                  <a:pt x="0" y="5571067"/>
-                </a:lnTo>
-                <a:close/>
-              </a:path>
-            </a:pathLst>
-          </a:custGeom>
-          <a:ln>
-            <a:noFill/>
-          </a:ln>
-        </p:spPr>
-        <p:style>
-          <a:lnRef idx="2">
-            <a:schemeClr val="accent1">
-              <a:shade val="50000"/>
-            </a:schemeClr>
-          </a:lnRef>
-          <a:fillRef idx="1002">
-            <a:schemeClr val="dk2"/>
-          </a:fillRef>
-          <a:effectRef idx="0">
-            <a:schemeClr val="accent1"/>
-          </a:effectRef>
-          <a:fontRef idx="minor">
-            <a:schemeClr val="lt1"/>
-          </a:fontRef>
-        </p:style>
-        <p:txBody>
-          <a:bodyPr wrap="square">
-            <a:noAutofit/>
-          </a:bodyPr>
-          <a:lstStyle/>
-          <a:p>
-            <a:endParaRPr lang="en-US" dirty="0"/>
-          </a:p>
-        </p:txBody>
-      </p:sp>
-      <p:sp>
-        <p:nvSpPr>
-          <p:cNvPr id="15" name="Freeform: Shape 14">
-            <a:extLst>
-              <a:ext uri="{FF2B5EF4-FFF2-40B4-BE49-F238E27FC236}">
-                <a16:creationId xmlns:a16="http://schemas.microsoft.com/office/drawing/2014/main" id="{0214736A-03B2-4B91-B0AF-B21213F3B9DF}"/>
-              </a:ext>
-              <a:ext uri="{C183D7F6-B498-43B3-948B-1728B52AA6E4}">
-                <adec:decorative xmlns:adec="http://schemas.microsoft.com/office/drawing/2017/decorative" val="1"/>
-              </a:ext>
-            </a:extLst>
-          </p:cNvPr>
-          <p:cNvSpPr>
-            <a:spLocks noGrp="1" noRot="1" noChangeAspect="1" noMove="1" noResize="1" noEditPoints="1" noAdjustHandles="1" noChangeArrowheads="1" noChangeShapeType="1" noTextEdit="1"/>
-          </p:cNvSpPr>
-          <p:nvPr>
-            <p:extLst>
-              <p:ext uri="{386F3935-93C4-4BCD-93E2-E3B085C9AB24}">
-                <p16:designElem xmlns:p16="http://schemas.microsoft.com/office/powerpoint/2015/main" val="1"/>
-              </p:ext>
-            </p:extLst>
-          </p:nvPr>
-        </p:nvSpPr>
-        <p:spPr bwMode="gray">
-          <a:xfrm rot="15922489">
-            <a:off x="969335" y="1702087"/>
-            <a:ext cx="3209207" cy="612850"/>
-          </a:xfrm>
-          <a:custGeom>
-            <a:avLst/>
-            <a:gdLst>
-              <a:gd name="connsiteX0" fmla="*/ 3195151 w 3209207"/>
-              <a:gd name="connsiteY0" fmla="*/ 612847 h 612850"/>
-              <a:gd name="connsiteX1" fmla="*/ 3029871 w 3209207"/>
-              <a:gd name="connsiteY1" fmla="*/ 611146 h 612850"/>
-              <a:gd name="connsiteX2" fmla="*/ 2949639 w 3209207"/>
-              <a:gd name="connsiteY2" fmla="*/ 608906 h 612850"/>
-              <a:gd name="connsiteX3" fmla="*/ 2978018 w 3209207"/>
-              <a:gd name="connsiteY3" fmla="*/ 258115 h 612850"/>
-              <a:gd name="connsiteX4" fmla="*/ 2944764 w 3209207"/>
-              <a:gd name="connsiteY4" fmla="*/ 260801 h 612850"/>
-              <a:gd name="connsiteX5" fmla="*/ 2806036 w 3209207"/>
-              <a:gd name="connsiteY5" fmla="*/ 271446 h 612850"/>
-              <a:gd name="connsiteX6" fmla="*/ 2666958 w 3209207"/>
-              <a:gd name="connsiteY6" fmla="*/ 278917 h 612850"/>
-              <a:gd name="connsiteX7" fmla="*/ 2528469 w 3209207"/>
-              <a:gd name="connsiteY7" fmla="*/ 286593 h 612850"/>
-              <a:gd name="connsiteX8" fmla="*/ 2389479 w 3209207"/>
-              <a:gd name="connsiteY8" fmla="*/ 292970 h 612850"/>
-              <a:gd name="connsiteX9" fmla="*/ 2252501 w 3209207"/>
-              <a:gd name="connsiteY9" fmla="*/ 296993 h 612850"/>
-              <a:gd name="connsiteX10" fmla="*/ 2113775 w 3209207"/>
-              <a:gd name="connsiteY10" fmla="*/ 300086 h 612850"/>
-              <a:gd name="connsiteX11" fmla="*/ 1975755 w 3209207"/>
-              <a:gd name="connsiteY11" fmla="*/ 301980 h 612850"/>
-              <a:gd name="connsiteX12" fmla="*/ 1840287 w 3209207"/>
-              <a:gd name="connsiteY12" fmla="*/ 302348 h 612850"/>
-              <a:gd name="connsiteX13" fmla="*/ 1703009 w 3209207"/>
-              <a:gd name="connsiteY13" fmla="*/ 302570 h 612850"/>
-              <a:gd name="connsiteX14" fmla="*/ 1567693 w 3209207"/>
-              <a:gd name="connsiteY14" fmla="*/ 301063 h 612850"/>
-              <a:gd name="connsiteX15" fmla="*/ 1432543 w 3209207"/>
-              <a:gd name="connsiteY15" fmla="*/ 297523 h 612850"/>
-              <a:gd name="connsiteX16" fmla="*/ 1297969 w 3209207"/>
-              <a:gd name="connsiteY16" fmla="*/ 294345 h 612850"/>
-              <a:gd name="connsiteX17" fmla="*/ 1164703 w 3209207"/>
-              <a:gd name="connsiteY17" fmla="*/ 290015 h 612850"/>
-              <a:gd name="connsiteX18" fmla="*/ 1032796 w 3209207"/>
-              <a:gd name="connsiteY18" fmla="*/ 283907 h 612850"/>
-              <a:gd name="connsiteX19" fmla="*/ 900940 w 3209207"/>
-              <a:gd name="connsiteY19" fmla="*/ 277172 h 612850"/>
-              <a:gd name="connsiteX20" fmla="*/ 770303 w 3209207"/>
-              <a:gd name="connsiteY20" fmla="*/ 270380 h 612850"/>
-              <a:gd name="connsiteX21" fmla="*/ 641641 w 3209207"/>
-              <a:gd name="connsiteY21" fmla="*/ 261702 h 612850"/>
-              <a:gd name="connsiteX22" fmla="*/ 512966 w 3209207"/>
-              <a:gd name="connsiteY22" fmla="*/ 253180 h 612850"/>
-              <a:gd name="connsiteX23" fmla="*/ 386177 w 3209207"/>
-              <a:gd name="connsiteY23" fmla="*/ 243867 h 612850"/>
-              <a:gd name="connsiteX24" fmla="*/ 260746 w 3209207"/>
-              <a:gd name="connsiteY24" fmla="*/ 232775 h 612850"/>
-              <a:gd name="connsiteX25" fmla="*/ 136447 w 3209207"/>
-              <a:gd name="connsiteY25" fmla="*/ 222719 h 612850"/>
-              <a:gd name="connsiteX26" fmla="*/ 13506 w 3209207"/>
-              <a:gd name="connsiteY26" fmla="*/ 210885 h 612850"/>
-              <a:gd name="connsiteX27" fmla="*/ 0 w 3209207"/>
-              <a:gd name="connsiteY27" fmla="*/ 209475 h 612850"/>
-              <a:gd name="connsiteX28" fmla="*/ 40844 w 3209207"/>
-              <a:gd name="connsiteY28" fmla="*/ 212313 h 612850"/>
-              <a:gd name="connsiteX29" fmla="*/ 132211 w 3209207"/>
-              <a:gd name="connsiteY29" fmla="*/ 216946 h 612850"/>
-              <a:gd name="connsiteX30" fmla="*/ 225585 w 3209207"/>
-              <a:gd name="connsiteY30" fmla="*/ 221811 h 612850"/>
-              <a:gd name="connsiteX31" fmla="*/ 320298 w 3209207"/>
-              <a:gd name="connsiteY31" fmla="*/ 226444 h 612850"/>
-              <a:gd name="connsiteX32" fmla="*/ 415680 w 3209207"/>
-              <a:gd name="connsiteY32" fmla="*/ 229340 h 612850"/>
-              <a:gd name="connsiteX33" fmla="*/ 512735 w 3209207"/>
-              <a:gd name="connsiteY33" fmla="*/ 232120 h 612850"/>
-              <a:gd name="connsiteX34" fmla="*/ 611464 w 3209207"/>
-              <a:gd name="connsiteY34" fmla="*/ 235015 h 612850"/>
-              <a:gd name="connsiteX35" fmla="*/ 711532 w 3209207"/>
-              <a:gd name="connsiteY35" fmla="*/ 236985 h 612850"/>
-              <a:gd name="connsiteX36" fmla="*/ 812604 w 3209207"/>
-              <a:gd name="connsiteY36" fmla="*/ 236985 h 612850"/>
-              <a:gd name="connsiteX37" fmla="*/ 915014 w 3209207"/>
-              <a:gd name="connsiteY37" fmla="*/ 237795 h 612850"/>
-              <a:gd name="connsiteX38" fmla="*/ 1018428 w 3209207"/>
-              <a:gd name="connsiteY38" fmla="*/ 236985 h 612850"/>
-              <a:gd name="connsiteX39" fmla="*/ 1122847 w 3209207"/>
-              <a:gd name="connsiteY39" fmla="*/ 235015 h 612850"/>
-              <a:gd name="connsiteX40" fmla="*/ 1227600 w 3209207"/>
-              <a:gd name="connsiteY40" fmla="*/ 233162 h 612850"/>
-              <a:gd name="connsiteX41" fmla="*/ 1333692 w 3209207"/>
-              <a:gd name="connsiteY41" fmla="*/ 229340 h 612850"/>
-              <a:gd name="connsiteX42" fmla="*/ 1441122 w 3209207"/>
-              <a:gd name="connsiteY42" fmla="*/ 225634 h 612850"/>
-              <a:gd name="connsiteX43" fmla="*/ 1547883 w 3209207"/>
-              <a:gd name="connsiteY43" fmla="*/ 220769 h 612850"/>
-              <a:gd name="connsiteX44" fmla="*/ 1655983 w 3209207"/>
-              <a:gd name="connsiteY44" fmla="*/ 214282 h 612850"/>
-              <a:gd name="connsiteX45" fmla="*/ 1765421 w 3209207"/>
-              <a:gd name="connsiteY45" fmla="*/ 206638 h 612850"/>
-              <a:gd name="connsiteX46" fmla="*/ 1874860 w 3209207"/>
-              <a:gd name="connsiteY46" fmla="*/ 199108 h 612850"/>
-              <a:gd name="connsiteX47" fmla="*/ 1984299 w 3209207"/>
-              <a:gd name="connsiteY47" fmla="*/ 189495 h 612850"/>
-              <a:gd name="connsiteX48" fmla="*/ 2095745 w 3209207"/>
-              <a:gd name="connsiteY48" fmla="*/ 178144 h 612850"/>
-              <a:gd name="connsiteX49" fmla="*/ 2205184 w 3209207"/>
-              <a:gd name="connsiteY49" fmla="*/ 166793 h 612850"/>
-              <a:gd name="connsiteX50" fmla="*/ 2316631 w 3209207"/>
-              <a:gd name="connsiteY50" fmla="*/ 153472 h 612850"/>
-              <a:gd name="connsiteX51" fmla="*/ 2429081 w 3209207"/>
-              <a:gd name="connsiteY51" fmla="*/ 139226 h 612850"/>
-              <a:gd name="connsiteX52" fmla="*/ 2539523 w 3209207"/>
-              <a:gd name="connsiteY52" fmla="*/ 124052 h 612850"/>
-              <a:gd name="connsiteX53" fmla="*/ 2651305 w 3209207"/>
-              <a:gd name="connsiteY53" fmla="*/ 106215 h 612850"/>
-              <a:gd name="connsiteX54" fmla="*/ 2763086 w 3209207"/>
-              <a:gd name="connsiteY54" fmla="*/ 87219 h 612850"/>
-              <a:gd name="connsiteX55" fmla="*/ 2874867 w 3209207"/>
-              <a:gd name="connsiteY55" fmla="*/ 68339 h 612850"/>
-              <a:gd name="connsiteX56" fmla="*/ 2986314 w 3209207"/>
-              <a:gd name="connsiteY56" fmla="*/ 46331 h 612850"/>
-              <a:gd name="connsiteX57" fmla="*/ 3097760 w 3209207"/>
-              <a:gd name="connsiteY57" fmla="*/ 23629 h 612850"/>
-              <a:gd name="connsiteX58" fmla="*/ 3209207 w 3209207"/>
-              <a:gd name="connsiteY58" fmla="*/ 0 h 612850"/>
-              <a:gd name="connsiteX59" fmla="*/ 3195151 w 3209207"/>
-              <a:gd name="connsiteY59" fmla="*/ 612847 h 612850"/>
-            </a:gdLst>
-            <a:ahLst/>
-            <a:cxnLst>
-              <a:cxn ang="0">
-                <a:pos x="connsiteX0" y="connsiteY0"/>
-              </a:cxn>
-              <a:cxn ang="0">
-                <a:pos x="connsiteX1" y="connsiteY1"/>
-              </a:cxn>
-              <a:cxn ang="0">
-                <a:pos x="connsiteX2" y="connsiteY2"/>
-              </a:cxn>
-              <a:cxn ang="0">
-                <a:pos x="connsiteX3" y="connsiteY3"/>
-              </a:cxn>
-              <a:cxn ang="0">
-                <a:pos x="connsiteX4" y="connsiteY4"/>
-              </a:cxn>
-              <a:cxn ang="0">
-                <a:pos x="connsiteX5" y="connsiteY5"/>
-              </a:cxn>
-              <a:cxn ang="0">
-                <a:pos x="connsiteX6" y="connsiteY6"/>
-              </a:cxn>
-              <a:cxn ang="0">
-                <a:pos x="connsiteX7" y="connsiteY7"/>
-              </a:cxn>
-              <a:cxn ang="0">
-                <a:pos x="connsiteX8" y="connsiteY8"/>
-              </a:cxn>
-              <a:cxn ang="0">
-                <a:pos x="connsiteX9" y="connsiteY9"/>
-              </a:cxn>
-              <a:cxn ang="0">
-                <a:pos x="connsiteX10" y="connsiteY10"/>
-              </a:cxn>
-              <a:cxn ang="0">
-                <a:pos x="connsiteX11" y="connsiteY11"/>
-              </a:cxn>
-              <a:cxn ang="0">
-                <a:pos x="connsiteX12" y="connsiteY12"/>
-              </a:cxn>
-              <a:cxn ang="0">
-                <a:pos x="connsiteX13" y="connsiteY13"/>
-              </a:cxn>
-              <a:cxn ang="0">
-                <a:pos x="connsiteX14" y="connsiteY14"/>
-              </a:cxn>
-              <a:cxn ang="0">
-                <a:pos x="connsiteX15" y="connsiteY15"/>
-              </a:cxn>
-              <a:cxn ang="0">
-                <a:pos x="connsiteX16" y="connsiteY16"/>
-              </a:cxn>
-              <a:cxn ang="0">
-                <a:pos x="connsiteX17" y="connsiteY17"/>
-              </a:cxn>
-              <a:cxn ang="0">
-                <a:pos x="connsiteX18" y="connsiteY18"/>
-              </a:cxn>
-              <a:cxn ang="0">
-                <a:pos x="connsiteX19" y="connsiteY19"/>
-              </a:cxn>
-              <a:cxn ang="0">
-                <a:pos x="connsiteX20" y="connsiteY20"/>
-              </a:cxn>
-              <a:cxn ang="0">
-                <a:pos x="connsiteX21" y="connsiteY21"/>
-              </a:cxn>
-              <a:cxn ang="0">
-                <a:pos x="connsiteX22" y="connsiteY22"/>
-              </a:cxn>
-              <a:cxn ang="0">
-                <a:pos x="connsiteX23" y="connsiteY23"/>
-              </a:cxn>
-              <a:cxn ang="0">
-                <a:pos x="connsiteX24" y="connsiteY24"/>
-              </a:cxn>
-              <a:cxn ang="0">
-                <a:pos x="connsiteX25" y="connsiteY25"/>
-              </a:cxn>
-              <a:cxn ang="0">
-                <a:pos x="connsiteX26" y="connsiteY26"/>
-              </a:cxn>
-              <a:cxn ang="0">
-                <a:pos x="connsiteX27" y="connsiteY27"/>
-              </a:cxn>
-              <a:cxn ang="0">
-                <a:pos x="connsiteX28" y="connsiteY28"/>
-              </a:cxn>
-              <a:cxn ang="0">
-                <a:pos x="connsiteX29" y="connsiteY29"/>
-              </a:cxn>
-              <a:cxn ang="0">
-                <a:pos x="connsiteX30" y="connsiteY30"/>
-              </a:cxn>
-              <a:cxn ang="0">
-                <a:pos x="connsiteX31" y="connsiteY31"/>
-              </a:cxn>
-              <a:cxn ang="0">
-                <a:pos x="connsiteX32" y="connsiteY32"/>
-              </a:cxn>
-              <a:cxn ang="0">
-                <a:pos x="connsiteX33" y="connsiteY33"/>
-              </a:cxn>
-              <a:cxn ang="0">
-                <a:pos x="connsiteX34" y="connsiteY34"/>
-              </a:cxn>
-              <a:cxn ang="0">
-                <a:pos x="connsiteX35" y="connsiteY35"/>
-              </a:cxn>
-              <a:cxn ang="0">
-                <a:pos x="connsiteX36" y="connsiteY36"/>
-              </a:cxn>
-              <a:cxn ang="0">
-                <a:pos x="connsiteX37" y="connsiteY37"/>
-              </a:cxn>
-              <a:cxn ang="0">
-                <a:pos x="connsiteX38" y="connsiteY38"/>
-              </a:cxn>
-              <a:cxn ang="0">
-                <a:pos x="connsiteX39" y="connsiteY39"/>
-              </a:cxn>
-              <a:cxn ang="0">
-                <a:pos x="connsiteX40" y="connsiteY40"/>
-              </a:cxn>
-              <a:cxn ang="0">
-                <a:pos x="connsiteX41" y="connsiteY41"/>
-              </a:cxn>
-              <a:cxn ang="0">
-                <a:pos x="connsiteX42" y="connsiteY42"/>
-              </a:cxn>
-              <a:cxn ang="0">
-                <a:pos x="connsiteX43" y="connsiteY43"/>
-              </a:cxn>
-              <a:cxn ang="0">
-                <a:pos x="connsiteX44" y="connsiteY44"/>
-              </a:cxn>
-              <a:cxn ang="0">
-                <a:pos x="connsiteX45" y="connsiteY45"/>
-              </a:cxn>
-              <a:cxn ang="0">
-                <a:pos x="connsiteX46" y="connsiteY46"/>
-              </a:cxn>
-              <a:cxn ang="0">
-                <a:pos x="connsiteX47" y="connsiteY47"/>
-              </a:cxn>
-              <a:cxn ang="0">
-                <a:pos x="connsiteX48" y="connsiteY48"/>
-              </a:cxn>
-              <a:cxn ang="0">
-                <a:pos x="connsiteX49" y="connsiteY49"/>
-              </a:cxn>
-              <a:cxn ang="0">
-                <a:pos x="connsiteX50" y="connsiteY50"/>
-              </a:cxn>
-              <a:cxn ang="0">
-                <a:pos x="connsiteX51" y="connsiteY51"/>
-              </a:cxn>
-              <a:cxn ang="0">
-                <a:pos x="connsiteX52" y="connsiteY52"/>
-              </a:cxn>
-              <a:cxn ang="0">
-                <a:pos x="connsiteX53" y="connsiteY53"/>
-              </a:cxn>
-              <a:cxn ang="0">
-                <a:pos x="connsiteX54" y="connsiteY54"/>
-              </a:cxn>
-              <a:cxn ang="0">
-                <a:pos x="connsiteX55" y="connsiteY55"/>
-              </a:cxn>
-              <a:cxn ang="0">
-                <a:pos x="connsiteX56" y="connsiteY56"/>
-              </a:cxn>
-              <a:cxn ang="0">
-                <a:pos x="connsiteX57" y="connsiteY57"/>
-              </a:cxn>
-              <a:cxn ang="0">
-                <a:pos x="connsiteX58" y="connsiteY58"/>
-              </a:cxn>
-              <a:cxn ang="0">
-                <a:pos x="connsiteX59" y="connsiteY59"/>
-              </a:cxn>
-            </a:cxnLst>
-            <a:rect l="l" t="t" r="r" b="b"/>
-            <a:pathLst>
-              <a:path w="3209207" h="612850">
-                <a:moveTo>
-                  <a:pt x="3195151" y="612847"/>
-                </a:moveTo>
-                <a:cubicBezTo>
-                  <a:pt x="3144238" y="612898"/>
-                  <a:pt x="3088941" y="612318"/>
-                  <a:pt x="3029871" y="611146"/>
-                </a:cubicBezTo>
-                <a:lnTo>
-                  <a:pt x="2949639" y="608906"/>
-                </a:lnTo>
-                <a:lnTo>
-                  <a:pt x="2978018" y="258115"/>
-                </a:lnTo>
-                <a:lnTo>
-                  <a:pt x="2944764" y="260801"/>
-                </a:lnTo>
-                <a:lnTo>
-                  <a:pt x="2806036" y="271446"/>
-                </a:lnTo>
-                <a:lnTo>
-                  <a:pt x="2666958" y="278917"/>
-                </a:lnTo>
-                <a:lnTo>
-                  <a:pt x="2528469" y="286593"/>
-                </a:lnTo>
-                <a:lnTo>
-                  <a:pt x="2389479" y="292970"/>
-                </a:lnTo>
-                <a:lnTo>
-                  <a:pt x="2252501" y="296993"/>
-                </a:lnTo>
-                <a:lnTo>
-                  <a:pt x="2113775" y="300086"/>
-                </a:lnTo>
-                <a:lnTo>
-                  <a:pt x="1975755" y="301980"/>
-                </a:lnTo>
-                <a:lnTo>
-                  <a:pt x="1840287" y="302348"/>
-                </a:lnTo>
-                <a:lnTo>
-                  <a:pt x="1703009" y="302570"/>
-                </a:lnTo>
-                <a:lnTo>
-                  <a:pt x="1567693" y="301063"/>
-                </a:lnTo>
-                <a:lnTo>
-                  <a:pt x="1432543" y="297523"/>
-                </a:lnTo>
-                <a:lnTo>
-                  <a:pt x="1297969" y="294345"/>
-                </a:lnTo>
-                <a:lnTo>
-                  <a:pt x="1164703" y="290015"/>
-                </a:lnTo>
-                <a:lnTo>
-                  <a:pt x="1032796" y="283907"/>
-                </a:lnTo>
-                <a:lnTo>
-                  <a:pt x="900940" y="277172"/>
-                </a:lnTo>
-                <a:lnTo>
-                  <a:pt x="770303" y="270380"/>
-                </a:lnTo>
-                <a:lnTo>
-                  <a:pt x="641641" y="261702"/>
-                </a:lnTo>
-                <a:lnTo>
-                  <a:pt x="512966" y="253180"/>
-                </a:lnTo>
-                <a:lnTo>
-                  <a:pt x="386177" y="243867"/>
-                </a:lnTo>
-                <a:lnTo>
-                  <a:pt x="260746" y="232775"/>
-                </a:lnTo>
-                <a:lnTo>
-                  <a:pt x="136447" y="222719"/>
-                </a:lnTo>
-                <a:lnTo>
-                  <a:pt x="13506" y="210885"/>
-                </a:lnTo>
-                <a:lnTo>
-                  <a:pt x="0" y="209475"/>
-                </a:lnTo>
-                <a:lnTo>
-                  <a:pt x="40844" y="212313"/>
-                </a:lnTo>
-                <a:lnTo>
-                  <a:pt x="132211" y="216946"/>
-                </a:lnTo>
-                <a:lnTo>
-                  <a:pt x="225585" y="221811"/>
-                </a:lnTo>
-                <a:lnTo>
-                  <a:pt x="320298" y="226444"/>
-                </a:lnTo>
-                <a:lnTo>
-                  <a:pt x="415680" y="229340"/>
-                </a:lnTo>
-                <a:lnTo>
-                  <a:pt x="512735" y="232120"/>
-                </a:lnTo>
-                <a:lnTo>
-                  <a:pt x="611464" y="235015"/>
-                </a:lnTo>
-                <a:lnTo>
-                  <a:pt x="711532" y="236985"/>
-                </a:lnTo>
-                <a:lnTo>
-                  <a:pt x="812604" y="236985"/>
-                </a:lnTo>
-                <a:lnTo>
-                  <a:pt x="915014" y="237795"/>
-                </a:lnTo>
-                <a:lnTo>
-                  <a:pt x="1018428" y="236985"/>
-                </a:lnTo>
-                <a:lnTo>
-                  <a:pt x="1122847" y="235015"/>
-                </a:lnTo>
-                <a:lnTo>
-                  <a:pt x="1227600" y="233162"/>
-                </a:lnTo>
-                <a:lnTo>
-                  <a:pt x="1333692" y="229340"/>
-                </a:lnTo>
-                <a:lnTo>
-                  <a:pt x="1441122" y="225634"/>
-                </a:lnTo>
-                <a:lnTo>
-                  <a:pt x="1547883" y="220769"/>
-                </a:lnTo>
-                <a:lnTo>
-                  <a:pt x="1655983" y="214282"/>
-                </a:lnTo>
-                <a:lnTo>
-                  <a:pt x="1765421" y="206638"/>
-                </a:lnTo>
-                <a:lnTo>
-                  <a:pt x="1874860" y="199108"/>
-                </a:lnTo>
-                <a:lnTo>
-                  <a:pt x="1984299" y="189495"/>
-                </a:lnTo>
-                <a:lnTo>
-                  <a:pt x="2095745" y="178144"/>
-                </a:lnTo>
-                <a:lnTo>
-                  <a:pt x="2205184" y="166793"/>
-                </a:lnTo>
-                <a:lnTo>
-                  <a:pt x="2316631" y="153472"/>
-                </a:lnTo>
-                <a:lnTo>
-                  <a:pt x="2429081" y="139226"/>
-                </a:lnTo>
-                <a:lnTo>
-                  <a:pt x="2539523" y="124052"/>
-                </a:lnTo>
-                <a:lnTo>
-                  <a:pt x="2651305" y="106215"/>
-                </a:lnTo>
-                <a:lnTo>
-                  <a:pt x="2763086" y="87219"/>
-                </a:lnTo>
-                <a:lnTo>
-                  <a:pt x="2874867" y="68339"/>
-                </a:lnTo>
-                <a:lnTo>
-                  <a:pt x="2986314" y="46331"/>
-                </a:lnTo>
-                <a:lnTo>
-                  <a:pt x="3097760" y="23629"/>
-                </a:lnTo>
-                <a:lnTo>
-                  <a:pt x="3209207" y="0"/>
-                </a:lnTo>
-                <a:cubicBezTo>
-                  <a:pt x="3198832" y="386055"/>
-                  <a:pt x="3205525" y="226792"/>
-                  <a:pt x="3195151" y="612847"/>
-                </a:cubicBezTo>
-                <a:close/>
-              </a:path>
-            </a:pathLst>
-          </a:custGeom>
-          <a:solidFill>
-            <a:schemeClr val="bg1">
-              <a:alpha val="20000"/>
-            </a:schemeClr>
-          </a:solidFill>
-          <a:ln>
-            <a:noFill/>
-          </a:ln>
-        </p:spPr>
-        <p:txBody>
-          <a:bodyPr wrap="square">
-            <a:noAutofit/>
-          </a:bodyPr>
-          <a:lstStyle/>
-          <a:p>
-            <a:endParaRPr lang="en-US" dirty="0"/>
-          </a:p>
-        </p:txBody>
-      </p:sp>
-      <p:pic>
-        <p:nvPicPr>
-          <p:cNvPr id="4" name="Content Placeholder 3" descr="Text&#10;&#10;Description automatically generated">
-            <a:extLst>
-              <a:ext uri="{FF2B5EF4-FFF2-40B4-BE49-F238E27FC236}">
-                <a16:creationId xmlns:a16="http://schemas.microsoft.com/office/drawing/2014/main" id="{0B0B6AC4-48E4-4B87-A7F2-08E77FA07762}"/>
-              </a:ext>
-            </a:extLst>
-          </p:cNvPr>
-          <p:cNvPicPr>
-            <a:picLocks noGrp="1" noChangeAspect="1"/>
-          </p:cNvPicPr>
-          <p:nvPr>
-            <p:ph idx="1"/>
-          </p:nvPr>
-        </p:nvPicPr>
-        <p:blipFill>
-          <a:blip r:embed="rId2"/>
-          <a:stretch>
-            <a:fillRect/>
-          </a:stretch>
-        </p:blipFill>
-        <p:spPr>
-          <a:xfrm>
-            <a:off x="5391346" y="643466"/>
-            <a:ext cx="3774599" cy="5571067"/>
-          </a:xfrm>
-          <a:prstGeom prst="rect">
-            <a:avLst/>
-          </a:prstGeom>
-        </p:spPr>
-      </p:pic>
-    </p:spTree>
-    <p:extLst>
-      <p:ext uri="{BB962C8B-B14F-4D97-AF65-F5344CB8AC3E}">
-        <p14:creationId xmlns:p14="http://schemas.microsoft.com/office/powerpoint/2010/main" val="965916871"/>
       </p:ext>
     </p:extLst>
   </p:cSld>
